--- a/promos/redhat-promos.pptx
+++ b/promos/redhat-promos.pptx
@@ -5,22 +5,15 @@
     <p:sldMasterId id="2147483785" r:id="rId4"/>
   </p:sldMasterIdLst>
   <p:notesMasterIdLst>
-    <p:notesMasterId r:id="rId6"/>
+    <p:notesMasterId r:id="rId8"/>
   </p:notesMasterIdLst>
   <p:sldIdLst>
-    <p:sldId id="647" r:id="rId5"/>
+    <p:sldId id="649" r:id="rId5"/>
+    <p:sldId id="650" r:id="rId6"/>
+    <p:sldId id="651" r:id="rId7"/>
   </p:sldIdLst>
   <p:sldSz cx="12192000" cy="6858000"/>
   <p:notesSz cx="6858000" cy="9144000"/>
-  <p:embeddedFontLst>
-    <p:embeddedFont>
-      <p:font typeface="Georgia Pro" panose="02040502050405020303" pitchFamily="18" charset="0"/>
-      <p:regular r:id="rId7"/>
-      <p:bold r:id="rId8"/>
-      <p:italic r:id="rId9"/>
-      <p:boldItalic r:id="rId10"/>
-    </p:embeddedFont>
-  </p:embeddedFontLst>
   <p:defaultTextStyle>
     <a:defPPr>
       <a:defRPr lang="en-US"/>
@@ -124,6 +117,115 @@
 </p:presentation>
 </file>
 
+<file path=ppt/revisionInfo.xml><?xml version="1.0" encoding="utf-8"?>
+<p1510:revInfo xmlns:a="http://schemas.openxmlformats.org/drawingml/2006/main" xmlns:r="http://schemas.openxmlformats.org/officeDocument/2006/relationships" xmlns:p1510="http://schemas.microsoft.com/office/powerpoint/2015/10/main">
+  <p1510:revLst>
+    <p1510:client id="{564356AD-D754-04E7-BC12-3CABE4E7AC7C}" v="1" dt="2024-01-10T15:15:24"/>
+    <p1510:client id="{A9C08995-C53D-F2E9-2C3D-295AD2D00DD6}" v="341" dt="2024-01-10T15:13:51.177"/>
+  </p1510:revLst>
+</p1510:revInfo>
+</file>
+
+<file path=ppt/changesInfos/changesInfo1.xml><?xml version="1.0" encoding="utf-8"?>
+<pc:chgInfo xmlns:a="http://schemas.openxmlformats.org/drawingml/2006/main" xmlns:r="http://schemas.openxmlformats.org/officeDocument/2006/relationships" xmlns:ac="http://schemas.microsoft.com/office/drawing/2013/main/command" xmlns:pc="http://schemas.microsoft.com/office/powerpoint/2013/main/command">
+  <pc:docChgLst>
+    <pc:chgData name="Kelly, Darryl" userId="S::darryl.kelly@techdata.com::094ff186-4a29-48a2-a2a0-e262c19164d1" providerId="AD" clId="Web-{A9C08995-C53D-F2E9-2C3D-295AD2D00DD6}"/>
+    <pc:docChg chg="modSld">
+      <pc:chgData name="Kelly, Darryl" userId="S::darryl.kelly@techdata.com::094ff186-4a29-48a2-a2a0-e262c19164d1" providerId="AD" clId="Web-{A9C08995-C53D-F2E9-2C3D-295AD2D00DD6}" dt="2024-01-10T15:13:46.927" v="176" actId="20577"/>
+      <pc:docMkLst>
+        <pc:docMk/>
+      </pc:docMkLst>
+      <pc:sldChg chg="modSp">
+        <pc:chgData name="Kelly, Darryl" userId="S::darryl.kelly@techdata.com::094ff186-4a29-48a2-a2a0-e262c19164d1" providerId="AD" clId="Web-{A9C08995-C53D-F2E9-2C3D-295AD2D00DD6}" dt="2024-01-10T15:11:01.391" v="101" actId="20577"/>
+        <pc:sldMkLst>
+          <pc:docMk/>
+          <pc:sldMk cId="3754486150" sldId="649"/>
+        </pc:sldMkLst>
+        <pc:spChg chg="mod">
+          <ac:chgData name="Kelly, Darryl" userId="S::darryl.kelly@techdata.com::094ff186-4a29-48a2-a2a0-e262c19164d1" providerId="AD" clId="Web-{A9C08995-C53D-F2E9-2C3D-295AD2D00DD6}" dt="2024-01-10T15:10:20.249" v="73" actId="20577"/>
+          <ac:spMkLst>
+            <pc:docMk/>
+            <pc:sldMk cId="3754486150" sldId="649"/>
+            <ac:spMk id="6" creationId="{84CD3BA4-CE17-17B1-6C48-5811C69EFB6B}"/>
+          </ac:spMkLst>
+        </pc:spChg>
+        <pc:spChg chg="mod">
+          <ac:chgData name="Kelly, Darryl" userId="S::darryl.kelly@techdata.com::094ff186-4a29-48a2-a2a0-e262c19164d1" providerId="AD" clId="Web-{A9C08995-C53D-F2E9-2C3D-295AD2D00DD6}" dt="2024-01-10T15:11:01.391" v="101" actId="20577"/>
+          <ac:spMkLst>
+            <pc:docMk/>
+            <pc:sldMk cId="3754486150" sldId="649"/>
+            <ac:spMk id="8" creationId="{BF403B05-5D10-B45E-E8D4-87B7A2780420}"/>
+          </ac:spMkLst>
+        </pc:spChg>
+        <pc:spChg chg="mod">
+          <ac:chgData name="Kelly, Darryl" userId="S::darryl.kelly@techdata.com::094ff186-4a29-48a2-a2a0-e262c19164d1" providerId="AD" clId="Web-{A9C08995-C53D-F2E9-2C3D-295AD2D00DD6}" dt="2024-01-10T15:10:41.703" v="80" actId="14100"/>
+          <ac:spMkLst>
+            <pc:docMk/>
+            <pc:sldMk cId="3754486150" sldId="649"/>
+            <ac:spMk id="9" creationId="{D7ED3FB0-E170-5FBE-CFDD-CFEC16CD07B9}"/>
+          </ac:spMkLst>
+        </pc:spChg>
+        <pc:spChg chg="mod">
+          <ac:chgData name="Kelly, Darryl" userId="S::darryl.kelly@techdata.com::094ff186-4a29-48a2-a2a0-e262c19164d1" providerId="AD" clId="Web-{A9C08995-C53D-F2E9-2C3D-295AD2D00DD6}" dt="2024-01-10T15:10:30.343" v="78" actId="1076"/>
+          <ac:spMkLst>
+            <pc:docMk/>
+            <pc:sldMk cId="3754486150" sldId="649"/>
+            <ac:spMk id="10" creationId="{84C70A5B-5436-7AB0-CC7A-D22BA05FD8A1}"/>
+          </ac:spMkLst>
+        </pc:spChg>
+      </pc:sldChg>
+      <pc:sldChg chg="modSp">
+        <pc:chgData name="Kelly, Darryl" userId="S::darryl.kelly@techdata.com::094ff186-4a29-48a2-a2a0-e262c19164d1" providerId="AD" clId="Web-{A9C08995-C53D-F2E9-2C3D-295AD2D00DD6}" dt="2024-01-10T15:13:46.927" v="176" actId="20577"/>
+        <pc:sldMkLst>
+          <pc:docMk/>
+          <pc:sldMk cId="4045396081" sldId="650"/>
+        </pc:sldMkLst>
+        <pc:spChg chg="mod">
+          <ac:chgData name="Kelly, Darryl" userId="S::darryl.kelly@techdata.com::094ff186-4a29-48a2-a2a0-e262c19164d1" providerId="AD" clId="Web-{A9C08995-C53D-F2E9-2C3D-295AD2D00DD6}" dt="2024-01-10T15:12:02.002" v="109" actId="1076"/>
+          <ac:spMkLst>
+            <pc:docMk/>
+            <pc:sldMk cId="4045396081" sldId="650"/>
+            <ac:spMk id="6" creationId="{B20AE17C-3835-5BCF-5335-EF9FBC95FC06}"/>
+          </ac:spMkLst>
+        </pc:spChg>
+        <pc:spChg chg="mod">
+          <ac:chgData name="Kelly, Darryl" userId="S::darryl.kelly@techdata.com::094ff186-4a29-48a2-a2a0-e262c19164d1" providerId="AD" clId="Web-{A9C08995-C53D-F2E9-2C3D-295AD2D00DD6}" dt="2024-01-10T15:13:46.927" v="176" actId="20577"/>
+          <ac:spMkLst>
+            <pc:docMk/>
+            <pc:sldMk cId="4045396081" sldId="650"/>
+            <ac:spMk id="8" creationId="{E27FEB57-20F8-9B31-CFEA-F662F1B51201}"/>
+          </ac:spMkLst>
+        </pc:spChg>
+        <pc:spChg chg="mod">
+          <ac:chgData name="Kelly, Darryl" userId="S::darryl.kelly@techdata.com::094ff186-4a29-48a2-a2a0-e262c19164d1" providerId="AD" clId="Web-{A9C08995-C53D-F2E9-2C3D-295AD2D00DD6}" dt="2024-01-10T15:13:36.004" v="145" actId="20577"/>
+          <ac:spMkLst>
+            <pc:docMk/>
+            <pc:sldMk cId="4045396081" sldId="650"/>
+            <ac:spMk id="9" creationId="{A82BD8AB-08F7-9327-4FE1-B7E7A703A6ED}"/>
+          </ac:spMkLst>
+        </pc:spChg>
+      </pc:sldChg>
+    </pc:docChg>
+  </pc:docChgLst>
+  <pc:docChgLst>
+    <pc:chgData name="Kelly, Darryl" userId="S::darryl.kelly@techdata.com::094ff186-4a29-48a2-a2a0-e262c19164d1" providerId="AD" clId="Web-{564356AD-D754-04E7-BC12-3CABE4E7AC7C}"/>
+    <pc:docChg chg="delSld">
+      <pc:chgData name="Kelly, Darryl" userId="S::darryl.kelly@techdata.com::094ff186-4a29-48a2-a2a0-e262c19164d1" providerId="AD" clId="Web-{564356AD-D754-04E7-BC12-3CABE4E7AC7C}" dt="2024-01-10T15:15:24" v="0"/>
+      <pc:docMkLst>
+        <pc:docMk/>
+      </pc:docMkLst>
+      <pc:sldChg chg="del">
+        <pc:chgData name="Kelly, Darryl" userId="S::darryl.kelly@techdata.com::094ff186-4a29-48a2-a2a0-e262c19164d1" providerId="AD" clId="Web-{564356AD-D754-04E7-BC12-3CABE4E7AC7C}" dt="2024-01-10T15:15:24" v="0"/>
+        <pc:sldMkLst>
+          <pc:docMk/>
+          <pc:sldMk cId="2232637782" sldId="647"/>
+        </pc:sldMkLst>
+      </pc:sldChg>
+    </pc:docChg>
+  </pc:docChgLst>
+</pc:chgInfo>
+</file>
+
 <file path=ppt/notesMasters/notesMaster1.xml><?xml version="1.0" encoding="utf-8"?>
 <p:notesMaster xmlns:a="http://schemas.openxmlformats.org/drawingml/2006/main" xmlns:r="http://schemas.openxmlformats.org/officeDocument/2006/relationships" xmlns:p="http://schemas.openxmlformats.org/presentationml/2006/main">
   <p:cSld>
@@ -211,7 +313,7 @@
             <a:fld id="{D237CE78-46F0-774C-A9C0-449029F62686}" type="datetimeFigureOut">
               <a:rPr lang="en-US" smtClean="0"/>
               <a:pPr/>
-              <a:t>10/24/2023</a:t>
+              <a:t>1/10/2024</a:t>
             </a:fld>
             <a:endParaRPr lang="en-US" dirty="0"/>
           </a:p>
@@ -524,7 +626,7 @@
             <a:fld id="{E0AB49FC-EE39-194E-AD0E-8E6921FEDA79}" type="datetimeFigureOut">
               <a:rPr lang="en-US" smtClean="0"/>
               <a:pPr/>
-              <a:t>10/24/2023</a:t>
+              <a:t>1/10/2024</a:t>
             </a:fld>
             <a:endParaRPr lang="en-US" dirty="0"/>
           </a:p>
@@ -1492,7 +1594,7 @@
             <a:fld id="{E0AB49FC-EE39-194E-AD0E-8E6921FEDA79}" type="datetimeFigureOut">
               <a:rPr lang="en-US" smtClean="0"/>
               <a:pPr/>
-              <a:t>10/24/2023</a:t>
+              <a:t>1/10/2024</a:t>
             </a:fld>
             <a:endParaRPr lang="en-US" dirty="0"/>
           </a:p>
@@ -1975,7 +2077,7 @@
             <a:fld id="{E0AB49FC-EE39-194E-AD0E-8E6921FEDA79}" type="datetimeFigureOut">
               <a:rPr lang="en-US" smtClean="0"/>
               <a:pPr/>
-              <a:t>10/24/2023</a:t>
+              <a:t>1/10/2024</a:t>
             </a:fld>
             <a:endParaRPr lang="en-US" dirty="0"/>
           </a:p>
@@ -2188,7 +2290,7 @@
             <a:fld id="{E0AB49FC-EE39-194E-AD0E-8E6921FEDA79}" type="datetimeFigureOut">
               <a:rPr lang="en-US" smtClean="0"/>
               <a:pPr/>
-              <a:t>10/24/2023</a:t>
+              <a:t>1/10/2024</a:t>
             </a:fld>
             <a:endParaRPr lang="en-US" dirty="0"/>
           </a:p>
@@ -2775,7 +2877,7 @@
             <a:fld id="{E0AB49FC-EE39-194E-AD0E-8E6921FEDA79}" type="datetimeFigureOut">
               <a:rPr lang="en-US" smtClean="0"/>
               <a:pPr/>
-              <a:t>10/24/2023</a:t>
+              <a:t>1/10/2024</a:t>
             </a:fld>
             <a:endParaRPr lang="en-US" dirty="0"/>
           </a:p>
@@ -3155,7 +3257,7 @@
             <a:fld id="{E0AB49FC-EE39-194E-AD0E-8E6921FEDA79}" type="datetimeFigureOut">
               <a:rPr lang="en-US" smtClean="0"/>
               <a:pPr/>
-              <a:t>10/24/2023</a:t>
+              <a:t>1/10/2024</a:t>
             </a:fld>
             <a:endParaRPr lang="en-US" dirty="0"/>
           </a:p>
@@ -3358,7 +3460,7 @@
             <a:fld id="{E0AB49FC-EE39-194E-AD0E-8E6921FEDA79}" type="datetimeFigureOut">
               <a:rPr lang="en-US" smtClean="0"/>
               <a:pPr/>
-              <a:t>10/24/2023</a:t>
+              <a:t>1/10/2024</a:t>
             </a:fld>
             <a:endParaRPr lang="en-US" dirty="0"/>
           </a:p>
@@ -4014,7 +4116,7 @@
             <a:fld id="{E0AB49FC-EE39-194E-AD0E-8E6921FEDA79}" type="datetimeFigureOut">
               <a:rPr lang="en-US" smtClean="0"/>
               <a:pPr/>
-              <a:t>10/24/2023</a:t>
+              <a:t>1/10/2024</a:t>
             </a:fld>
             <a:endParaRPr lang="en-US" dirty="0"/>
           </a:p>
@@ -4474,7 +4576,7 @@
 </file>
 
 <file path=ppt/slides/slide1.xml><?xml version="1.0" encoding="utf-8"?>
-<p:sld xmlns:a="http://schemas.openxmlformats.org/drawingml/2006/main" xmlns:r="http://schemas.openxmlformats.org/officeDocument/2006/relationships" xmlns:p="http://schemas.openxmlformats.org/presentationml/2006/main" show="0">
+<p:sld xmlns:a="http://schemas.openxmlformats.org/drawingml/2006/main" xmlns:r="http://schemas.openxmlformats.org/officeDocument/2006/relationships" xmlns:p="http://schemas.openxmlformats.org/presentationml/2006/main">
   <p:cSld>
     <p:spTree>
       <p:nvGrpSpPr>
@@ -4495,7 +4597,7 @@
           <p:cNvPr id="2" name="Title 1">
             <a:extLst>
               <a:ext uri="{FF2B5EF4-FFF2-40B4-BE49-F238E27FC236}">
-                <a16:creationId xmlns:a16="http://schemas.microsoft.com/office/drawing/2014/main" id="{8364BFE6-7082-FBA5-CCBC-30B75E665649}"/>
+                <a16:creationId xmlns:a16="http://schemas.microsoft.com/office/drawing/2014/main" id="{314ED338-D01C-759A-9895-B38320B90311}"/>
               </a:ext>
             </a:extLst>
           </p:cNvPr>
@@ -4513,4002 +4615,3731 @@
           <a:p>
             <a:r>
               <a:rPr lang="en-GB" dirty="0"/>
-              <a:t>Relevant Promotions</a:t>
+              <a:t>Red Hat Enterprise Linux (RHEL)</a:t>
             </a:r>
           </a:p>
         </p:txBody>
       </p:sp>
-      <p:graphicFrame>
-        <p:nvGraphicFramePr>
-          <p:cNvPr id="9" name="Table 8">
+      <p:sp>
+        <p:nvSpPr>
+          <p:cNvPr id="6" name="TextBox 5">
             <a:extLst>
               <a:ext uri="{FF2B5EF4-FFF2-40B4-BE49-F238E27FC236}">
-                <a16:creationId xmlns:a16="http://schemas.microsoft.com/office/drawing/2014/main" id="{2B1DE10A-F35A-7B3D-72A7-56D9D0759C23}"/>
+                <a16:creationId xmlns:a16="http://schemas.microsoft.com/office/drawing/2014/main" id="{84CD3BA4-CE17-17B1-6C48-5811C69EFB6B}"/>
               </a:ext>
             </a:extLst>
           </p:cNvPr>
-          <p:cNvGraphicFramePr>
-            <a:graphicFrameLocks noGrp="1"/>
-          </p:cNvGraphicFramePr>
-          <p:nvPr>
-            <p:extLst>
-              <p:ext uri="{D42A27DB-BD31-4B8C-83A1-F6EECF244321}">
-                <p14:modId xmlns:p14="http://schemas.microsoft.com/office/powerpoint/2010/main" val="360925057"/>
-              </p:ext>
-            </p:extLst>
-          </p:nvPr>
-        </p:nvGraphicFramePr>
-        <p:xfrm>
-          <a:off x="487226" y="1936269"/>
-          <a:ext cx="11217547" cy="4473449"/>
-        </p:xfrm>
-        <a:graphic>
-          <a:graphicData uri="http://schemas.openxmlformats.org/drawingml/2006/table">
-            <a:tbl>
-              <a:tblPr/>
-              <a:tblGrid>
-                <a:gridCol w="1331685">
-                  <a:extLst>
-                    <a:ext uri="{9D8B030D-6E8A-4147-A177-3AD203B41FA5}">
-                      <a16:colId xmlns:a16="http://schemas.microsoft.com/office/drawing/2014/main" val="3989854365"/>
-                    </a:ext>
-                  </a:extLst>
-                </a:gridCol>
-                <a:gridCol w="1136598">
-                  <a:extLst>
-                    <a:ext uri="{9D8B030D-6E8A-4147-A177-3AD203B41FA5}">
-                      <a16:colId xmlns:a16="http://schemas.microsoft.com/office/drawing/2014/main" val="3255084304"/>
-                    </a:ext>
-                  </a:extLst>
-                </a:gridCol>
-                <a:gridCol w="1085706">
-                  <a:extLst>
-                    <a:ext uri="{9D8B030D-6E8A-4147-A177-3AD203B41FA5}">
-                      <a16:colId xmlns:a16="http://schemas.microsoft.com/office/drawing/2014/main" val="800455670"/>
-                    </a:ext>
-                  </a:extLst>
-                </a:gridCol>
-                <a:gridCol w="1153563">
-                  <a:extLst>
-                    <a:ext uri="{9D8B030D-6E8A-4147-A177-3AD203B41FA5}">
-                      <a16:colId xmlns:a16="http://schemas.microsoft.com/office/drawing/2014/main" val="4291294078"/>
-                    </a:ext>
-                  </a:extLst>
-                </a:gridCol>
-                <a:gridCol w="1340168">
-                  <a:extLst>
-                    <a:ext uri="{9D8B030D-6E8A-4147-A177-3AD203B41FA5}">
-                      <a16:colId xmlns:a16="http://schemas.microsoft.com/office/drawing/2014/main" val="355587715"/>
-                    </a:ext>
-                  </a:extLst>
-                </a:gridCol>
-                <a:gridCol w="1494966">
-                  <a:extLst>
-                    <a:ext uri="{9D8B030D-6E8A-4147-A177-3AD203B41FA5}">
-                      <a16:colId xmlns:a16="http://schemas.microsoft.com/office/drawing/2014/main" val="2108086826"/>
-                    </a:ext>
-                  </a:extLst>
-                </a:gridCol>
-                <a:gridCol w="1424989">
-                  <a:extLst>
-                    <a:ext uri="{9D8B030D-6E8A-4147-A177-3AD203B41FA5}">
-                      <a16:colId xmlns:a16="http://schemas.microsoft.com/office/drawing/2014/main" val="21909669"/>
-                    </a:ext>
-                  </a:extLst>
-                </a:gridCol>
-                <a:gridCol w="1085706">
-                  <a:extLst>
-                    <a:ext uri="{9D8B030D-6E8A-4147-A177-3AD203B41FA5}">
-                      <a16:colId xmlns:a16="http://schemas.microsoft.com/office/drawing/2014/main" val="414692656"/>
-                    </a:ext>
-                  </a:extLst>
-                </a:gridCol>
-                <a:gridCol w="1164166">
-                  <a:extLst>
-                    <a:ext uri="{9D8B030D-6E8A-4147-A177-3AD203B41FA5}">
-                      <a16:colId xmlns:a16="http://schemas.microsoft.com/office/drawing/2014/main" val="2684966702"/>
-                    </a:ext>
-                  </a:extLst>
-                </a:gridCol>
-              </a:tblGrid>
-              <a:tr h="318714">
-                <a:tc>
-                  <a:txBody>
-                    <a:bodyPr/>
-                    <a:lstStyle/>
-                    <a:p>
-                      <a:pPr algn="l" fontAlgn="b"/>
-                      <a:r>
-                        <a:rPr lang="en-GB" sz="1050" b="1" i="0" u="none" strike="noStrike" dirty="0">
-                          <a:solidFill>
-                            <a:srgbClr val="FFFFFF"/>
-                          </a:solidFill>
-                          <a:effectLst/>
-                          <a:latin typeface="Arial" panose="020B0604020202020204" pitchFamily="34" charset="0"/>
-                        </a:rPr>
-                        <a:t>Name</a:t>
-                      </a:r>
-                    </a:p>
-                  </a:txBody>
-                  <a:tcPr marL="4427" marR="4427" marT="4427" marB="0" anchor="b">
-                    <a:lnL w="6350" cap="flat" cmpd="sng" algn="ctr">
-                      <a:solidFill>
-                        <a:srgbClr val="005758"/>
-                      </a:solidFill>
-                      <a:prstDash val="solid"/>
-                      <a:round/>
-                      <a:headEnd type="none" w="med" len="med"/>
-                      <a:tailEnd type="none" w="med" len="med"/>
-                    </a:lnL>
-                    <a:lnR w="6350" cap="flat" cmpd="sng" algn="ctr">
-                      <a:solidFill>
-                        <a:srgbClr val="FFFFFF"/>
-                      </a:solidFill>
-                      <a:prstDash val="solid"/>
-                      <a:round/>
-                      <a:headEnd type="none" w="med" len="med"/>
-                      <a:tailEnd type="none" w="med" len="med"/>
-                    </a:lnR>
-                    <a:lnT>
-                      <a:noFill/>
-                    </a:lnT>
-                    <a:lnB w="6350" cap="flat" cmpd="sng" algn="ctr">
-                      <a:solidFill>
-                        <a:srgbClr val="005758"/>
-                      </a:solidFill>
-                      <a:prstDash val="solid"/>
-                      <a:round/>
-                      <a:headEnd type="none" w="med" len="med"/>
-                      <a:tailEnd type="none" w="med" len="med"/>
-                    </a:lnB>
-                    <a:solidFill>
-                      <a:srgbClr val="003031"/>
-                    </a:solidFill>
-                  </a:tcPr>
-                </a:tc>
-                <a:tc>
-                  <a:txBody>
-                    <a:bodyPr/>
-                    <a:lstStyle/>
-                    <a:p>
-                      <a:pPr algn="l" fontAlgn="b"/>
-                      <a:r>
-                        <a:rPr lang="en-GB" sz="1050" b="1" i="0" u="none" strike="noStrike" dirty="0">
-                          <a:solidFill>
-                            <a:schemeClr val="tx1"/>
-                          </a:solidFill>
-                          <a:effectLst/>
-                          <a:latin typeface="Arial" panose="020B0604020202020204" pitchFamily="34" charset="0"/>
-                        </a:rPr>
-                        <a:t>AAA / Triple A</a:t>
-                      </a:r>
-                    </a:p>
-                  </a:txBody>
-                  <a:tcPr marL="4427" marR="4427" marT="4427" marB="0" anchor="b">
-                    <a:lnL w="6350" cap="flat" cmpd="sng" algn="ctr">
-                      <a:solidFill>
-                        <a:srgbClr val="FFFFFF"/>
-                      </a:solidFill>
-                      <a:prstDash val="solid"/>
-                      <a:round/>
-                      <a:headEnd type="none" w="med" len="med"/>
-                      <a:tailEnd type="none" w="med" len="med"/>
-                    </a:lnL>
-                    <a:lnR w="6350" cap="flat" cmpd="sng" algn="ctr">
-                      <a:solidFill>
-                        <a:srgbClr val="FFFFFF"/>
-                      </a:solidFill>
-                      <a:prstDash val="solid"/>
-                      <a:round/>
-                      <a:headEnd type="none" w="med" len="med"/>
-                      <a:tailEnd type="none" w="med" len="med"/>
-                    </a:lnR>
-                    <a:lnT>
-                      <a:noFill/>
-                    </a:lnT>
-                    <a:lnB w="6350" cap="flat" cmpd="sng" algn="ctr">
-                      <a:solidFill>
-                        <a:srgbClr val="FFFFFF"/>
-                      </a:solidFill>
-                      <a:prstDash val="solid"/>
-                      <a:round/>
-                      <a:headEnd type="none" w="med" len="med"/>
-                      <a:tailEnd type="none" w="med" len="med"/>
-                    </a:lnB>
-                    <a:solidFill>
-                      <a:schemeClr val="bg2"/>
-                    </a:solidFill>
-                  </a:tcPr>
-                </a:tc>
-                <a:tc>
-                  <a:txBody>
-                    <a:bodyPr/>
-                    <a:lstStyle/>
-                    <a:p>
-                      <a:pPr algn="l" fontAlgn="b"/>
-                      <a:r>
-                        <a:rPr lang="en-GB" sz="1050" b="1" i="0" u="none" strike="noStrike">
-                          <a:solidFill>
-                            <a:schemeClr val="tx1"/>
-                          </a:solidFill>
-                          <a:effectLst/>
-                          <a:latin typeface="Arial" panose="020B0604020202020204" pitchFamily="34" charset="0"/>
-                        </a:rPr>
-                        <a:t>RHEL</a:t>
-                      </a:r>
-                      <a:br>
-                        <a:rPr lang="en-GB" sz="1050" b="1" i="0" u="none" strike="noStrike">
-                          <a:solidFill>
-                            <a:schemeClr val="tx1"/>
-                          </a:solidFill>
-                          <a:effectLst/>
-                          <a:latin typeface="Arial" panose="020B0604020202020204" pitchFamily="34" charset="0"/>
-                        </a:rPr>
-                      </a:br>
-                      <a:r>
-                        <a:rPr lang="en-GB" sz="1050" b="1" i="0" u="none" strike="noStrike">
-                          <a:solidFill>
-                            <a:schemeClr val="tx1"/>
-                          </a:solidFill>
-                          <a:effectLst/>
-                          <a:latin typeface="Arial" panose="020B0604020202020204" pitchFamily="34" charset="0"/>
-                        </a:rPr>
-                        <a:t>Volutionize</a:t>
-                      </a:r>
-                    </a:p>
-                  </a:txBody>
-                  <a:tcPr marL="4427" marR="4427" marT="4427" marB="0" anchor="b">
-                    <a:lnL w="6350" cap="flat" cmpd="sng" algn="ctr">
-                      <a:solidFill>
-                        <a:srgbClr val="FFFFFF"/>
-                      </a:solidFill>
-                      <a:prstDash val="solid"/>
-                      <a:round/>
-                      <a:headEnd type="none" w="med" len="med"/>
-                      <a:tailEnd type="none" w="med" len="med"/>
-                    </a:lnL>
-                    <a:lnR w="6350" cap="flat" cmpd="sng" algn="ctr">
-                      <a:solidFill>
-                        <a:srgbClr val="FFFFFF"/>
-                      </a:solidFill>
-                      <a:prstDash val="solid"/>
-                      <a:round/>
-                      <a:headEnd type="none" w="med" len="med"/>
-                      <a:tailEnd type="none" w="med" len="med"/>
-                    </a:lnR>
-                    <a:lnT>
-                      <a:noFill/>
-                    </a:lnT>
-                    <a:lnB w="6350" cap="flat" cmpd="sng" algn="ctr">
-                      <a:solidFill>
-                        <a:srgbClr val="FFFFFF"/>
-                      </a:solidFill>
-                      <a:prstDash val="solid"/>
-                      <a:round/>
-                      <a:headEnd type="none" w="med" len="med"/>
-                      <a:tailEnd type="none" w="med" len="med"/>
-                    </a:lnB>
-                    <a:solidFill>
-                      <a:schemeClr val="bg2"/>
-                    </a:solidFill>
-                  </a:tcPr>
-                </a:tc>
-                <a:tc>
-                  <a:txBody>
-                    <a:bodyPr/>
-                    <a:lstStyle/>
-                    <a:p>
-                      <a:pPr algn="l" fontAlgn="b"/>
-                      <a:r>
-                        <a:rPr lang="en-GB" sz="1050" b="1" i="0" u="none" strike="noStrike" dirty="0">
-                          <a:solidFill>
-                            <a:schemeClr val="tx1"/>
-                          </a:solidFill>
-                          <a:effectLst/>
-                          <a:latin typeface="Arial" panose="020B0604020202020204" pitchFamily="34" charset="0"/>
-                        </a:rPr>
-                        <a:t>Leading</a:t>
-                      </a:r>
-                      <a:br>
-                        <a:rPr lang="en-GB" sz="1050" b="1" i="0" u="none" strike="noStrike" dirty="0">
-                          <a:solidFill>
-                            <a:schemeClr val="tx1"/>
-                          </a:solidFill>
-                          <a:effectLst/>
-                          <a:latin typeface="Arial" panose="020B0604020202020204" pitchFamily="34" charset="0"/>
-                        </a:rPr>
-                      </a:br>
-                      <a:r>
-                        <a:rPr lang="en-GB" sz="1050" b="1" i="0" u="none" strike="noStrike" dirty="0">
-                          <a:solidFill>
-                            <a:schemeClr val="tx1"/>
-                          </a:solidFill>
-                          <a:effectLst/>
-                          <a:latin typeface="Arial" panose="020B0604020202020204" pitchFamily="34" charset="0"/>
-                        </a:rPr>
-                        <a:t>with Container</a:t>
-                      </a:r>
-                    </a:p>
-                  </a:txBody>
-                  <a:tcPr marL="4427" marR="4427" marT="4427" marB="0" anchor="b">
-                    <a:lnL w="6350" cap="flat" cmpd="sng" algn="ctr">
-                      <a:solidFill>
-                        <a:srgbClr val="FFFFFF"/>
-                      </a:solidFill>
-                      <a:prstDash val="solid"/>
-                      <a:round/>
-                      <a:headEnd type="none" w="med" len="med"/>
-                      <a:tailEnd type="none" w="med" len="med"/>
-                    </a:lnL>
-                    <a:lnR w="6350" cap="flat" cmpd="sng" algn="ctr">
-                      <a:solidFill>
-                        <a:srgbClr val="FFFFFF"/>
-                      </a:solidFill>
-                      <a:prstDash val="solid"/>
-                      <a:round/>
-                      <a:headEnd type="none" w="med" len="med"/>
-                      <a:tailEnd type="none" w="med" len="med"/>
-                    </a:lnR>
-                    <a:lnT>
-                      <a:noFill/>
-                    </a:lnT>
-                    <a:lnB w="6350" cap="flat" cmpd="sng" algn="ctr">
-                      <a:solidFill>
-                        <a:srgbClr val="FFFFFF"/>
-                      </a:solidFill>
-                      <a:prstDash val="solid"/>
-                      <a:round/>
-                      <a:headEnd type="none" w="med" len="med"/>
-                      <a:tailEnd type="none" w="med" len="med"/>
-                    </a:lnB>
-                    <a:solidFill>
-                      <a:schemeClr val="bg2"/>
-                    </a:solidFill>
-                  </a:tcPr>
-                </a:tc>
-                <a:tc>
-                  <a:txBody>
-                    <a:bodyPr/>
-                    <a:lstStyle/>
-                    <a:p>
-                      <a:pPr algn="l" fontAlgn="b"/>
-                      <a:r>
-                        <a:rPr lang="en-GB" sz="1050" b="1" i="0" u="none" strike="noStrike" dirty="0">
-                          <a:solidFill>
-                            <a:schemeClr val="tx1"/>
-                          </a:solidFill>
-                          <a:effectLst/>
-                          <a:latin typeface="Arial" panose="020B0604020202020204" pitchFamily="34" charset="0"/>
-                        </a:rPr>
-                        <a:t>Leading</a:t>
-                      </a:r>
-                      <a:br>
-                        <a:rPr lang="en-GB" sz="1050" b="1" i="0" u="none" strike="noStrike" dirty="0">
-                          <a:solidFill>
-                            <a:schemeClr val="tx1"/>
-                          </a:solidFill>
-                          <a:effectLst/>
-                          <a:latin typeface="Arial" panose="020B0604020202020204" pitchFamily="34" charset="0"/>
-                        </a:rPr>
-                      </a:br>
-                      <a:r>
-                        <a:rPr lang="en-GB" sz="1050" b="1" i="0" u="none" strike="noStrike" dirty="0">
-                          <a:solidFill>
-                            <a:schemeClr val="tx1"/>
-                          </a:solidFill>
-                          <a:effectLst/>
-                          <a:latin typeface="Arial" panose="020B0604020202020204" pitchFamily="34" charset="0"/>
-                        </a:rPr>
-                        <a:t>with Automation</a:t>
-                      </a:r>
-                    </a:p>
-                  </a:txBody>
-                  <a:tcPr marL="4427" marR="4427" marT="4427" marB="0" anchor="b">
-                    <a:lnL w="6350" cap="flat" cmpd="sng" algn="ctr">
-                      <a:solidFill>
-                        <a:srgbClr val="FFFFFF"/>
-                      </a:solidFill>
-                      <a:prstDash val="solid"/>
-                      <a:round/>
-                      <a:headEnd type="none" w="med" len="med"/>
-                      <a:tailEnd type="none" w="med" len="med"/>
-                    </a:lnL>
-                    <a:lnR w="6350" cap="flat" cmpd="sng" algn="ctr">
-                      <a:solidFill>
-                        <a:srgbClr val="FFFFFF"/>
-                      </a:solidFill>
-                      <a:prstDash val="solid"/>
-                      <a:round/>
-                      <a:headEnd type="none" w="med" len="med"/>
-                      <a:tailEnd type="none" w="med" len="med"/>
-                    </a:lnR>
-                    <a:lnT>
-                      <a:noFill/>
-                    </a:lnT>
-                    <a:lnB w="6350" cap="flat" cmpd="sng" algn="ctr">
-                      <a:solidFill>
-                        <a:srgbClr val="FFFFFF"/>
-                      </a:solidFill>
-                      <a:prstDash val="solid"/>
-                      <a:round/>
-                      <a:headEnd type="none" w="med" len="med"/>
-                      <a:tailEnd type="none" w="med" len="med"/>
-                    </a:lnB>
-                    <a:solidFill>
-                      <a:schemeClr val="bg2"/>
-                    </a:solidFill>
-                  </a:tcPr>
-                </a:tc>
-                <a:tc>
-                  <a:txBody>
-                    <a:bodyPr/>
-                    <a:lstStyle/>
-                    <a:p>
-                      <a:pPr algn="l" fontAlgn="b"/>
-                      <a:r>
-                        <a:rPr lang="en-GB" sz="1050" b="1" i="0" u="none" strike="noStrike" dirty="0">
-                          <a:solidFill>
-                            <a:schemeClr val="tx1"/>
-                          </a:solidFill>
-                          <a:effectLst/>
-                          <a:latin typeface="Arial" panose="020B0604020202020204" pitchFamily="34" charset="0"/>
-                        </a:rPr>
-                        <a:t>Leading</a:t>
-                      </a:r>
-                      <a:br>
-                        <a:rPr lang="en-GB" sz="1050" b="1" i="0" u="none" strike="noStrike" dirty="0">
-                          <a:solidFill>
-                            <a:schemeClr val="tx1"/>
-                          </a:solidFill>
-                          <a:effectLst/>
-                          <a:latin typeface="Arial" panose="020B0604020202020204" pitchFamily="34" charset="0"/>
-                        </a:rPr>
-                      </a:br>
-                      <a:r>
-                        <a:rPr lang="en-GB" sz="1050" b="1" i="0" u="none" strike="noStrike" dirty="0">
-                          <a:solidFill>
-                            <a:schemeClr val="tx1"/>
-                          </a:solidFill>
-                          <a:effectLst/>
-                          <a:latin typeface="Arial" panose="020B0604020202020204" pitchFamily="34" charset="0"/>
-                        </a:rPr>
-                        <a:t>with Linux</a:t>
-                      </a:r>
-                    </a:p>
-                  </a:txBody>
-                  <a:tcPr marL="4427" marR="4427" marT="4427" marB="0" anchor="b">
-                    <a:lnL w="6350" cap="flat" cmpd="sng" algn="ctr">
-                      <a:solidFill>
-                        <a:srgbClr val="FFFFFF"/>
-                      </a:solidFill>
-                      <a:prstDash val="solid"/>
-                      <a:round/>
-                      <a:headEnd type="none" w="med" len="med"/>
-                      <a:tailEnd type="none" w="med" len="med"/>
-                    </a:lnL>
-                    <a:lnR w="6350" cap="flat" cmpd="sng" algn="ctr">
-                      <a:solidFill>
-                        <a:srgbClr val="FFFFFF"/>
-                      </a:solidFill>
-                      <a:prstDash val="solid"/>
-                      <a:round/>
-                      <a:headEnd type="none" w="med" len="med"/>
-                      <a:tailEnd type="none" w="med" len="med"/>
-                    </a:lnR>
-                    <a:lnT>
-                      <a:noFill/>
-                    </a:lnT>
-                    <a:lnB w="6350" cap="flat" cmpd="sng" algn="ctr">
-                      <a:solidFill>
-                        <a:srgbClr val="FFFFFF"/>
-                      </a:solidFill>
-                      <a:prstDash val="solid"/>
-                      <a:round/>
-                      <a:headEnd type="none" w="med" len="med"/>
-                      <a:tailEnd type="none" w="med" len="med"/>
-                    </a:lnB>
-                    <a:solidFill>
-                      <a:srgbClr val="003031"/>
-                    </a:solidFill>
-                  </a:tcPr>
-                </a:tc>
-                <a:tc>
-                  <a:txBody>
-                    <a:bodyPr/>
-                    <a:lstStyle/>
-                    <a:p>
-                      <a:pPr algn="l" fontAlgn="b"/>
-                      <a:r>
-                        <a:rPr lang="en-GB" sz="1050" b="1" i="0" u="none" strike="noStrike">
-                          <a:solidFill>
-                            <a:srgbClr val="FFFFFF"/>
-                          </a:solidFill>
-                          <a:effectLst/>
-                          <a:latin typeface="Arial" panose="020B0604020202020204" pitchFamily="34" charset="0"/>
-                        </a:rPr>
-                        <a:t>RHLS</a:t>
-                      </a:r>
-                      <a:br>
-                        <a:rPr lang="en-GB" sz="1050" b="1" i="0" u="none" strike="noStrike">
-                          <a:solidFill>
-                            <a:srgbClr val="FFFFFF"/>
-                          </a:solidFill>
-                          <a:effectLst/>
-                          <a:latin typeface="Arial" panose="020B0604020202020204" pitchFamily="34" charset="0"/>
-                        </a:rPr>
-                      </a:br>
-                      <a:r>
-                        <a:rPr lang="en-GB" sz="1050" b="1" i="0" u="none" strike="noStrike">
-                          <a:solidFill>
-                            <a:srgbClr val="FFFFFF"/>
-                          </a:solidFill>
-                          <a:effectLst/>
-                          <a:latin typeface="Arial" panose="020B0604020202020204" pitchFamily="34" charset="0"/>
-                        </a:rPr>
-                        <a:t>Red Hat Learning Subscriptionen</a:t>
-                      </a:r>
-                    </a:p>
-                  </a:txBody>
-                  <a:tcPr marL="4427" marR="4427" marT="4427" marB="0" anchor="b">
-                    <a:lnL w="6350" cap="flat" cmpd="sng" algn="ctr">
-                      <a:solidFill>
-                        <a:srgbClr val="FFFFFF"/>
-                      </a:solidFill>
-                      <a:prstDash val="solid"/>
-                      <a:round/>
-                      <a:headEnd type="none" w="med" len="med"/>
-                      <a:tailEnd type="none" w="med" len="med"/>
-                    </a:lnL>
-                    <a:lnR w="6350" cap="flat" cmpd="sng" algn="ctr">
-                      <a:solidFill>
-                        <a:srgbClr val="FFFFFF"/>
-                      </a:solidFill>
-                      <a:prstDash val="solid"/>
-                      <a:round/>
-                      <a:headEnd type="none" w="med" len="med"/>
-                      <a:tailEnd type="none" w="med" len="med"/>
-                    </a:lnR>
-                    <a:lnT>
-                      <a:noFill/>
-                    </a:lnT>
-                    <a:lnB w="6350" cap="flat" cmpd="sng" algn="ctr">
-                      <a:solidFill>
-                        <a:srgbClr val="FFFFFF"/>
-                      </a:solidFill>
-                      <a:prstDash val="solid"/>
-                      <a:round/>
-                      <a:headEnd type="none" w="med" len="med"/>
-                      <a:tailEnd type="none" w="med" len="med"/>
-                    </a:lnB>
-                    <a:solidFill>
-                      <a:srgbClr val="003031"/>
-                    </a:solidFill>
-                  </a:tcPr>
-                </a:tc>
-                <a:tc>
-                  <a:txBody>
-                    <a:bodyPr/>
-                    <a:lstStyle/>
-                    <a:p>
-                      <a:pPr algn="l" fontAlgn="b"/>
-                      <a:r>
-                        <a:rPr lang="en-GB" sz="1050" b="1" i="0" u="none" strike="noStrike">
-                          <a:solidFill>
-                            <a:srgbClr val="FFFFFF"/>
-                          </a:solidFill>
-                          <a:effectLst/>
-                          <a:latin typeface="Arial" panose="020B0604020202020204" pitchFamily="34" charset="0"/>
-                        </a:rPr>
-                        <a:t>Incumbent </a:t>
-                      </a:r>
-                    </a:p>
-                  </a:txBody>
-                  <a:tcPr marL="4427" marR="4427" marT="4427" marB="0" anchor="b">
-                    <a:lnL w="6350" cap="flat" cmpd="sng" algn="ctr">
-                      <a:solidFill>
-                        <a:srgbClr val="FFFFFF"/>
-                      </a:solidFill>
-                      <a:prstDash val="solid"/>
-                      <a:round/>
-                      <a:headEnd type="none" w="med" len="med"/>
-                      <a:tailEnd type="none" w="med" len="med"/>
-                    </a:lnL>
-                    <a:lnR w="6350" cap="flat" cmpd="sng" algn="ctr">
-                      <a:solidFill>
-                        <a:srgbClr val="FFFFFF"/>
-                      </a:solidFill>
-                      <a:prstDash val="solid"/>
-                      <a:round/>
-                      <a:headEnd type="none" w="med" len="med"/>
-                      <a:tailEnd type="none" w="med" len="med"/>
-                    </a:lnR>
-                    <a:lnT>
-                      <a:noFill/>
-                    </a:lnT>
-                    <a:lnB w="6350" cap="flat" cmpd="sng" algn="ctr">
-                      <a:solidFill>
-                        <a:srgbClr val="FFFFFF"/>
-                      </a:solidFill>
-                      <a:prstDash val="solid"/>
-                      <a:round/>
-                      <a:headEnd type="none" w="med" len="med"/>
-                      <a:tailEnd type="none" w="med" len="med"/>
-                    </a:lnB>
-                    <a:solidFill>
-                      <a:srgbClr val="003031"/>
-                    </a:solidFill>
-                  </a:tcPr>
-                </a:tc>
-                <a:tc>
-                  <a:txBody>
-                    <a:bodyPr/>
-                    <a:lstStyle/>
-                    <a:p>
-                      <a:pPr algn="l" fontAlgn="b"/>
-                      <a:r>
-                        <a:rPr lang="en-GB" sz="1050" b="1" i="0" u="none" strike="noStrike">
-                          <a:solidFill>
-                            <a:srgbClr val="FFFFFF"/>
-                          </a:solidFill>
-                          <a:effectLst/>
-                          <a:latin typeface="Arial" panose="020B0604020202020204" pitchFamily="34" charset="0"/>
-                        </a:rPr>
-                        <a:t>ORP for Ready Partner</a:t>
-                      </a:r>
-                    </a:p>
-                  </a:txBody>
-                  <a:tcPr marL="4427" marR="4427" marT="4427" marB="0" anchor="b">
-                    <a:lnL w="6350" cap="flat" cmpd="sng" algn="ctr">
-                      <a:solidFill>
-                        <a:srgbClr val="FFFFFF"/>
-                      </a:solidFill>
-                      <a:prstDash val="solid"/>
-                      <a:round/>
-                      <a:headEnd type="none" w="med" len="med"/>
-                      <a:tailEnd type="none" w="med" len="med"/>
-                    </a:lnL>
-                    <a:lnR w="6350" cap="flat" cmpd="sng" algn="ctr">
-                      <a:solidFill>
-                        <a:srgbClr val="005758"/>
-                      </a:solidFill>
-                      <a:prstDash val="solid"/>
-                      <a:round/>
-                      <a:headEnd type="none" w="med" len="med"/>
-                      <a:tailEnd type="none" w="med" len="med"/>
-                    </a:lnR>
-                    <a:lnT>
-                      <a:noFill/>
-                    </a:lnT>
-                    <a:lnB w="6350" cap="flat" cmpd="sng" algn="ctr">
-                      <a:solidFill>
-                        <a:srgbClr val="FFFFFF"/>
-                      </a:solidFill>
-                      <a:prstDash val="solid"/>
-                      <a:round/>
-                      <a:headEnd type="none" w="med" len="med"/>
-                      <a:tailEnd type="none" w="med" len="med"/>
-                    </a:lnB>
-                    <a:solidFill>
-                      <a:srgbClr val="003031"/>
-                    </a:solidFill>
-                  </a:tcPr>
-                </a:tc>
-                <a:extLst>
-                  <a:ext uri="{0D108BD9-81ED-4DB2-BD59-A6C34878D82A}">
-                    <a16:rowId xmlns:a16="http://schemas.microsoft.com/office/drawing/2014/main" val="1172093223"/>
-                  </a:ext>
-                </a:extLst>
-              </a:tr>
-              <a:tr h="92958">
-                <a:tc>
-                  <a:txBody>
-                    <a:bodyPr/>
-                    <a:lstStyle/>
-                    <a:p>
-                      <a:pPr algn="l" fontAlgn="b"/>
-                      <a:r>
-                        <a:rPr lang="en-GB" sz="1000" b="1" i="0" u="none" strike="noStrike">
-                          <a:solidFill>
-                            <a:srgbClr val="FFFFFF"/>
-                          </a:solidFill>
-                          <a:effectLst/>
-                          <a:latin typeface="Arial" panose="020B0604020202020204" pitchFamily="34" charset="0"/>
-                        </a:rPr>
-                        <a:t>End Date</a:t>
-                      </a:r>
-                    </a:p>
-                  </a:txBody>
-                  <a:tcPr marL="4427" marR="4427" marT="4427" marB="0" anchor="b">
-                    <a:lnL w="6350" cap="flat" cmpd="sng" algn="ctr">
-                      <a:solidFill>
-                        <a:srgbClr val="005758"/>
-                      </a:solidFill>
-                      <a:prstDash val="solid"/>
-                      <a:round/>
-                      <a:headEnd type="none" w="med" len="med"/>
-                      <a:tailEnd type="none" w="med" len="med"/>
-                    </a:lnL>
-                    <a:lnR w="6350" cap="flat" cmpd="sng" algn="ctr">
-                      <a:solidFill>
-                        <a:srgbClr val="005758"/>
-                      </a:solidFill>
-                      <a:prstDash val="solid"/>
-                      <a:round/>
-                      <a:headEnd type="none" w="med" len="med"/>
-                      <a:tailEnd type="none" w="med" len="med"/>
-                    </a:lnR>
-                    <a:lnT w="6350" cap="flat" cmpd="sng" algn="ctr">
-                      <a:solidFill>
-                        <a:srgbClr val="005758"/>
-                      </a:solidFill>
-                      <a:prstDash val="solid"/>
-                      <a:round/>
-                      <a:headEnd type="none" w="med" len="med"/>
-                      <a:tailEnd type="none" w="med" len="med"/>
-                    </a:lnT>
-                    <a:lnB w="6350" cap="flat" cmpd="sng" algn="ctr">
-                      <a:solidFill>
-                        <a:srgbClr val="FFFFFF"/>
-                      </a:solidFill>
-                      <a:prstDash val="solid"/>
-                      <a:round/>
-                      <a:headEnd type="none" w="med" len="med"/>
-                      <a:tailEnd type="none" w="med" len="med"/>
-                    </a:lnB>
-                    <a:solidFill>
-                      <a:srgbClr val="005758"/>
-                    </a:solidFill>
-                  </a:tcPr>
-                </a:tc>
-                <a:tc>
-                  <a:txBody>
-                    <a:bodyPr/>
-                    <a:lstStyle/>
-                    <a:p>
-                      <a:pPr algn="r" fontAlgn="b"/>
-                      <a:r>
-                        <a:rPr lang="en-GB" sz="1000" b="0" i="0" u="none" strike="noStrike" dirty="0">
-                          <a:solidFill>
-                            <a:srgbClr val="003031"/>
-                          </a:solidFill>
-                          <a:effectLst/>
-                          <a:latin typeface="Georgia Pro" panose="02040502050405020303" pitchFamily="18" charset="0"/>
-                        </a:rPr>
-                        <a:t>31/12/2023</a:t>
-                      </a:r>
-                    </a:p>
-                  </a:txBody>
-                  <a:tcPr marL="4427" marR="4427" marT="4427" marB="0" anchor="b">
-                    <a:lnL w="6350" cap="flat" cmpd="sng" algn="ctr">
-                      <a:solidFill>
-                        <a:srgbClr val="005758"/>
-                      </a:solidFill>
-                      <a:prstDash val="solid"/>
-                      <a:round/>
-                      <a:headEnd type="none" w="med" len="med"/>
-                      <a:tailEnd type="none" w="med" len="med"/>
-                    </a:lnL>
-                    <a:lnR w="6350" cap="flat" cmpd="sng" algn="ctr">
-                      <a:solidFill>
-                        <a:srgbClr val="005758"/>
-                      </a:solidFill>
-                      <a:prstDash val="solid"/>
-                      <a:round/>
-                      <a:headEnd type="none" w="med" len="med"/>
-                      <a:tailEnd type="none" w="med" len="med"/>
-                    </a:lnR>
-                    <a:lnT w="6350" cap="flat" cmpd="sng" algn="ctr">
-                      <a:solidFill>
-                        <a:srgbClr val="FFFFFF"/>
-                      </a:solidFill>
-                      <a:prstDash val="solid"/>
-                      <a:round/>
-                      <a:headEnd type="none" w="med" len="med"/>
-                      <a:tailEnd type="none" w="med" len="med"/>
-                    </a:lnT>
-                    <a:lnB w="6350" cap="flat" cmpd="sng" algn="ctr">
-                      <a:solidFill>
-                        <a:srgbClr val="005758"/>
-                      </a:solidFill>
-                      <a:prstDash val="solid"/>
-                      <a:round/>
-                      <a:headEnd type="none" w="med" len="med"/>
-                      <a:tailEnd type="none" w="med" len="med"/>
-                    </a:lnB>
-                    <a:noFill/>
-                  </a:tcPr>
-                </a:tc>
-                <a:tc>
-                  <a:txBody>
-                    <a:bodyPr/>
-                    <a:lstStyle/>
-                    <a:p>
-                      <a:pPr algn="r" fontAlgn="b"/>
-                      <a:r>
-                        <a:rPr lang="en-GB" sz="1000" b="0" i="0" u="none" strike="noStrike">
-                          <a:solidFill>
-                            <a:srgbClr val="003031"/>
-                          </a:solidFill>
-                          <a:effectLst/>
-                          <a:latin typeface="Georgia Pro" panose="02040502050405020303" pitchFamily="18" charset="0"/>
-                        </a:rPr>
-                        <a:t>31/12/2023</a:t>
-                      </a:r>
-                    </a:p>
-                  </a:txBody>
-                  <a:tcPr marL="4427" marR="4427" marT="4427" marB="0" anchor="b">
-                    <a:lnL w="6350" cap="flat" cmpd="sng" algn="ctr">
-                      <a:solidFill>
-                        <a:srgbClr val="005758"/>
-                      </a:solidFill>
-                      <a:prstDash val="solid"/>
-                      <a:round/>
-                      <a:headEnd type="none" w="med" len="med"/>
-                      <a:tailEnd type="none" w="med" len="med"/>
-                    </a:lnL>
-                    <a:lnR w="6350" cap="flat" cmpd="sng" algn="ctr">
-                      <a:solidFill>
-                        <a:srgbClr val="005758"/>
-                      </a:solidFill>
-                      <a:prstDash val="solid"/>
-                      <a:round/>
-                      <a:headEnd type="none" w="med" len="med"/>
-                      <a:tailEnd type="none" w="med" len="med"/>
-                    </a:lnR>
-                    <a:lnT w="6350" cap="flat" cmpd="sng" algn="ctr">
-                      <a:solidFill>
-                        <a:srgbClr val="FFFFFF"/>
-                      </a:solidFill>
-                      <a:prstDash val="solid"/>
-                      <a:round/>
-                      <a:headEnd type="none" w="med" len="med"/>
-                      <a:tailEnd type="none" w="med" len="med"/>
-                    </a:lnT>
-                    <a:lnB w="6350" cap="flat" cmpd="sng" algn="ctr">
-                      <a:solidFill>
-                        <a:srgbClr val="005758"/>
-                      </a:solidFill>
-                      <a:prstDash val="solid"/>
-                      <a:round/>
-                      <a:headEnd type="none" w="med" len="med"/>
-                      <a:tailEnd type="none" w="med" len="med"/>
-                    </a:lnB>
-                  </a:tcPr>
-                </a:tc>
-                <a:tc>
-                  <a:txBody>
-                    <a:bodyPr/>
-                    <a:lstStyle/>
-                    <a:p>
-                      <a:pPr algn="l" fontAlgn="b"/>
-                      <a:r>
-                        <a:rPr lang="en-GB" sz="1000" b="0" i="0" u="none" strike="noStrike">
-                          <a:solidFill>
-                            <a:srgbClr val="003031"/>
-                          </a:solidFill>
-                          <a:effectLst/>
-                          <a:latin typeface="Georgia Pro" panose="02040502050405020303" pitchFamily="18" charset="0"/>
-                        </a:rPr>
-                        <a:t>Unlimited</a:t>
-                      </a:r>
-                    </a:p>
-                  </a:txBody>
-                  <a:tcPr marL="4427" marR="4427" marT="4427" marB="0" anchor="b">
-                    <a:lnL w="6350" cap="flat" cmpd="sng" algn="ctr">
-                      <a:solidFill>
-                        <a:srgbClr val="005758"/>
-                      </a:solidFill>
-                      <a:prstDash val="solid"/>
-                      <a:round/>
-                      <a:headEnd type="none" w="med" len="med"/>
-                      <a:tailEnd type="none" w="med" len="med"/>
-                    </a:lnL>
-                    <a:lnR w="6350" cap="flat" cmpd="sng" algn="ctr">
-                      <a:solidFill>
-                        <a:srgbClr val="005758"/>
-                      </a:solidFill>
-                      <a:prstDash val="solid"/>
-                      <a:round/>
-                      <a:headEnd type="none" w="med" len="med"/>
-                      <a:tailEnd type="none" w="med" len="med"/>
-                    </a:lnR>
-                    <a:lnT w="6350" cap="flat" cmpd="sng" algn="ctr">
-                      <a:solidFill>
-                        <a:srgbClr val="FFFFFF"/>
-                      </a:solidFill>
-                      <a:prstDash val="solid"/>
-                      <a:round/>
-                      <a:headEnd type="none" w="med" len="med"/>
-                      <a:tailEnd type="none" w="med" len="med"/>
-                    </a:lnT>
-                    <a:lnB w="6350" cap="flat" cmpd="sng" algn="ctr">
-                      <a:solidFill>
-                        <a:srgbClr val="005758"/>
-                      </a:solidFill>
-                      <a:prstDash val="solid"/>
-                      <a:round/>
-                      <a:headEnd type="none" w="med" len="med"/>
-                      <a:tailEnd type="none" w="med" len="med"/>
-                    </a:lnB>
-                  </a:tcPr>
-                </a:tc>
-                <a:tc>
-                  <a:txBody>
-                    <a:bodyPr/>
-                    <a:lstStyle/>
-                    <a:p>
-                      <a:pPr algn="l" fontAlgn="b"/>
-                      <a:r>
-                        <a:rPr lang="en-GB" sz="1000" b="0" i="0" u="none" strike="noStrike">
-                          <a:solidFill>
-                            <a:srgbClr val="003031"/>
-                          </a:solidFill>
-                          <a:effectLst/>
-                          <a:latin typeface="Georgia Pro" panose="02040502050405020303" pitchFamily="18" charset="0"/>
-                        </a:rPr>
-                        <a:t>Unlimited</a:t>
-                      </a:r>
-                    </a:p>
-                  </a:txBody>
-                  <a:tcPr marL="4427" marR="4427" marT="4427" marB="0" anchor="b">
-                    <a:lnL w="6350" cap="flat" cmpd="sng" algn="ctr">
-                      <a:solidFill>
-                        <a:srgbClr val="005758"/>
-                      </a:solidFill>
-                      <a:prstDash val="solid"/>
-                      <a:round/>
-                      <a:headEnd type="none" w="med" len="med"/>
-                      <a:tailEnd type="none" w="med" len="med"/>
-                    </a:lnL>
-                    <a:lnR w="6350" cap="flat" cmpd="sng" algn="ctr">
-                      <a:solidFill>
-                        <a:srgbClr val="005758"/>
-                      </a:solidFill>
-                      <a:prstDash val="solid"/>
-                      <a:round/>
-                      <a:headEnd type="none" w="med" len="med"/>
-                      <a:tailEnd type="none" w="med" len="med"/>
-                    </a:lnR>
-                    <a:lnT w="6350" cap="flat" cmpd="sng" algn="ctr">
-                      <a:solidFill>
-                        <a:srgbClr val="FFFFFF"/>
-                      </a:solidFill>
-                      <a:prstDash val="solid"/>
-                      <a:round/>
-                      <a:headEnd type="none" w="med" len="med"/>
-                      <a:tailEnd type="none" w="med" len="med"/>
-                    </a:lnT>
-                    <a:lnB w="6350" cap="flat" cmpd="sng" algn="ctr">
-                      <a:solidFill>
-                        <a:srgbClr val="005758"/>
-                      </a:solidFill>
-                      <a:prstDash val="solid"/>
-                      <a:round/>
-                      <a:headEnd type="none" w="med" len="med"/>
-                      <a:tailEnd type="none" w="med" len="med"/>
-                    </a:lnB>
-                    <a:noFill/>
-                  </a:tcPr>
-                </a:tc>
-                <a:tc>
-                  <a:txBody>
-                    <a:bodyPr/>
-                    <a:lstStyle/>
-                    <a:p>
-                      <a:pPr algn="l" fontAlgn="b"/>
-                      <a:r>
-                        <a:rPr lang="en-GB" sz="1000" b="0" i="0" u="none" strike="noStrike">
-                          <a:solidFill>
-                            <a:srgbClr val="003031"/>
-                          </a:solidFill>
-                          <a:effectLst/>
-                          <a:latin typeface="Georgia Pro" panose="02040502050405020303" pitchFamily="18" charset="0"/>
-                        </a:rPr>
-                        <a:t>Unlimited</a:t>
-                      </a:r>
-                    </a:p>
-                  </a:txBody>
-                  <a:tcPr marL="4427" marR="4427" marT="4427" marB="0" anchor="b">
-                    <a:lnL w="6350" cap="flat" cmpd="sng" algn="ctr">
-                      <a:solidFill>
-                        <a:srgbClr val="005758"/>
-                      </a:solidFill>
-                      <a:prstDash val="solid"/>
-                      <a:round/>
-                      <a:headEnd type="none" w="med" len="med"/>
-                      <a:tailEnd type="none" w="med" len="med"/>
-                    </a:lnL>
-                    <a:lnR w="6350" cap="flat" cmpd="sng" algn="ctr">
-                      <a:solidFill>
-                        <a:srgbClr val="005758"/>
-                      </a:solidFill>
-                      <a:prstDash val="solid"/>
-                      <a:round/>
-                      <a:headEnd type="none" w="med" len="med"/>
-                      <a:tailEnd type="none" w="med" len="med"/>
-                    </a:lnR>
-                    <a:lnT w="6350" cap="flat" cmpd="sng" algn="ctr">
-                      <a:solidFill>
-                        <a:srgbClr val="FFFFFF"/>
-                      </a:solidFill>
-                      <a:prstDash val="solid"/>
-                      <a:round/>
-                      <a:headEnd type="none" w="med" len="med"/>
-                      <a:tailEnd type="none" w="med" len="med"/>
-                    </a:lnT>
-                    <a:lnB w="6350" cap="flat" cmpd="sng" algn="ctr">
-                      <a:solidFill>
-                        <a:srgbClr val="005758"/>
-                      </a:solidFill>
-                      <a:prstDash val="solid"/>
-                      <a:round/>
-                      <a:headEnd type="none" w="med" len="med"/>
-                      <a:tailEnd type="none" w="med" len="med"/>
-                    </a:lnB>
-                  </a:tcPr>
-                </a:tc>
-                <a:tc>
-                  <a:txBody>
-                    <a:bodyPr/>
-                    <a:lstStyle/>
-                    <a:p>
-                      <a:pPr algn="r" fontAlgn="b"/>
-                      <a:r>
-                        <a:rPr lang="en-GB" sz="1000" b="0" i="0" u="none" strike="noStrike">
-                          <a:solidFill>
-                            <a:srgbClr val="003031"/>
-                          </a:solidFill>
-                          <a:effectLst/>
-                          <a:latin typeface="Georgia Pro" panose="02040502050405020303" pitchFamily="18" charset="0"/>
-                        </a:rPr>
-                        <a:t>31/07/2023</a:t>
-                      </a:r>
-                    </a:p>
-                  </a:txBody>
-                  <a:tcPr marL="4427" marR="4427" marT="4427" marB="0" anchor="b">
-                    <a:lnL w="6350" cap="flat" cmpd="sng" algn="ctr">
-                      <a:solidFill>
-                        <a:srgbClr val="005758"/>
-                      </a:solidFill>
-                      <a:prstDash val="solid"/>
-                      <a:round/>
-                      <a:headEnd type="none" w="med" len="med"/>
-                      <a:tailEnd type="none" w="med" len="med"/>
-                    </a:lnL>
-                    <a:lnR w="6350" cap="flat" cmpd="sng" algn="ctr">
-                      <a:solidFill>
-                        <a:srgbClr val="005758"/>
-                      </a:solidFill>
-                      <a:prstDash val="solid"/>
-                      <a:round/>
-                      <a:headEnd type="none" w="med" len="med"/>
-                      <a:tailEnd type="none" w="med" len="med"/>
-                    </a:lnR>
-                    <a:lnT w="6350" cap="flat" cmpd="sng" algn="ctr">
-                      <a:solidFill>
-                        <a:srgbClr val="FFFFFF"/>
-                      </a:solidFill>
-                      <a:prstDash val="solid"/>
-                      <a:round/>
-                      <a:headEnd type="none" w="med" len="med"/>
-                      <a:tailEnd type="none" w="med" len="med"/>
-                    </a:lnT>
-                    <a:lnB w="6350" cap="flat" cmpd="sng" algn="ctr">
-                      <a:solidFill>
-                        <a:srgbClr val="005758"/>
-                      </a:solidFill>
-                      <a:prstDash val="solid"/>
-                      <a:round/>
-                      <a:headEnd type="none" w="med" len="med"/>
-                      <a:tailEnd type="none" w="med" len="med"/>
-                    </a:lnB>
-                  </a:tcPr>
-                </a:tc>
-                <a:tc>
-                  <a:txBody>
-                    <a:bodyPr/>
-                    <a:lstStyle/>
-                    <a:p>
-                      <a:pPr algn="l" fontAlgn="b"/>
-                      <a:r>
-                        <a:rPr lang="en-GB" sz="1000" b="0" i="0" u="none" strike="noStrike">
-                          <a:solidFill>
-                            <a:srgbClr val="003031"/>
-                          </a:solidFill>
-                          <a:effectLst/>
-                          <a:latin typeface="Georgia Pro" panose="02040502050405020303" pitchFamily="18" charset="0"/>
-                        </a:rPr>
-                        <a:t>Unlimited</a:t>
-                      </a:r>
-                    </a:p>
-                  </a:txBody>
-                  <a:tcPr marL="4427" marR="4427" marT="4427" marB="0" anchor="b">
-                    <a:lnL w="6350" cap="flat" cmpd="sng" algn="ctr">
-                      <a:solidFill>
-                        <a:srgbClr val="005758"/>
-                      </a:solidFill>
-                      <a:prstDash val="solid"/>
-                      <a:round/>
-                      <a:headEnd type="none" w="med" len="med"/>
-                      <a:tailEnd type="none" w="med" len="med"/>
-                    </a:lnL>
-                    <a:lnR w="6350" cap="flat" cmpd="sng" algn="ctr">
-                      <a:solidFill>
-                        <a:srgbClr val="005758"/>
-                      </a:solidFill>
-                      <a:prstDash val="solid"/>
-                      <a:round/>
-                      <a:headEnd type="none" w="med" len="med"/>
-                      <a:tailEnd type="none" w="med" len="med"/>
-                    </a:lnR>
-                    <a:lnT w="6350" cap="flat" cmpd="sng" algn="ctr">
-                      <a:solidFill>
-                        <a:srgbClr val="FFFFFF"/>
-                      </a:solidFill>
-                      <a:prstDash val="solid"/>
-                      <a:round/>
-                      <a:headEnd type="none" w="med" len="med"/>
-                      <a:tailEnd type="none" w="med" len="med"/>
-                    </a:lnT>
-                    <a:lnB w="6350" cap="flat" cmpd="sng" algn="ctr">
-                      <a:solidFill>
-                        <a:srgbClr val="005758"/>
-                      </a:solidFill>
-                      <a:prstDash val="solid"/>
-                      <a:round/>
-                      <a:headEnd type="none" w="med" len="med"/>
-                      <a:tailEnd type="none" w="med" len="med"/>
-                    </a:lnB>
-                  </a:tcPr>
-                </a:tc>
-                <a:tc>
-                  <a:txBody>
-                    <a:bodyPr/>
-                    <a:lstStyle/>
-                    <a:p>
-                      <a:pPr algn="l" fontAlgn="b"/>
-                      <a:r>
-                        <a:rPr lang="en-GB" sz="1000" b="0" i="0" u="none" strike="noStrike">
-                          <a:solidFill>
-                            <a:srgbClr val="003031"/>
-                          </a:solidFill>
-                          <a:effectLst/>
-                          <a:latin typeface="Georgia Pro" panose="02040502050405020303" pitchFamily="18" charset="0"/>
-                        </a:rPr>
-                        <a:t>Unlimited</a:t>
-                      </a:r>
-                    </a:p>
-                  </a:txBody>
-                  <a:tcPr marL="4427" marR="4427" marT="4427" marB="0" anchor="b">
-                    <a:lnL w="6350" cap="flat" cmpd="sng" algn="ctr">
-                      <a:solidFill>
-                        <a:srgbClr val="005758"/>
-                      </a:solidFill>
-                      <a:prstDash val="solid"/>
-                      <a:round/>
-                      <a:headEnd type="none" w="med" len="med"/>
-                      <a:tailEnd type="none" w="med" len="med"/>
-                    </a:lnL>
-                    <a:lnR w="6350" cap="flat" cmpd="sng" algn="ctr">
-                      <a:solidFill>
-                        <a:srgbClr val="005758"/>
-                      </a:solidFill>
-                      <a:prstDash val="solid"/>
-                      <a:round/>
-                      <a:headEnd type="none" w="med" len="med"/>
-                      <a:tailEnd type="none" w="med" len="med"/>
-                    </a:lnR>
-                    <a:lnT w="6350" cap="flat" cmpd="sng" algn="ctr">
-                      <a:solidFill>
-                        <a:srgbClr val="FFFFFF"/>
-                      </a:solidFill>
-                      <a:prstDash val="solid"/>
-                      <a:round/>
-                      <a:headEnd type="none" w="med" len="med"/>
-                      <a:tailEnd type="none" w="med" len="med"/>
-                    </a:lnT>
-                    <a:lnB w="6350" cap="flat" cmpd="sng" algn="ctr">
-                      <a:solidFill>
-                        <a:srgbClr val="005758"/>
-                      </a:solidFill>
-                      <a:prstDash val="solid"/>
-                      <a:round/>
-                      <a:headEnd type="none" w="med" len="med"/>
-                      <a:tailEnd type="none" w="med" len="med"/>
-                    </a:lnB>
-                  </a:tcPr>
-                </a:tc>
-                <a:extLst>
-                  <a:ext uri="{0D108BD9-81ED-4DB2-BD59-A6C34878D82A}">
-                    <a16:rowId xmlns:a16="http://schemas.microsoft.com/office/drawing/2014/main" val="3392516677"/>
-                  </a:ext>
-                </a:extLst>
-              </a:tr>
-              <a:tr h="181490">
-                <a:tc>
-                  <a:txBody>
-                    <a:bodyPr/>
-                    <a:lstStyle/>
-                    <a:p>
-                      <a:pPr algn="l" fontAlgn="b"/>
-                      <a:r>
-                        <a:rPr lang="en-GB" sz="1000" b="1" i="0" u="none" strike="noStrike">
-                          <a:solidFill>
-                            <a:srgbClr val="FFFFFF"/>
-                          </a:solidFill>
-                          <a:effectLst/>
-                          <a:latin typeface="Arial" panose="020B0604020202020204" pitchFamily="34" charset="0"/>
-                        </a:rPr>
-                        <a:t>Benefit / Discount</a:t>
-                      </a:r>
-                    </a:p>
-                  </a:txBody>
-                  <a:tcPr marL="4427" marR="4427" marT="4427" marB="0" anchor="b">
-                    <a:lnL w="6350" cap="flat" cmpd="sng" algn="ctr">
-                      <a:solidFill>
-                        <a:srgbClr val="005758"/>
-                      </a:solidFill>
-                      <a:prstDash val="solid"/>
-                      <a:round/>
-                      <a:headEnd type="none" w="med" len="med"/>
-                      <a:tailEnd type="none" w="med" len="med"/>
-                    </a:lnL>
-                    <a:lnR w="6350" cap="flat" cmpd="sng" algn="ctr">
-                      <a:solidFill>
-                        <a:srgbClr val="005758"/>
-                      </a:solidFill>
-                      <a:prstDash val="solid"/>
-                      <a:round/>
-                      <a:headEnd type="none" w="med" len="med"/>
-                      <a:tailEnd type="none" w="med" len="med"/>
-                    </a:lnR>
-                    <a:lnT w="6350" cap="flat" cmpd="sng" algn="ctr">
-                      <a:solidFill>
-                        <a:srgbClr val="FFFFFF"/>
-                      </a:solidFill>
-                      <a:prstDash val="solid"/>
-                      <a:round/>
-                      <a:headEnd type="none" w="med" len="med"/>
-                      <a:tailEnd type="none" w="med" len="med"/>
-                    </a:lnT>
-                    <a:lnB w="6350" cap="flat" cmpd="sng" algn="ctr">
-                      <a:solidFill>
-                        <a:srgbClr val="FFFFFF"/>
-                      </a:solidFill>
-                      <a:prstDash val="solid"/>
-                      <a:round/>
-                      <a:headEnd type="none" w="med" len="med"/>
-                      <a:tailEnd type="none" w="med" len="med"/>
-                    </a:lnB>
-                    <a:solidFill>
-                      <a:srgbClr val="005758"/>
-                    </a:solidFill>
-                  </a:tcPr>
-                </a:tc>
-                <a:tc>
-                  <a:txBody>
-                    <a:bodyPr/>
-                    <a:lstStyle/>
-                    <a:p>
-                      <a:pPr algn="l" fontAlgn="b"/>
-                      <a:r>
-                        <a:rPr lang="en-GB" sz="1000" b="0" i="0" u="none" strike="noStrike" dirty="0">
-                          <a:solidFill>
-                            <a:srgbClr val="003031"/>
-                          </a:solidFill>
-                          <a:effectLst/>
-                          <a:latin typeface="Georgia Pro" panose="02040502050405020303" pitchFamily="18" charset="0"/>
-                        </a:rPr>
-                        <a:t>33% + Volume discount</a:t>
-                      </a:r>
-                    </a:p>
-                  </a:txBody>
-                  <a:tcPr marL="4427" marR="4427" marT="4427" marB="0" anchor="b">
-                    <a:lnL w="6350" cap="flat" cmpd="sng" algn="ctr">
-                      <a:solidFill>
-                        <a:srgbClr val="005758"/>
-                      </a:solidFill>
-                      <a:prstDash val="solid"/>
-                      <a:round/>
-                      <a:headEnd type="none" w="med" len="med"/>
-                      <a:tailEnd type="none" w="med" len="med"/>
-                    </a:lnL>
-                    <a:lnR w="6350" cap="flat" cmpd="sng" algn="ctr">
-                      <a:solidFill>
-                        <a:srgbClr val="005758"/>
-                      </a:solidFill>
-                      <a:prstDash val="solid"/>
-                      <a:round/>
-                      <a:headEnd type="none" w="med" len="med"/>
-                      <a:tailEnd type="none" w="med" len="med"/>
-                    </a:lnR>
-                    <a:lnT w="6350" cap="flat" cmpd="sng" algn="ctr">
-                      <a:solidFill>
-                        <a:srgbClr val="005758"/>
-                      </a:solidFill>
-                      <a:prstDash val="solid"/>
-                      <a:round/>
-                      <a:headEnd type="none" w="med" len="med"/>
-                      <a:tailEnd type="none" w="med" len="med"/>
-                    </a:lnT>
-                    <a:lnB w="6350" cap="flat" cmpd="sng" algn="ctr">
-                      <a:solidFill>
-                        <a:srgbClr val="005758"/>
-                      </a:solidFill>
-                      <a:prstDash val="solid"/>
-                      <a:round/>
-                      <a:headEnd type="none" w="med" len="med"/>
-                      <a:tailEnd type="none" w="med" len="med"/>
-                    </a:lnB>
-                    <a:noFill/>
-                  </a:tcPr>
-                </a:tc>
-                <a:tc>
-                  <a:txBody>
-                    <a:bodyPr/>
-                    <a:lstStyle/>
-                    <a:p>
-                      <a:pPr algn="l" fontAlgn="b"/>
-                      <a:r>
-                        <a:rPr lang="en-GB" sz="1000" b="0" i="0" u="none" strike="noStrike">
-                          <a:solidFill>
-                            <a:srgbClr val="003031"/>
-                          </a:solidFill>
-                          <a:effectLst/>
-                          <a:latin typeface="Georgia Pro" panose="02040502050405020303" pitchFamily="18" charset="0"/>
-                        </a:rPr>
-                        <a:t>33% =</a:t>
-                      </a:r>
-                      <a:br>
-                        <a:rPr lang="en-GB" sz="1000" b="0" i="0" u="none" strike="noStrike">
-                          <a:solidFill>
-                            <a:srgbClr val="003031"/>
-                          </a:solidFill>
-                          <a:effectLst/>
-                          <a:latin typeface="Georgia Pro" panose="02040502050405020303" pitchFamily="18" charset="0"/>
-                        </a:rPr>
-                      </a:br>
-                      <a:r>
-                        <a:rPr lang="en-GB" sz="1000" b="0" i="0" u="none" strike="noStrike">
-                          <a:solidFill>
-                            <a:srgbClr val="003031"/>
-                          </a:solidFill>
-                          <a:effectLst/>
-                          <a:latin typeface="Georgia Pro" panose="02040502050405020303" pitchFamily="18" charset="0"/>
-                        </a:rPr>
-                        <a:t>Buy 3 years get 1 free</a:t>
-                      </a:r>
-                    </a:p>
-                  </a:txBody>
-                  <a:tcPr marL="4427" marR="4427" marT="4427" marB="0" anchor="b">
-                    <a:lnL w="6350" cap="flat" cmpd="sng" algn="ctr">
-                      <a:solidFill>
-                        <a:srgbClr val="005758"/>
-                      </a:solidFill>
-                      <a:prstDash val="solid"/>
-                      <a:round/>
-                      <a:headEnd type="none" w="med" len="med"/>
-                      <a:tailEnd type="none" w="med" len="med"/>
-                    </a:lnL>
-                    <a:lnR w="6350" cap="flat" cmpd="sng" algn="ctr">
-                      <a:solidFill>
-                        <a:srgbClr val="005758"/>
-                      </a:solidFill>
-                      <a:prstDash val="solid"/>
-                      <a:round/>
-                      <a:headEnd type="none" w="med" len="med"/>
-                      <a:tailEnd type="none" w="med" len="med"/>
-                    </a:lnR>
-                    <a:lnT w="6350" cap="flat" cmpd="sng" algn="ctr">
-                      <a:solidFill>
-                        <a:srgbClr val="005758"/>
-                      </a:solidFill>
-                      <a:prstDash val="solid"/>
-                      <a:round/>
-                      <a:headEnd type="none" w="med" len="med"/>
-                      <a:tailEnd type="none" w="med" len="med"/>
-                    </a:lnT>
-                    <a:lnB w="6350" cap="flat" cmpd="sng" algn="ctr">
-                      <a:solidFill>
-                        <a:srgbClr val="005758"/>
-                      </a:solidFill>
-                      <a:prstDash val="solid"/>
-                      <a:round/>
-                      <a:headEnd type="none" w="med" len="med"/>
-                      <a:tailEnd type="none" w="med" len="med"/>
-                    </a:lnB>
-                  </a:tcPr>
-                </a:tc>
-                <a:tc>
-                  <a:txBody>
-                    <a:bodyPr/>
-                    <a:lstStyle/>
-                    <a:p>
-                      <a:pPr algn="l" fontAlgn="b"/>
-                      <a:r>
-                        <a:rPr lang="en-GB" sz="1000" b="0" i="0" u="none" strike="noStrike">
-                          <a:solidFill>
-                            <a:srgbClr val="003031"/>
-                          </a:solidFill>
-                          <a:effectLst/>
-                          <a:latin typeface="Georgia Pro" panose="02040502050405020303" pitchFamily="18" charset="0"/>
-                        </a:rPr>
-                        <a:t>20% on top of Standard ORP</a:t>
-                      </a:r>
-                    </a:p>
-                  </a:txBody>
-                  <a:tcPr marL="4427" marR="4427" marT="4427" marB="0" anchor="b">
-                    <a:lnL w="6350" cap="flat" cmpd="sng" algn="ctr">
-                      <a:solidFill>
-                        <a:srgbClr val="005758"/>
-                      </a:solidFill>
-                      <a:prstDash val="solid"/>
-                      <a:round/>
-                      <a:headEnd type="none" w="med" len="med"/>
-                      <a:tailEnd type="none" w="med" len="med"/>
-                    </a:lnL>
-                    <a:lnR w="6350" cap="flat" cmpd="sng" algn="ctr">
-                      <a:solidFill>
-                        <a:srgbClr val="005758"/>
-                      </a:solidFill>
-                      <a:prstDash val="solid"/>
-                      <a:round/>
-                      <a:headEnd type="none" w="med" len="med"/>
-                      <a:tailEnd type="none" w="med" len="med"/>
-                    </a:lnR>
-                    <a:lnT w="6350" cap="flat" cmpd="sng" algn="ctr">
-                      <a:solidFill>
-                        <a:srgbClr val="005758"/>
-                      </a:solidFill>
-                      <a:prstDash val="solid"/>
-                      <a:round/>
-                      <a:headEnd type="none" w="med" len="med"/>
-                      <a:tailEnd type="none" w="med" len="med"/>
-                    </a:lnT>
-                    <a:lnB w="6350" cap="flat" cmpd="sng" algn="ctr">
-                      <a:solidFill>
-                        <a:srgbClr val="005758"/>
-                      </a:solidFill>
-                      <a:prstDash val="solid"/>
-                      <a:round/>
-                      <a:headEnd type="none" w="med" len="med"/>
-                      <a:tailEnd type="none" w="med" len="med"/>
-                    </a:lnB>
-                  </a:tcPr>
-                </a:tc>
-                <a:tc>
-                  <a:txBody>
-                    <a:bodyPr/>
-                    <a:lstStyle/>
-                    <a:p>
-                      <a:pPr algn="l" fontAlgn="b"/>
-                      <a:r>
-                        <a:rPr lang="en-GB" sz="1000" b="0" i="0" u="none" strike="noStrike">
-                          <a:solidFill>
-                            <a:srgbClr val="003031"/>
-                          </a:solidFill>
-                          <a:effectLst/>
-                          <a:latin typeface="Georgia Pro" panose="02040502050405020303" pitchFamily="18" charset="0"/>
-                        </a:rPr>
-                        <a:t>10% on top of Standard ORP</a:t>
-                      </a:r>
-                    </a:p>
-                  </a:txBody>
-                  <a:tcPr marL="4427" marR="4427" marT="4427" marB="0" anchor="b">
-                    <a:lnL w="6350" cap="flat" cmpd="sng" algn="ctr">
-                      <a:solidFill>
-                        <a:srgbClr val="005758"/>
-                      </a:solidFill>
-                      <a:prstDash val="solid"/>
-                      <a:round/>
-                      <a:headEnd type="none" w="med" len="med"/>
-                      <a:tailEnd type="none" w="med" len="med"/>
-                    </a:lnL>
-                    <a:lnR w="6350" cap="flat" cmpd="sng" algn="ctr">
-                      <a:solidFill>
-                        <a:srgbClr val="005758"/>
-                      </a:solidFill>
-                      <a:prstDash val="solid"/>
-                      <a:round/>
-                      <a:headEnd type="none" w="med" len="med"/>
-                      <a:tailEnd type="none" w="med" len="med"/>
-                    </a:lnR>
-                    <a:lnT w="6350" cap="flat" cmpd="sng" algn="ctr">
-                      <a:solidFill>
-                        <a:srgbClr val="005758"/>
-                      </a:solidFill>
-                      <a:prstDash val="solid"/>
-                      <a:round/>
-                      <a:headEnd type="none" w="med" len="med"/>
-                      <a:tailEnd type="none" w="med" len="med"/>
-                    </a:lnT>
-                    <a:lnB w="6350" cap="flat" cmpd="sng" algn="ctr">
-                      <a:solidFill>
-                        <a:srgbClr val="005758"/>
-                      </a:solidFill>
-                      <a:prstDash val="solid"/>
-                      <a:round/>
-                      <a:headEnd type="none" w="med" len="med"/>
-                      <a:tailEnd type="none" w="med" len="med"/>
-                    </a:lnB>
-                    <a:noFill/>
-                  </a:tcPr>
-                </a:tc>
-                <a:tc>
-                  <a:txBody>
-                    <a:bodyPr/>
-                    <a:lstStyle/>
-                    <a:p>
-                      <a:pPr algn="l" fontAlgn="b"/>
-                      <a:r>
-                        <a:rPr lang="en-GB" sz="1000" b="0" i="0" u="none" strike="noStrike">
-                          <a:solidFill>
-                            <a:srgbClr val="003031"/>
-                          </a:solidFill>
-                          <a:effectLst/>
-                          <a:latin typeface="Georgia Pro" panose="02040502050405020303" pitchFamily="18" charset="0"/>
-                        </a:rPr>
-                        <a:t>10% on top of Standard ORP, min. 25k RHEL deal size</a:t>
-                      </a:r>
-                    </a:p>
-                  </a:txBody>
-                  <a:tcPr marL="4427" marR="4427" marT="4427" marB="0" anchor="b">
-                    <a:lnL w="6350" cap="flat" cmpd="sng" algn="ctr">
-                      <a:solidFill>
-                        <a:srgbClr val="005758"/>
-                      </a:solidFill>
-                      <a:prstDash val="solid"/>
-                      <a:round/>
-                      <a:headEnd type="none" w="med" len="med"/>
-                      <a:tailEnd type="none" w="med" len="med"/>
-                    </a:lnL>
-                    <a:lnR w="6350" cap="flat" cmpd="sng" algn="ctr">
-                      <a:solidFill>
-                        <a:srgbClr val="005758"/>
-                      </a:solidFill>
-                      <a:prstDash val="solid"/>
-                      <a:round/>
-                      <a:headEnd type="none" w="med" len="med"/>
-                      <a:tailEnd type="none" w="med" len="med"/>
-                    </a:lnR>
-                    <a:lnT w="6350" cap="flat" cmpd="sng" algn="ctr">
-                      <a:solidFill>
-                        <a:srgbClr val="005758"/>
-                      </a:solidFill>
-                      <a:prstDash val="solid"/>
-                      <a:round/>
-                      <a:headEnd type="none" w="med" len="med"/>
-                      <a:tailEnd type="none" w="med" len="med"/>
-                    </a:lnT>
-                    <a:lnB w="6350" cap="flat" cmpd="sng" algn="ctr">
-                      <a:solidFill>
-                        <a:srgbClr val="005758"/>
-                      </a:solidFill>
-                      <a:prstDash val="solid"/>
-                      <a:round/>
-                      <a:headEnd type="none" w="med" len="med"/>
-                      <a:tailEnd type="none" w="med" len="med"/>
-                    </a:lnB>
-                  </a:tcPr>
-                </a:tc>
-                <a:tc>
-                  <a:txBody>
-                    <a:bodyPr/>
-                    <a:lstStyle/>
-                    <a:p>
-                      <a:pPr algn="l" fontAlgn="b"/>
-                      <a:r>
-                        <a:rPr lang="en-GB" sz="1000" b="0" i="0" u="none" strike="noStrike">
-                          <a:solidFill>
-                            <a:srgbClr val="003031"/>
-                          </a:solidFill>
-                          <a:effectLst/>
-                          <a:latin typeface="Georgia Pro" panose="02040502050405020303" pitchFamily="18" charset="0"/>
-                        </a:rPr>
-                        <a:t>10% additional discount</a:t>
-                      </a:r>
-                    </a:p>
-                  </a:txBody>
-                  <a:tcPr marL="4427" marR="4427" marT="4427" marB="0" anchor="b">
-                    <a:lnL w="6350" cap="flat" cmpd="sng" algn="ctr">
-                      <a:solidFill>
-                        <a:srgbClr val="005758"/>
-                      </a:solidFill>
-                      <a:prstDash val="solid"/>
-                      <a:round/>
-                      <a:headEnd type="none" w="med" len="med"/>
-                      <a:tailEnd type="none" w="med" len="med"/>
-                    </a:lnL>
-                    <a:lnR w="6350" cap="flat" cmpd="sng" algn="ctr">
-                      <a:solidFill>
-                        <a:srgbClr val="005758"/>
-                      </a:solidFill>
-                      <a:prstDash val="solid"/>
-                      <a:round/>
-                      <a:headEnd type="none" w="med" len="med"/>
-                      <a:tailEnd type="none" w="med" len="med"/>
-                    </a:lnR>
-                    <a:lnT w="6350" cap="flat" cmpd="sng" algn="ctr">
-                      <a:solidFill>
-                        <a:srgbClr val="005758"/>
-                      </a:solidFill>
-                      <a:prstDash val="solid"/>
-                      <a:round/>
-                      <a:headEnd type="none" w="med" len="med"/>
-                      <a:tailEnd type="none" w="med" len="med"/>
-                    </a:lnT>
-                    <a:lnB w="6350" cap="flat" cmpd="sng" algn="ctr">
-                      <a:solidFill>
-                        <a:srgbClr val="005758"/>
-                      </a:solidFill>
-                      <a:prstDash val="solid"/>
-                      <a:round/>
-                      <a:headEnd type="none" w="med" len="med"/>
-                      <a:tailEnd type="none" w="med" len="med"/>
-                    </a:lnB>
-                  </a:tcPr>
-                </a:tc>
-                <a:tc>
-                  <a:txBody>
-                    <a:bodyPr/>
-                    <a:lstStyle/>
-                    <a:p>
-                      <a:pPr algn="l" fontAlgn="b"/>
-                      <a:r>
-                        <a:rPr lang="en-GB" sz="1000" b="0" i="0" u="none" strike="noStrike">
-                          <a:solidFill>
-                            <a:srgbClr val="003031"/>
-                          </a:solidFill>
-                          <a:effectLst/>
-                          <a:latin typeface="Georgia Pro" panose="02040502050405020303" pitchFamily="18" charset="0"/>
-                        </a:rPr>
-                        <a:t>5% via ORP for previous ORP Deals</a:t>
-                      </a:r>
-                    </a:p>
-                  </a:txBody>
-                  <a:tcPr marL="4427" marR="4427" marT="4427" marB="0" anchor="b">
-                    <a:lnL w="6350" cap="flat" cmpd="sng" algn="ctr">
-                      <a:solidFill>
-                        <a:srgbClr val="005758"/>
-                      </a:solidFill>
-                      <a:prstDash val="solid"/>
-                      <a:round/>
-                      <a:headEnd type="none" w="med" len="med"/>
-                      <a:tailEnd type="none" w="med" len="med"/>
-                    </a:lnL>
-                    <a:lnR w="6350" cap="flat" cmpd="sng" algn="ctr">
-                      <a:solidFill>
-                        <a:srgbClr val="005758"/>
-                      </a:solidFill>
-                      <a:prstDash val="solid"/>
-                      <a:round/>
-                      <a:headEnd type="none" w="med" len="med"/>
-                      <a:tailEnd type="none" w="med" len="med"/>
-                    </a:lnR>
-                    <a:lnT w="6350" cap="flat" cmpd="sng" algn="ctr">
-                      <a:solidFill>
-                        <a:srgbClr val="005758"/>
-                      </a:solidFill>
-                      <a:prstDash val="solid"/>
-                      <a:round/>
-                      <a:headEnd type="none" w="med" len="med"/>
-                      <a:tailEnd type="none" w="med" len="med"/>
-                    </a:lnT>
-                    <a:lnB w="6350" cap="flat" cmpd="sng" algn="ctr">
-                      <a:solidFill>
-                        <a:srgbClr val="005758"/>
-                      </a:solidFill>
-                      <a:prstDash val="solid"/>
-                      <a:round/>
-                      <a:headEnd type="none" w="med" len="med"/>
-                      <a:tailEnd type="none" w="med" len="med"/>
-                    </a:lnB>
-                  </a:tcPr>
-                </a:tc>
-                <a:tc>
-                  <a:txBody>
-                    <a:bodyPr/>
-                    <a:lstStyle/>
-                    <a:p>
-                      <a:pPr algn="l" fontAlgn="b"/>
-                      <a:r>
-                        <a:rPr lang="en-GB" sz="1000" b="0" i="0" u="none" strike="noStrike">
-                          <a:solidFill>
-                            <a:srgbClr val="003031"/>
-                          </a:solidFill>
-                          <a:effectLst/>
-                          <a:latin typeface="Georgia Pro" panose="02040502050405020303" pitchFamily="18" charset="0"/>
-                        </a:rPr>
-                        <a:t>2% ORP Discount</a:t>
-                      </a:r>
-                    </a:p>
-                  </a:txBody>
-                  <a:tcPr marL="4427" marR="4427" marT="4427" marB="0" anchor="b">
-                    <a:lnL w="6350" cap="flat" cmpd="sng" algn="ctr">
-                      <a:solidFill>
-                        <a:srgbClr val="005758"/>
-                      </a:solidFill>
-                      <a:prstDash val="solid"/>
-                      <a:round/>
-                      <a:headEnd type="none" w="med" len="med"/>
-                      <a:tailEnd type="none" w="med" len="med"/>
-                    </a:lnL>
-                    <a:lnR w="6350" cap="flat" cmpd="sng" algn="ctr">
-                      <a:solidFill>
-                        <a:srgbClr val="005758"/>
-                      </a:solidFill>
-                      <a:prstDash val="solid"/>
-                      <a:round/>
-                      <a:headEnd type="none" w="med" len="med"/>
-                      <a:tailEnd type="none" w="med" len="med"/>
-                    </a:lnR>
-                    <a:lnT w="6350" cap="flat" cmpd="sng" algn="ctr">
-                      <a:solidFill>
-                        <a:srgbClr val="005758"/>
-                      </a:solidFill>
-                      <a:prstDash val="solid"/>
-                      <a:round/>
-                      <a:headEnd type="none" w="med" len="med"/>
-                      <a:tailEnd type="none" w="med" len="med"/>
-                    </a:lnT>
-                    <a:lnB w="6350" cap="flat" cmpd="sng" algn="ctr">
-                      <a:solidFill>
-                        <a:srgbClr val="005758"/>
-                      </a:solidFill>
-                      <a:prstDash val="solid"/>
-                      <a:round/>
-                      <a:headEnd type="none" w="med" len="med"/>
-                      <a:tailEnd type="none" w="med" len="med"/>
-                    </a:lnB>
-                  </a:tcPr>
-                </a:tc>
-                <a:extLst>
-                  <a:ext uri="{0D108BD9-81ED-4DB2-BD59-A6C34878D82A}">
-                    <a16:rowId xmlns:a16="http://schemas.microsoft.com/office/drawing/2014/main" val="3345203816"/>
-                  </a:ext>
-                </a:extLst>
-              </a:tr>
-              <a:tr h="92958">
-                <a:tc>
-                  <a:txBody>
-                    <a:bodyPr/>
-                    <a:lstStyle/>
-                    <a:p>
-                      <a:pPr algn="l" fontAlgn="b"/>
-                      <a:r>
-                        <a:rPr lang="en-GB" sz="1000" b="1" i="0" u="none" strike="noStrike">
-                          <a:solidFill>
-                            <a:srgbClr val="FFFFFF"/>
-                          </a:solidFill>
-                          <a:effectLst/>
-                          <a:latin typeface="Arial" panose="020B0604020202020204" pitchFamily="34" charset="0"/>
-                        </a:rPr>
-                        <a:t>Partner Status</a:t>
-                      </a:r>
-                    </a:p>
-                  </a:txBody>
-                  <a:tcPr marL="4427" marR="4427" marT="4427" marB="0" anchor="b">
-                    <a:lnL w="6350" cap="flat" cmpd="sng" algn="ctr">
-                      <a:solidFill>
-                        <a:srgbClr val="005758"/>
-                      </a:solidFill>
-                      <a:prstDash val="solid"/>
-                      <a:round/>
-                      <a:headEnd type="none" w="med" len="med"/>
-                      <a:tailEnd type="none" w="med" len="med"/>
-                    </a:lnL>
-                    <a:lnR w="6350" cap="flat" cmpd="sng" algn="ctr">
-                      <a:solidFill>
-                        <a:srgbClr val="005758"/>
-                      </a:solidFill>
-                      <a:prstDash val="solid"/>
-                      <a:round/>
-                      <a:headEnd type="none" w="med" len="med"/>
-                      <a:tailEnd type="none" w="med" len="med"/>
-                    </a:lnR>
-                    <a:lnT w="6350" cap="flat" cmpd="sng" algn="ctr">
-                      <a:solidFill>
-                        <a:srgbClr val="FFFFFF"/>
-                      </a:solidFill>
-                      <a:prstDash val="solid"/>
-                      <a:round/>
-                      <a:headEnd type="none" w="med" len="med"/>
-                      <a:tailEnd type="none" w="med" len="med"/>
-                    </a:lnT>
-                    <a:lnB w="6350" cap="flat" cmpd="sng" algn="ctr">
-                      <a:solidFill>
-                        <a:srgbClr val="FFFFFF"/>
-                      </a:solidFill>
-                      <a:prstDash val="solid"/>
-                      <a:round/>
-                      <a:headEnd type="none" w="med" len="med"/>
-                      <a:tailEnd type="none" w="med" len="med"/>
-                    </a:lnB>
-                    <a:solidFill>
-                      <a:srgbClr val="005758"/>
-                    </a:solidFill>
-                  </a:tcPr>
-                </a:tc>
-                <a:tc>
-                  <a:txBody>
-                    <a:bodyPr/>
-                    <a:lstStyle/>
-                    <a:p>
-                      <a:pPr algn="l" fontAlgn="b"/>
-                      <a:r>
-                        <a:rPr lang="en-GB" sz="1000" b="0" i="0" u="none" strike="noStrike" dirty="0">
-                          <a:solidFill>
-                            <a:srgbClr val="003031"/>
-                          </a:solidFill>
-                          <a:effectLst/>
-                          <a:latin typeface="Georgia Pro" panose="02040502050405020303" pitchFamily="18" charset="0"/>
-                        </a:rPr>
-                        <a:t>All</a:t>
-                      </a:r>
-                    </a:p>
-                  </a:txBody>
-                  <a:tcPr marL="4427" marR="4427" marT="4427" marB="0" anchor="b">
-                    <a:lnL w="6350" cap="flat" cmpd="sng" algn="ctr">
-                      <a:solidFill>
-                        <a:srgbClr val="005758"/>
-                      </a:solidFill>
-                      <a:prstDash val="solid"/>
-                      <a:round/>
-                      <a:headEnd type="none" w="med" len="med"/>
-                      <a:tailEnd type="none" w="med" len="med"/>
-                    </a:lnL>
-                    <a:lnR w="6350" cap="flat" cmpd="sng" algn="ctr">
-                      <a:solidFill>
-                        <a:srgbClr val="005758"/>
-                      </a:solidFill>
-                      <a:prstDash val="solid"/>
-                      <a:round/>
-                      <a:headEnd type="none" w="med" len="med"/>
-                      <a:tailEnd type="none" w="med" len="med"/>
-                    </a:lnR>
-                    <a:lnT w="6350" cap="flat" cmpd="sng" algn="ctr">
-                      <a:solidFill>
-                        <a:srgbClr val="005758"/>
-                      </a:solidFill>
-                      <a:prstDash val="solid"/>
-                      <a:round/>
-                      <a:headEnd type="none" w="med" len="med"/>
-                      <a:tailEnd type="none" w="med" len="med"/>
-                    </a:lnT>
-                    <a:lnB w="6350" cap="flat" cmpd="sng" algn="ctr">
-                      <a:solidFill>
-                        <a:srgbClr val="005758"/>
-                      </a:solidFill>
-                      <a:prstDash val="solid"/>
-                      <a:round/>
-                      <a:headEnd type="none" w="med" len="med"/>
-                      <a:tailEnd type="none" w="med" len="med"/>
-                    </a:lnB>
-                    <a:noFill/>
-                  </a:tcPr>
-                </a:tc>
-                <a:tc>
-                  <a:txBody>
-                    <a:bodyPr/>
-                    <a:lstStyle/>
-                    <a:p>
-                      <a:pPr algn="l" fontAlgn="b"/>
-                      <a:r>
-                        <a:rPr lang="en-GB" sz="1000" b="0" i="0" u="none" strike="noStrike">
-                          <a:solidFill>
-                            <a:srgbClr val="003031"/>
-                          </a:solidFill>
-                          <a:effectLst/>
-                          <a:latin typeface="Georgia Pro" panose="02040502050405020303" pitchFamily="18" charset="0"/>
-                        </a:rPr>
-                        <a:t>All</a:t>
-                      </a:r>
-                    </a:p>
-                  </a:txBody>
-                  <a:tcPr marL="4427" marR="4427" marT="4427" marB="0" anchor="b">
-                    <a:lnL w="6350" cap="flat" cmpd="sng" algn="ctr">
-                      <a:solidFill>
-                        <a:srgbClr val="005758"/>
-                      </a:solidFill>
-                      <a:prstDash val="solid"/>
-                      <a:round/>
-                      <a:headEnd type="none" w="med" len="med"/>
-                      <a:tailEnd type="none" w="med" len="med"/>
-                    </a:lnL>
-                    <a:lnR w="6350" cap="flat" cmpd="sng" algn="ctr">
-                      <a:solidFill>
-                        <a:srgbClr val="005758"/>
-                      </a:solidFill>
-                      <a:prstDash val="solid"/>
-                      <a:round/>
-                      <a:headEnd type="none" w="med" len="med"/>
-                      <a:tailEnd type="none" w="med" len="med"/>
-                    </a:lnR>
-                    <a:lnT w="6350" cap="flat" cmpd="sng" algn="ctr">
-                      <a:solidFill>
-                        <a:srgbClr val="005758"/>
-                      </a:solidFill>
-                      <a:prstDash val="solid"/>
-                      <a:round/>
-                      <a:headEnd type="none" w="med" len="med"/>
-                      <a:tailEnd type="none" w="med" len="med"/>
-                    </a:lnT>
-                    <a:lnB w="6350" cap="flat" cmpd="sng" algn="ctr">
-                      <a:solidFill>
-                        <a:srgbClr val="005758"/>
-                      </a:solidFill>
-                      <a:prstDash val="solid"/>
-                      <a:round/>
-                      <a:headEnd type="none" w="med" len="med"/>
-                      <a:tailEnd type="none" w="med" len="med"/>
-                    </a:lnB>
-                  </a:tcPr>
-                </a:tc>
-                <a:tc>
-                  <a:txBody>
-                    <a:bodyPr/>
-                    <a:lstStyle/>
-                    <a:p>
-                      <a:pPr algn="l" fontAlgn="b"/>
-                      <a:r>
-                        <a:rPr lang="en-GB" sz="1000" b="0" i="0" u="none" strike="noStrike">
-                          <a:solidFill>
-                            <a:srgbClr val="003031"/>
-                          </a:solidFill>
-                          <a:effectLst/>
-                          <a:latin typeface="Georgia Pro" panose="02040502050405020303" pitchFamily="18" charset="0"/>
-                        </a:rPr>
-                        <a:t>Advanced, Premier</a:t>
-                      </a:r>
-                    </a:p>
-                  </a:txBody>
-                  <a:tcPr marL="4427" marR="4427" marT="4427" marB="0" anchor="b">
-                    <a:lnL w="6350" cap="flat" cmpd="sng" algn="ctr">
-                      <a:solidFill>
-                        <a:srgbClr val="005758"/>
-                      </a:solidFill>
-                      <a:prstDash val="solid"/>
-                      <a:round/>
-                      <a:headEnd type="none" w="med" len="med"/>
-                      <a:tailEnd type="none" w="med" len="med"/>
-                    </a:lnL>
-                    <a:lnR w="6350" cap="flat" cmpd="sng" algn="ctr">
-                      <a:solidFill>
-                        <a:srgbClr val="005758"/>
-                      </a:solidFill>
-                      <a:prstDash val="solid"/>
-                      <a:round/>
-                      <a:headEnd type="none" w="med" len="med"/>
-                      <a:tailEnd type="none" w="med" len="med"/>
-                    </a:lnR>
-                    <a:lnT w="6350" cap="flat" cmpd="sng" algn="ctr">
-                      <a:solidFill>
-                        <a:srgbClr val="005758"/>
-                      </a:solidFill>
-                      <a:prstDash val="solid"/>
-                      <a:round/>
-                      <a:headEnd type="none" w="med" len="med"/>
-                      <a:tailEnd type="none" w="med" len="med"/>
-                    </a:lnT>
-                    <a:lnB w="6350" cap="flat" cmpd="sng" algn="ctr">
-                      <a:solidFill>
-                        <a:srgbClr val="005758"/>
-                      </a:solidFill>
-                      <a:prstDash val="solid"/>
-                      <a:round/>
-                      <a:headEnd type="none" w="med" len="med"/>
-                      <a:tailEnd type="none" w="med" len="med"/>
-                    </a:lnB>
-                  </a:tcPr>
-                </a:tc>
-                <a:tc>
-                  <a:txBody>
-                    <a:bodyPr/>
-                    <a:lstStyle/>
-                    <a:p>
-                      <a:pPr algn="l" fontAlgn="b"/>
-                      <a:r>
-                        <a:rPr lang="en-GB" sz="1000" b="0" i="0" u="none" strike="noStrike" dirty="0">
-                          <a:solidFill>
-                            <a:srgbClr val="003031"/>
-                          </a:solidFill>
-                          <a:effectLst/>
-                          <a:latin typeface="Georgia Pro" panose="02040502050405020303" pitchFamily="18" charset="0"/>
-                        </a:rPr>
-                        <a:t>Advanced, Premier</a:t>
-                      </a:r>
-                    </a:p>
-                  </a:txBody>
-                  <a:tcPr marL="4427" marR="4427" marT="4427" marB="0" anchor="b">
-                    <a:lnL w="6350" cap="flat" cmpd="sng" algn="ctr">
-                      <a:solidFill>
-                        <a:srgbClr val="005758"/>
-                      </a:solidFill>
-                      <a:prstDash val="solid"/>
-                      <a:round/>
-                      <a:headEnd type="none" w="med" len="med"/>
-                      <a:tailEnd type="none" w="med" len="med"/>
-                    </a:lnL>
-                    <a:lnR w="6350" cap="flat" cmpd="sng" algn="ctr">
-                      <a:solidFill>
-                        <a:srgbClr val="005758"/>
-                      </a:solidFill>
-                      <a:prstDash val="solid"/>
-                      <a:round/>
-                      <a:headEnd type="none" w="med" len="med"/>
-                      <a:tailEnd type="none" w="med" len="med"/>
-                    </a:lnR>
-                    <a:lnT w="6350" cap="flat" cmpd="sng" algn="ctr">
-                      <a:solidFill>
-                        <a:srgbClr val="005758"/>
-                      </a:solidFill>
-                      <a:prstDash val="solid"/>
-                      <a:round/>
-                      <a:headEnd type="none" w="med" len="med"/>
-                      <a:tailEnd type="none" w="med" len="med"/>
-                    </a:lnT>
-                    <a:lnB w="6350" cap="flat" cmpd="sng" algn="ctr">
-                      <a:solidFill>
-                        <a:srgbClr val="005758"/>
-                      </a:solidFill>
-                      <a:prstDash val="solid"/>
-                      <a:round/>
-                      <a:headEnd type="none" w="med" len="med"/>
-                      <a:tailEnd type="none" w="med" len="med"/>
-                    </a:lnB>
-                    <a:noFill/>
-                  </a:tcPr>
-                </a:tc>
-                <a:tc>
-                  <a:txBody>
-                    <a:bodyPr/>
-                    <a:lstStyle/>
-                    <a:p>
-                      <a:pPr algn="l" fontAlgn="b"/>
-                      <a:r>
-                        <a:rPr lang="en-GB" sz="1000" b="0" i="0" u="none" strike="noStrike">
-                          <a:solidFill>
-                            <a:srgbClr val="003031"/>
-                          </a:solidFill>
-                          <a:effectLst/>
-                          <a:latin typeface="Georgia Pro" panose="02040502050405020303" pitchFamily="18" charset="0"/>
-                        </a:rPr>
-                        <a:t>Advanced, Premier</a:t>
-                      </a:r>
-                    </a:p>
-                  </a:txBody>
-                  <a:tcPr marL="4427" marR="4427" marT="4427" marB="0" anchor="b">
-                    <a:lnL w="6350" cap="flat" cmpd="sng" algn="ctr">
-                      <a:solidFill>
-                        <a:srgbClr val="005758"/>
-                      </a:solidFill>
-                      <a:prstDash val="solid"/>
-                      <a:round/>
-                      <a:headEnd type="none" w="med" len="med"/>
-                      <a:tailEnd type="none" w="med" len="med"/>
-                    </a:lnL>
-                    <a:lnR w="6350" cap="flat" cmpd="sng" algn="ctr">
-                      <a:solidFill>
-                        <a:srgbClr val="005758"/>
-                      </a:solidFill>
-                      <a:prstDash val="solid"/>
-                      <a:round/>
-                      <a:headEnd type="none" w="med" len="med"/>
-                      <a:tailEnd type="none" w="med" len="med"/>
-                    </a:lnR>
-                    <a:lnT w="6350" cap="flat" cmpd="sng" algn="ctr">
-                      <a:solidFill>
-                        <a:srgbClr val="005758"/>
-                      </a:solidFill>
-                      <a:prstDash val="solid"/>
-                      <a:round/>
-                      <a:headEnd type="none" w="med" len="med"/>
-                      <a:tailEnd type="none" w="med" len="med"/>
-                    </a:lnT>
-                    <a:lnB w="6350" cap="flat" cmpd="sng" algn="ctr">
-                      <a:solidFill>
-                        <a:srgbClr val="005758"/>
-                      </a:solidFill>
-                      <a:prstDash val="solid"/>
-                      <a:round/>
-                      <a:headEnd type="none" w="med" len="med"/>
-                      <a:tailEnd type="none" w="med" len="med"/>
-                    </a:lnB>
-                  </a:tcPr>
-                </a:tc>
-                <a:tc>
-                  <a:txBody>
-                    <a:bodyPr/>
-                    <a:lstStyle/>
-                    <a:p>
-                      <a:pPr algn="l" fontAlgn="b"/>
-                      <a:r>
-                        <a:rPr lang="en-GB" sz="1000" b="0" i="0" u="none" strike="noStrike" dirty="0">
-                          <a:solidFill>
-                            <a:srgbClr val="003031"/>
-                          </a:solidFill>
-                          <a:effectLst/>
-                          <a:latin typeface="Georgia Pro" panose="02040502050405020303" pitchFamily="18" charset="0"/>
-                        </a:rPr>
-                        <a:t>All</a:t>
-                      </a:r>
-                    </a:p>
-                  </a:txBody>
-                  <a:tcPr marL="4427" marR="4427" marT="4427" marB="0" anchor="b">
-                    <a:lnL w="6350" cap="flat" cmpd="sng" algn="ctr">
-                      <a:solidFill>
-                        <a:srgbClr val="005758"/>
-                      </a:solidFill>
-                      <a:prstDash val="solid"/>
-                      <a:round/>
-                      <a:headEnd type="none" w="med" len="med"/>
-                      <a:tailEnd type="none" w="med" len="med"/>
-                    </a:lnL>
-                    <a:lnR w="6350" cap="flat" cmpd="sng" algn="ctr">
-                      <a:solidFill>
-                        <a:srgbClr val="005758"/>
-                      </a:solidFill>
-                      <a:prstDash val="solid"/>
-                      <a:round/>
-                      <a:headEnd type="none" w="med" len="med"/>
-                      <a:tailEnd type="none" w="med" len="med"/>
-                    </a:lnR>
-                    <a:lnT w="6350" cap="flat" cmpd="sng" algn="ctr">
-                      <a:solidFill>
-                        <a:srgbClr val="005758"/>
-                      </a:solidFill>
-                      <a:prstDash val="solid"/>
-                      <a:round/>
-                      <a:headEnd type="none" w="med" len="med"/>
-                      <a:tailEnd type="none" w="med" len="med"/>
-                    </a:lnT>
-                    <a:lnB w="6350" cap="flat" cmpd="sng" algn="ctr">
-                      <a:solidFill>
-                        <a:srgbClr val="005758"/>
-                      </a:solidFill>
-                      <a:prstDash val="solid"/>
-                      <a:round/>
-                      <a:headEnd type="none" w="med" len="med"/>
-                      <a:tailEnd type="none" w="med" len="med"/>
-                    </a:lnB>
-                  </a:tcPr>
-                </a:tc>
-                <a:tc>
-                  <a:txBody>
-                    <a:bodyPr/>
-                    <a:lstStyle/>
-                    <a:p>
-                      <a:pPr algn="l" fontAlgn="b"/>
-                      <a:r>
-                        <a:rPr lang="en-GB" sz="1000" b="0" i="0" u="none" strike="noStrike">
-                          <a:solidFill>
-                            <a:srgbClr val="003031"/>
-                          </a:solidFill>
-                          <a:effectLst/>
-                          <a:latin typeface="Georgia Pro" panose="02040502050405020303" pitchFamily="18" charset="0"/>
-                        </a:rPr>
-                        <a:t>Advanced, Premier</a:t>
-                      </a:r>
-                    </a:p>
-                  </a:txBody>
-                  <a:tcPr marL="4427" marR="4427" marT="4427" marB="0" anchor="b">
-                    <a:lnL w="6350" cap="flat" cmpd="sng" algn="ctr">
-                      <a:solidFill>
-                        <a:srgbClr val="005758"/>
-                      </a:solidFill>
-                      <a:prstDash val="solid"/>
-                      <a:round/>
-                      <a:headEnd type="none" w="med" len="med"/>
-                      <a:tailEnd type="none" w="med" len="med"/>
-                    </a:lnL>
-                    <a:lnR w="6350" cap="flat" cmpd="sng" algn="ctr">
-                      <a:solidFill>
-                        <a:srgbClr val="005758"/>
-                      </a:solidFill>
-                      <a:prstDash val="solid"/>
-                      <a:round/>
-                      <a:headEnd type="none" w="med" len="med"/>
-                      <a:tailEnd type="none" w="med" len="med"/>
-                    </a:lnR>
-                    <a:lnT w="6350" cap="flat" cmpd="sng" algn="ctr">
-                      <a:solidFill>
-                        <a:srgbClr val="005758"/>
-                      </a:solidFill>
-                      <a:prstDash val="solid"/>
-                      <a:round/>
-                      <a:headEnd type="none" w="med" len="med"/>
-                      <a:tailEnd type="none" w="med" len="med"/>
-                    </a:lnT>
-                    <a:lnB w="6350" cap="flat" cmpd="sng" algn="ctr">
-                      <a:solidFill>
-                        <a:srgbClr val="005758"/>
-                      </a:solidFill>
-                      <a:prstDash val="solid"/>
-                      <a:round/>
-                      <a:headEnd type="none" w="med" len="med"/>
-                      <a:tailEnd type="none" w="med" len="med"/>
-                    </a:lnB>
-                  </a:tcPr>
-                </a:tc>
-                <a:tc>
-                  <a:txBody>
-                    <a:bodyPr/>
-                    <a:lstStyle/>
-                    <a:p>
-                      <a:pPr algn="l" fontAlgn="b"/>
-                      <a:r>
-                        <a:rPr lang="en-GB" sz="1000" b="0" i="0" u="none" strike="noStrike">
-                          <a:solidFill>
-                            <a:srgbClr val="003031"/>
-                          </a:solidFill>
-                          <a:effectLst/>
-                          <a:latin typeface="Georgia Pro" panose="02040502050405020303" pitchFamily="18" charset="0"/>
-                        </a:rPr>
-                        <a:t>Ready</a:t>
-                      </a:r>
-                    </a:p>
-                  </a:txBody>
-                  <a:tcPr marL="4427" marR="4427" marT="4427" marB="0" anchor="b">
-                    <a:lnL w="6350" cap="flat" cmpd="sng" algn="ctr">
-                      <a:solidFill>
-                        <a:srgbClr val="005758"/>
-                      </a:solidFill>
-                      <a:prstDash val="solid"/>
-                      <a:round/>
-                      <a:headEnd type="none" w="med" len="med"/>
-                      <a:tailEnd type="none" w="med" len="med"/>
-                    </a:lnL>
-                    <a:lnR w="6350" cap="flat" cmpd="sng" algn="ctr">
-                      <a:solidFill>
-                        <a:srgbClr val="005758"/>
-                      </a:solidFill>
-                      <a:prstDash val="solid"/>
-                      <a:round/>
-                      <a:headEnd type="none" w="med" len="med"/>
-                      <a:tailEnd type="none" w="med" len="med"/>
-                    </a:lnR>
-                    <a:lnT w="6350" cap="flat" cmpd="sng" algn="ctr">
-                      <a:solidFill>
-                        <a:srgbClr val="005758"/>
-                      </a:solidFill>
-                      <a:prstDash val="solid"/>
-                      <a:round/>
-                      <a:headEnd type="none" w="med" len="med"/>
-                      <a:tailEnd type="none" w="med" len="med"/>
-                    </a:lnT>
-                    <a:lnB w="6350" cap="flat" cmpd="sng" algn="ctr">
-                      <a:solidFill>
-                        <a:srgbClr val="005758"/>
-                      </a:solidFill>
-                      <a:prstDash val="solid"/>
-                      <a:round/>
-                      <a:headEnd type="none" w="med" len="med"/>
-                      <a:tailEnd type="none" w="med" len="med"/>
-                    </a:lnB>
-                  </a:tcPr>
-                </a:tc>
-                <a:extLst>
-                  <a:ext uri="{0D108BD9-81ED-4DB2-BD59-A6C34878D82A}">
-                    <a16:rowId xmlns:a16="http://schemas.microsoft.com/office/drawing/2014/main" val="2321153289"/>
-                  </a:ext>
-                </a:extLst>
-              </a:tr>
-              <a:tr h="1363390">
-                <a:tc>
-                  <a:txBody>
-                    <a:bodyPr/>
-                    <a:lstStyle/>
-                    <a:p>
-                      <a:pPr algn="l" fontAlgn="b"/>
-                      <a:r>
-                        <a:rPr lang="en-GB" sz="1000" b="1" i="0" u="none" strike="noStrike">
-                          <a:solidFill>
-                            <a:srgbClr val="FFFFFF"/>
-                          </a:solidFill>
-                          <a:effectLst/>
-                          <a:latin typeface="Arial" panose="020B0604020202020204" pitchFamily="34" charset="0"/>
-                        </a:rPr>
-                        <a:t>Required Accreditations</a:t>
-                      </a:r>
-                    </a:p>
-                  </a:txBody>
-                  <a:tcPr marL="4427" marR="4427" marT="4427" marB="0" anchor="b">
-                    <a:lnL w="6350" cap="flat" cmpd="sng" algn="ctr">
-                      <a:solidFill>
-                        <a:srgbClr val="005758"/>
-                      </a:solidFill>
-                      <a:prstDash val="solid"/>
-                      <a:round/>
-                      <a:headEnd type="none" w="med" len="med"/>
-                      <a:tailEnd type="none" w="med" len="med"/>
-                    </a:lnL>
-                    <a:lnR w="6350" cap="flat" cmpd="sng" algn="ctr">
-                      <a:solidFill>
-                        <a:srgbClr val="005758"/>
-                      </a:solidFill>
-                      <a:prstDash val="solid"/>
-                      <a:round/>
-                      <a:headEnd type="none" w="med" len="med"/>
-                      <a:tailEnd type="none" w="med" len="med"/>
-                    </a:lnR>
-                    <a:lnT w="6350" cap="flat" cmpd="sng" algn="ctr">
-                      <a:solidFill>
-                        <a:srgbClr val="FFFFFF"/>
-                      </a:solidFill>
-                      <a:prstDash val="solid"/>
-                      <a:round/>
-                      <a:headEnd type="none" w="med" len="med"/>
-                      <a:tailEnd type="none" w="med" len="med"/>
-                    </a:lnT>
-                    <a:lnB w="6350" cap="flat" cmpd="sng" algn="ctr">
-                      <a:solidFill>
-                        <a:srgbClr val="FFFFFF"/>
-                      </a:solidFill>
-                      <a:prstDash val="solid"/>
-                      <a:round/>
-                      <a:headEnd type="none" w="med" len="med"/>
-                      <a:tailEnd type="none" w="med" len="med"/>
-                    </a:lnB>
-                    <a:solidFill>
-                      <a:srgbClr val="005758"/>
-                    </a:solidFill>
-                  </a:tcPr>
-                </a:tc>
-                <a:tc>
-                  <a:txBody>
-                    <a:bodyPr/>
-                    <a:lstStyle/>
-                    <a:p>
-                      <a:pPr algn="l" fontAlgn="b"/>
-                      <a:r>
-                        <a:rPr lang="en-GB" sz="1000" b="0" i="0" u="none" strike="noStrike" dirty="0">
-                          <a:solidFill>
-                            <a:srgbClr val="003031"/>
-                          </a:solidFill>
-                          <a:effectLst/>
-                          <a:latin typeface="Georgia Pro" panose="02040502050405020303" pitchFamily="18" charset="0"/>
-                        </a:rPr>
-                        <a:t>2 x Red Hat Sales Specialist – IT Automation and Management</a:t>
-                      </a:r>
-                      <a:br>
-                        <a:rPr lang="en-GB" sz="1000" b="0" i="0" u="none" strike="noStrike" dirty="0">
-                          <a:solidFill>
-                            <a:srgbClr val="003031"/>
-                          </a:solidFill>
-                          <a:effectLst/>
-                          <a:latin typeface="Georgia Pro" panose="02040502050405020303" pitchFamily="18" charset="0"/>
-                        </a:rPr>
-                      </a:br>
-                      <a:br>
-                        <a:rPr lang="en-GB" sz="1000" b="0" i="0" u="none" strike="noStrike" dirty="0">
-                          <a:solidFill>
-                            <a:srgbClr val="003031"/>
-                          </a:solidFill>
-                          <a:effectLst/>
-                          <a:latin typeface="Georgia Pro" panose="02040502050405020303" pitchFamily="18" charset="0"/>
-                        </a:rPr>
-                      </a:br>
-                      <a:r>
-                        <a:rPr lang="en-GB" sz="1000" b="0" i="0" u="none" strike="noStrike" dirty="0">
-                          <a:solidFill>
-                            <a:srgbClr val="003031"/>
-                          </a:solidFill>
-                          <a:effectLst/>
-                          <a:latin typeface="Georgia Pro" panose="02040502050405020303" pitchFamily="18" charset="0"/>
-                        </a:rPr>
-                        <a:t>1 x Red Hat Sales Engineer Specialist – Automation</a:t>
-                      </a:r>
-                      <a:br>
-                        <a:rPr lang="en-GB" sz="1000" b="0" i="0" u="none" strike="noStrike" dirty="0">
-                          <a:solidFill>
-                            <a:srgbClr val="003031"/>
-                          </a:solidFill>
-                          <a:effectLst/>
-                          <a:latin typeface="Georgia Pro" panose="02040502050405020303" pitchFamily="18" charset="0"/>
-                        </a:rPr>
-                      </a:br>
-                      <a:br>
-                        <a:rPr lang="en-GB" sz="1000" b="0" i="0" u="none" strike="noStrike" dirty="0">
-                          <a:solidFill>
-                            <a:srgbClr val="003031"/>
-                          </a:solidFill>
-                          <a:effectLst/>
-                          <a:latin typeface="Georgia Pro" panose="02040502050405020303" pitchFamily="18" charset="0"/>
-                        </a:rPr>
-                      </a:br>
-                      <a:r>
-                        <a:rPr lang="en-GB" sz="1000" b="0" i="0" u="none" strike="noStrike" dirty="0">
-                          <a:solidFill>
-                            <a:srgbClr val="003031"/>
-                          </a:solidFill>
-                          <a:effectLst/>
-                          <a:latin typeface="Georgia Pro" panose="02040502050405020303" pitchFamily="18" charset="0"/>
-                        </a:rPr>
-                        <a:t>To deliver services around Ansible Automation:</a:t>
-                      </a:r>
-                      <a:br>
-                        <a:rPr lang="en-GB" sz="1000" b="0" i="0" u="none" strike="noStrike" dirty="0">
-                          <a:solidFill>
-                            <a:srgbClr val="003031"/>
-                          </a:solidFill>
-                          <a:effectLst/>
-                          <a:latin typeface="Georgia Pro" panose="02040502050405020303" pitchFamily="18" charset="0"/>
-                        </a:rPr>
-                      </a:br>
-                      <a:r>
-                        <a:rPr lang="en-GB" sz="1000" b="0" i="0" u="none" strike="noStrike" dirty="0">
-                          <a:solidFill>
-                            <a:srgbClr val="003031"/>
-                          </a:solidFill>
-                          <a:effectLst/>
-                          <a:latin typeface="Georgia Pro" panose="02040502050405020303" pitchFamily="18" charset="0"/>
-                        </a:rPr>
-                        <a:t>1 x Red Hat Delivery Specialist – Automation</a:t>
-                      </a:r>
-                    </a:p>
-                  </a:txBody>
-                  <a:tcPr marL="4427" marR="4427" marT="4427" marB="0" anchor="b">
-                    <a:lnL w="6350" cap="flat" cmpd="sng" algn="ctr">
-                      <a:solidFill>
-                        <a:srgbClr val="005758"/>
-                      </a:solidFill>
-                      <a:prstDash val="solid"/>
-                      <a:round/>
-                      <a:headEnd type="none" w="med" len="med"/>
-                      <a:tailEnd type="none" w="med" len="med"/>
-                    </a:lnL>
-                    <a:lnR w="6350" cap="flat" cmpd="sng" algn="ctr">
-                      <a:solidFill>
-                        <a:srgbClr val="005758"/>
-                      </a:solidFill>
-                      <a:prstDash val="solid"/>
-                      <a:round/>
-                      <a:headEnd type="none" w="med" len="med"/>
-                      <a:tailEnd type="none" w="med" len="med"/>
-                    </a:lnR>
-                    <a:lnT w="6350" cap="flat" cmpd="sng" algn="ctr">
-                      <a:solidFill>
-                        <a:srgbClr val="005758"/>
-                      </a:solidFill>
-                      <a:prstDash val="solid"/>
-                      <a:round/>
-                      <a:headEnd type="none" w="med" len="med"/>
-                      <a:tailEnd type="none" w="med" len="med"/>
-                    </a:lnT>
-                    <a:lnB w="6350" cap="flat" cmpd="sng" algn="ctr">
-                      <a:solidFill>
-                        <a:srgbClr val="005758"/>
-                      </a:solidFill>
-                      <a:prstDash val="solid"/>
-                      <a:round/>
-                      <a:headEnd type="none" w="med" len="med"/>
-                      <a:tailEnd type="none" w="med" len="med"/>
-                    </a:lnB>
-                    <a:noFill/>
-                  </a:tcPr>
-                </a:tc>
-                <a:tc>
-                  <a:txBody>
-                    <a:bodyPr/>
-                    <a:lstStyle/>
-                    <a:p>
-                      <a:pPr algn="l" fontAlgn="b"/>
-                      <a:r>
-                        <a:rPr lang="en-GB" sz="1000" b="0" i="0" u="none" strike="noStrike">
-                          <a:solidFill>
-                            <a:srgbClr val="003031"/>
-                          </a:solidFill>
-                          <a:effectLst/>
-                          <a:latin typeface="Georgia Pro" panose="02040502050405020303" pitchFamily="18" charset="0"/>
-                        </a:rPr>
-                        <a:t> </a:t>
-                      </a:r>
-                    </a:p>
-                  </a:txBody>
-                  <a:tcPr marL="4427" marR="4427" marT="4427" marB="0" anchor="b">
-                    <a:lnL w="6350" cap="flat" cmpd="sng" algn="ctr">
-                      <a:solidFill>
-                        <a:srgbClr val="005758"/>
-                      </a:solidFill>
-                      <a:prstDash val="solid"/>
-                      <a:round/>
-                      <a:headEnd type="none" w="med" len="med"/>
-                      <a:tailEnd type="none" w="med" len="med"/>
-                    </a:lnL>
-                    <a:lnR w="6350" cap="flat" cmpd="sng" algn="ctr">
-                      <a:solidFill>
-                        <a:srgbClr val="005758"/>
-                      </a:solidFill>
-                      <a:prstDash val="solid"/>
-                      <a:round/>
-                      <a:headEnd type="none" w="med" len="med"/>
-                      <a:tailEnd type="none" w="med" len="med"/>
-                    </a:lnR>
-                    <a:lnT w="6350" cap="flat" cmpd="sng" algn="ctr">
-                      <a:solidFill>
-                        <a:srgbClr val="005758"/>
-                      </a:solidFill>
-                      <a:prstDash val="solid"/>
-                      <a:round/>
-                      <a:headEnd type="none" w="med" len="med"/>
-                      <a:tailEnd type="none" w="med" len="med"/>
-                    </a:lnT>
-                    <a:lnB w="6350" cap="flat" cmpd="sng" algn="ctr">
-                      <a:solidFill>
-                        <a:srgbClr val="005758"/>
-                      </a:solidFill>
-                      <a:prstDash val="solid"/>
-                      <a:round/>
-                      <a:headEnd type="none" w="med" len="med"/>
-                      <a:tailEnd type="none" w="med" len="med"/>
-                    </a:lnB>
-                  </a:tcPr>
-                </a:tc>
-                <a:tc>
-                  <a:txBody>
-                    <a:bodyPr/>
-                    <a:lstStyle/>
-                    <a:p>
-                      <a:pPr algn="l" fontAlgn="b"/>
-                      <a:r>
-                        <a:rPr lang="en-GB" sz="1000" b="0" i="0" u="none" strike="noStrike" dirty="0">
-                          <a:solidFill>
-                            <a:srgbClr val="003031"/>
-                          </a:solidFill>
-                          <a:effectLst/>
-                          <a:latin typeface="Georgia Pro" panose="02040502050405020303" pitchFamily="18" charset="0"/>
-                        </a:rPr>
-                        <a:t>Hybrid Cloud Infrastructure </a:t>
-                      </a:r>
-                      <a:r>
-                        <a:rPr lang="en-GB" sz="1000" b="1" i="0" u="none" strike="noStrike" dirty="0">
-                          <a:solidFill>
-                            <a:srgbClr val="003031"/>
-                          </a:solidFill>
-                          <a:effectLst/>
-                          <a:latin typeface="Georgia Pro" panose="02040502050405020303" pitchFamily="18" charset="0"/>
-                        </a:rPr>
-                        <a:t>OR</a:t>
-                      </a:r>
-                      <a:r>
-                        <a:rPr lang="en-GB" sz="1000" b="0" i="0" u="none" strike="noStrike" dirty="0">
-                          <a:solidFill>
-                            <a:srgbClr val="003031"/>
-                          </a:solidFill>
-                          <a:effectLst/>
-                          <a:latin typeface="Georgia Pro" panose="02040502050405020303" pitchFamily="18" charset="0"/>
-                        </a:rPr>
-                        <a:t> Cloud native Development: 2 x Delivery, 2 x Sales Engineer, 2x Sales</a:t>
-                      </a:r>
-                    </a:p>
-                  </a:txBody>
-                  <a:tcPr marL="4427" marR="4427" marT="4427" marB="0" anchor="b">
-                    <a:lnL w="6350" cap="flat" cmpd="sng" algn="ctr">
-                      <a:solidFill>
-                        <a:srgbClr val="005758"/>
-                      </a:solidFill>
-                      <a:prstDash val="solid"/>
-                      <a:round/>
-                      <a:headEnd type="none" w="med" len="med"/>
-                      <a:tailEnd type="none" w="med" len="med"/>
-                    </a:lnL>
-                    <a:lnR w="6350" cap="flat" cmpd="sng" algn="ctr">
-                      <a:solidFill>
-                        <a:srgbClr val="005758"/>
-                      </a:solidFill>
-                      <a:prstDash val="solid"/>
-                      <a:round/>
-                      <a:headEnd type="none" w="med" len="med"/>
-                      <a:tailEnd type="none" w="med" len="med"/>
-                    </a:lnR>
-                    <a:lnT w="6350" cap="flat" cmpd="sng" algn="ctr">
-                      <a:solidFill>
-                        <a:srgbClr val="005758"/>
-                      </a:solidFill>
-                      <a:prstDash val="solid"/>
-                      <a:round/>
-                      <a:headEnd type="none" w="med" len="med"/>
-                      <a:tailEnd type="none" w="med" len="med"/>
-                    </a:lnT>
-                    <a:lnB w="6350" cap="flat" cmpd="sng" algn="ctr">
-                      <a:solidFill>
-                        <a:srgbClr val="005758"/>
-                      </a:solidFill>
-                      <a:prstDash val="solid"/>
-                      <a:round/>
-                      <a:headEnd type="none" w="med" len="med"/>
-                      <a:tailEnd type="none" w="med" len="med"/>
-                    </a:lnB>
-                  </a:tcPr>
-                </a:tc>
-                <a:tc>
-                  <a:txBody>
-                    <a:bodyPr/>
-                    <a:lstStyle/>
-                    <a:p>
-                      <a:pPr algn="l" fontAlgn="b"/>
-                      <a:r>
-                        <a:rPr lang="en-GB" sz="1000" b="0" i="0" u="none" strike="noStrike" dirty="0">
-                          <a:solidFill>
-                            <a:srgbClr val="003031"/>
-                          </a:solidFill>
-                          <a:effectLst/>
-                          <a:latin typeface="Georgia Pro" panose="02040502050405020303" pitchFamily="18" charset="0"/>
-                        </a:rPr>
-                        <a:t>2 x Red Hat Delivery Specialist - Automation</a:t>
-                      </a:r>
-                      <a:br>
-                        <a:rPr lang="en-GB" sz="1000" b="0" i="0" u="none" strike="noStrike" dirty="0">
-                          <a:solidFill>
-                            <a:srgbClr val="003031"/>
-                          </a:solidFill>
-                          <a:effectLst/>
-                          <a:latin typeface="Georgia Pro" panose="02040502050405020303" pitchFamily="18" charset="0"/>
-                        </a:rPr>
-                      </a:br>
-                      <a:r>
-                        <a:rPr lang="en-GB" sz="1000" b="0" i="0" u="none" strike="noStrike" dirty="0">
-                          <a:solidFill>
-                            <a:srgbClr val="003031"/>
-                          </a:solidFill>
-                          <a:effectLst/>
-                          <a:latin typeface="Georgia Pro" panose="02040502050405020303" pitchFamily="18" charset="0"/>
-                        </a:rPr>
-                        <a:t>2 x Red Hat Sales Engineer Specialist - Automation</a:t>
-                      </a:r>
-                      <a:br>
-                        <a:rPr lang="en-GB" sz="1000" b="0" i="0" u="none" strike="noStrike" dirty="0">
-                          <a:solidFill>
-                            <a:srgbClr val="003031"/>
-                          </a:solidFill>
-                          <a:effectLst/>
-                          <a:latin typeface="Georgia Pro" panose="02040502050405020303" pitchFamily="18" charset="0"/>
-                        </a:rPr>
-                      </a:br>
-                      <a:r>
-                        <a:rPr lang="en-GB" sz="1000" b="0" i="0" u="none" strike="noStrike" dirty="0">
-                          <a:solidFill>
-                            <a:srgbClr val="003031"/>
-                          </a:solidFill>
-                          <a:effectLst/>
-                          <a:latin typeface="Georgia Pro" panose="02040502050405020303" pitchFamily="18" charset="0"/>
-                        </a:rPr>
-                        <a:t>2 x Red Hat Sales Specialist - IT Automation &amp; Management</a:t>
-                      </a:r>
-                    </a:p>
-                  </a:txBody>
-                  <a:tcPr marL="4427" marR="4427" marT="4427" marB="0" anchor="b">
-                    <a:lnL w="6350" cap="flat" cmpd="sng" algn="ctr">
-                      <a:solidFill>
-                        <a:srgbClr val="005758"/>
-                      </a:solidFill>
-                      <a:prstDash val="solid"/>
-                      <a:round/>
-                      <a:headEnd type="none" w="med" len="med"/>
-                      <a:tailEnd type="none" w="med" len="med"/>
-                    </a:lnL>
-                    <a:lnR w="6350" cap="flat" cmpd="sng" algn="ctr">
-                      <a:solidFill>
-                        <a:srgbClr val="005758"/>
-                      </a:solidFill>
-                      <a:prstDash val="solid"/>
-                      <a:round/>
-                      <a:headEnd type="none" w="med" len="med"/>
-                      <a:tailEnd type="none" w="med" len="med"/>
-                    </a:lnR>
-                    <a:lnT w="6350" cap="flat" cmpd="sng" algn="ctr">
-                      <a:solidFill>
-                        <a:srgbClr val="005758"/>
-                      </a:solidFill>
-                      <a:prstDash val="solid"/>
-                      <a:round/>
-                      <a:headEnd type="none" w="med" len="med"/>
-                      <a:tailEnd type="none" w="med" len="med"/>
-                    </a:lnT>
-                    <a:lnB w="6350" cap="flat" cmpd="sng" algn="ctr">
-                      <a:solidFill>
-                        <a:srgbClr val="005758"/>
-                      </a:solidFill>
-                      <a:prstDash val="solid"/>
-                      <a:round/>
-                      <a:headEnd type="none" w="med" len="med"/>
-                      <a:tailEnd type="none" w="med" len="med"/>
-                    </a:lnB>
-                    <a:noFill/>
-                  </a:tcPr>
-                </a:tc>
-                <a:tc>
-                  <a:txBody>
-                    <a:bodyPr/>
-                    <a:lstStyle/>
-                    <a:p>
-                      <a:pPr algn="l" fontAlgn="b"/>
-                      <a:r>
-                        <a:rPr lang="en-GB" sz="1000" b="0" i="0" u="none" strike="noStrike" dirty="0">
-                          <a:solidFill>
-                            <a:srgbClr val="003031"/>
-                          </a:solidFill>
-                          <a:effectLst/>
-                          <a:latin typeface="Georgia Pro" panose="02040502050405020303" pitchFamily="18" charset="0"/>
-                        </a:rPr>
-                        <a:t>2x Sales Specialist Red Hat Enterprise Linux und 2 x Delivery Specialist Platform or Red Hat Enterprise Linux</a:t>
-                      </a:r>
-                    </a:p>
-                  </a:txBody>
-                  <a:tcPr marL="4427" marR="4427" marT="4427" marB="0" anchor="b">
-                    <a:lnL w="6350" cap="flat" cmpd="sng" algn="ctr">
-                      <a:solidFill>
-                        <a:srgbClr val="005758"/>
-                      </a:solidFill>
-                      <a:prstDash val="solid"/>
-                      <a:round/>
-                      <a:headEnd type="none" w="med" len="med"/>
-                      <a:tailEnd type="none" w="med" len="med"/>
-                    </a:lnL>
-                    <a:lnR w="6350" cap="flat" cmpd="sng" algn="ctr">
-                      <a:solidFill>
-                        <a:srgbClr val="005758"/>
-                      </a:solidFill>
-                      <a:prstDash val="solid"/>
-                      <a:round/>
-                      <a:headEnd type="none" w="med" len="med"/>
-                      <a:tailEnd type="none" w="med" len="med"/>
-                    </a:lnR>
-                    <a:lnT w="6350" cap="flat" cmpd="sng" algn="ctr">
-                      <a:solidFill>
-                        <a:srgbClr val="005758"/>
-                      </a:solidFill>
-                      <a:prstDash val="solid"/>
-                      <a:round/>
-                      <a:headEnd type="none" w="med" len="med"/>
-                      <a:tailEnd type="none" w="med" len="med"/>
-                    </a:lnT>
-                    <a:lnB w="6350" cap="flat" cmpd="sng" algn="ctr">
-                      <a:solidFill>
-                        <a:srgbClr val="005758"/>
-                      </a:solidFill>
-                      <a:prstDash val="solid"/>
-                      <a:round/>
-                      <a:headEnd type="none" w="med" len="med"/>
-                      <a:tailEnd type="none" w="med" len="med"/>
-                    </a:lnB>
-                  </a:tcPr>
-                </a:tc>
-                <a:tc>
-                  <a:txBody>
-                    <a:bodyPr/>
-                    <a:lstStyle/>
-                    <a:p>
-                      <a:pPr algn="l" fontAlgn="b"/>
-                      <a:r>
-                        <a:rPr lang="en-GB" sz="1000" b="0" i="0" u="none" strike="noStrike">
-                          <a:solidFill>
-                            <a:srgbClr val="003031"/>
-                          </a:solidFill>
-                          <a:effectLst/>
-                          <a:latin typeface="Georgia Pro" panose="02040502050405020303" pitchFamily="18" charset="0"/>
-                        </a:rPr>
-                        <a:t>____</a:t>
-                      </a:r>
-                    </a:p>
-                  </a:txBody>
-                  <a:tcPr marL="4427" marR="4427" marT="4427" marB="0" anchor="b">
-                    <a:lnL w="6350" cap="flat" cmpd="sng" algn="ctr">
-                      <a:solidFill>
-                        <a:srgbClr val="005758"/>
-                      </a:solidFill>
-                      <a:prstDash val="solid"/>
-                      <a:round/>
-                      <a:headEnd type="none" w="med" len="med"/>
-                      <a:tailEnd type="none" w="med" len="med"/>
-                    </a:lnL>
-                    <a:lnR w="6350" cap="flat" cmpd="sng" algn="ctr">
-                      <a:solidFill>
-                        <a:srgbClr val="005758"/>
-                      </a:solidFill>
-                      <a:prstDash val="solid"/>
-                      <a:round/>
-                      <a:headEnd type="none" w="med" len="med"/>
-                      <a:tailEnd type="none" w="med" len="med"/>
-                    </a:lnR>
-                    <a:lnT w="6350" cap="flat" cmpd="sng" algn="ctr">
-                      <a:solidFill>
-                        <a:srgbClr val="005758"/>
-                      </a:solidFill>
-                      <a:prstDash val="solid"/>
-                      <a:round/>
-                      <a:headEnd type="none" w="med" len="med"/>
-                      <a:tailEnd type="none" w="med" len="med"/>
-                    </a:lnT>
-                    <a:lnB w="6350" cap="flat" cmpd="sng" algn="ctr">
-                      <a:solidFill>
-                        <a:srgbClr val="005758"/>
-                      </a:solidFill>
-                      <a:prstDash val="solid"/>
-                      <a:round/>
-                      <a:headEnd type="none" w="med" len="med"/>
-                      <a:tailEnd type="none" w="med" len="med"/>
-                    </a:lnB>
-                  </a:tcPr>
-                </a:tc>
-                <a:tc>
-                  <a:txBody>
-                    <a:bodyPr/>
-                    <a:lstStyle/>
-                    <a:p>
-                      <a:pPr algn="l" fontAlgn="b"/>
-                      <a:r>
-                        <a:rPr lang="en-GB" sz="1000" b="0" i="0" u="none" strike="noStrike">
-                          <a:solidFill>
-                            <a:srgbClr val="003031"/>
-                          </a:solidFill>
-                          <a:effectLst/>
-                          <a:latin typeface="Georgia Pro" panose="02040502050405020303" pitchFamily="18" charset="0"/>
-                        </a:rPr>
-                        <a:t>____</a:t>
-                      </a:r>
-                    </a:p>
-                  </a:txBody>
-                  <a:tcPr marL="4427" marR="4427" marT="4427" marB="0" anchor="b">
-                    <a:lnL w="6350" cap="flat" cmpd="sng" algn="ctr">
-                      <a:solidFill>
-                        <a:srgbClr val="005758"/>
-                      </a:solidFill>
-                      <a:prstDash val="solid"/>
-                      <a:round/>
-                      <a:headEnd type="none" w="med" len="med"/>
-                      <a:tailEnd type="none" w="med" len="med"/>
-                    </a:lnL>
-                    <a:lnR w="6350" cap="flat" cmpd="sng" algn="ctr">
-                      <a:solidFill>
-                        <a:srgbClr val="005758"/>
-                      </a:solidFill>
-                      <a:prstDash val="solid"/>
-                      <a:round/>
-                      <a:headEnd type="none" w="med" len="med"/>
-                      <a:tailEnd type="none" w="med" len="med"/>
-                    </a:lnR>
-                    <a:lnT w="6350" cap="flat" cmpd="sng" algn="ctr">
-                      <a:solidFill>
-                        <a:srgbClr val="005758"/>
-                      </a:solidFill>
-                      <a:prstDash val="solid"/>
-                      <a:round/>
-                      <a:headEnd type="none" w="med" len="med"/>
-                      <a:tailEnd type="none" w="med" len="med"/>
-                    </a:lnT>
-                    <a:lnB w="6350" cap="flat" cmpd="sng" algn="ctr">
-                      <a:solidFill>
-                        <a:srgbClr val="005758"/>
-                      </a:solidFill>
-                      <a:prstDash val="solid"/>
-                      <a:round/>
-                      <a:headEnd type="none" w="med" len="med"/>
-                      <a:tailEnd type="none" w="med" len="med"/>
-                    </a:lnB>
-                  </a:tcPr>
-                </a:tc>
-                <a:tc>
-                  <a:txBody>
-                    <a:bodyPr/>
-                    <a:lstStyle/>
-                    <a:p>
-                      <a:pPr algn="l" fontAlgn="b"/>
-                      <a:r>
-                        <a:rPr lang="en-GB" sz="1000" b="0" i="0" u="none" strike="noStrike">
-                          <a:solidFill>
-                            <a:srgbClr val="003031"/>
-                          </a:solidFill>
-                          <a:effectLst/>
-                          <a:latin typeface="Georgia Pro" panose="02040502050405020303" pitchFamily="18" charset="0"/>
-                        </a:rPr>
-                        <a:t>____</a:t>
-                      </a:r>
-                    </a:p>
-                  </a:txBody>
-                  <a:tcPr marL="4427" marR="4427" marT="4427" marB="0" anchor="b">
-                    <a:lnL w="6350" cap="flat" cmpd="sng" algn="ctr">
-                      <a:solidFill>
-                        <a:srgbClr val="005758"/>
-                      </a:solidFill>
-                      <a:prstDash val="solid"/>
-                      <a:round/>
-                      <a:headEnd type="none" w="med" len="med"/>
-                      <a:tailEnd type="none" w="med" len="med"/>
-                    </a:lnL>
-                    <a:lnR w="6350" cap="flat" cmpd="sng" algn="ctr">
-                      <a:solidFill>
-                        <a:srgbClr val="005758"/>
-                      </a:solidFill>
-                      <a:prstDash val="solid"/>
-                      <a:round/>
-                      <a:headEnd type="none" w="med" len="med"/>
-                      <a:tailEnd type="none" w="med" len="med"/>
-                    </a:lnR>
-                    <a:lnT w="6350" cap="flat" cmpd="sng" algn="ctr">
-                      <a:solidFill>
-                        <a:srgbClr val="005758"/>
-                      </a:solidFill>
-                      <a:prstDash val="solid"/>
-                      <a:round/>
-                      <a:headEnd type="none" w="med" len="med"/>
-                      <a:tailEnd type="none" w="med" len="med"/>
-                    </a:lnT>
-                    <a:lnB w="6350" cap="flat" cmpd="sng" algn="ctr">
-                      <a:solidFill>
-                        <a:srgbClr val="005758"/>
-                      </a:solidFill>
-                      <a:prstDash val="solid"/>
-                      <a:round/>
-                      <a:headEnd type="none" w="med" len="med"/>
-                      <a:tailEnd type="none" w="med" len="med"/>
-                    </a:lnB>
-                  </a:tcPr>
-                </a:tc>
-                <a:extLst>
-                  <a:ext uri="{0D108BD9-81ED-4DB2-BD59-A6C34878D82A}">
-                    <a16:rowId xmlns:a16="http://schemas.microsoft.com/office/drawing/2014/main" val="836066898"/>
-                  </a:ext>
-                </a:extLst>
-              </a:tr>
-              <a:tr h="92958">
-                <a:tc>
-                  <a:txBody>
-                    <a:bodyPr/>
-                    <a:lstStyle/>
-                    <a:p>
-                      <a:pPr algn="l" fontAlgn="b"/>
-                      <a:r>
-                        <a:rPr lang="en-GB" sz="1000" b="1" i="0" u="none" strike="noStrike">
-                          <a:solidFill>
-                            <a:srgbClr val="FFFFFF"/>
-                          </a:solidFill>
-                          <a:effectLst/>
-                          <a:latin typeface="Arial" panose="020B0604020202020204" pitchFamily="34" charset="0"/>
-                        </a:rPr>
-                        <a:t>Product Group</a:t>
-                      </a:r>
-                    </a:p>
-                  </a:txBody>
-                  <a:tcPr marL="4427" marR="4427" marT="4427" marB="0" anchor="b">
-                    <a:lnL w="6350" cap="flat" cmpd="sng" algn="ctr">
-                      <a:solidFill>
-                        <a:srgbClr val="005758"/>
-                      </a:solidFill>
-                      <a:prstDash val="solid"/>
-                      <a:round/>
-                      <a:headEnd type="none" w="med" len="med"/>
-                      <a:tailEnd type="none" w="med" len="med"/>
-                    </a:lnL>
-                    <a:lnR w="6350" cap="flat" cmpd="sng" algn="ctr">
-                      <a:solidFill>
-                        <a:srgbClr val="005758"/>
-                      </a:solidFill>
-                      <a:prstDash val="solid"/>
-                      <a:round/>
-                      <a:headEnd type="none" w="med" len="med"/>
-                      <a:tailEnd type="none" w="med" len="med"/>
-                    </a:lnR>
-                    <a:lnT w="6350" cap="flat" cmpd="sng" algn="ctr">
-                      <a:solidFill>
-                        <a:srgbClr val="FFFFFF"/>
-                      </a:solidFill>
-                      <a:prstDash val="solid"/>
-                      <a:round/>
-                      <a:headEnd type="none" w="med" len="med"/>
-                      <a:tailEnd type="none" w="med" len="med"/>
-                    </a:lnT>
-                    <a:lnB w="6350" cap="flat" cmpd="sng" algn="ctr">
-                      <a:solidFill>
-                        <a:srgbClr val="FFFFFF"/>
-                      </a:solidFill>
-                      <a:prstDash val="solid"/>
-                      <a:round/>
-                      <a:headEnd type="none" w="med" len="med"/>
-                      <a:tailEnd type="none" w="med" len="med"/>
-                    </a:lnB>
-                    <a:solidFill>
-                      <a:srgbClr val="005758"/>
-                    </a:solidFill>
-                  </a:tcPr>
-                </a:tc>
-                <a:tc>
-                  <a:txBody>
-                    <a:bodyPr/>
-                    <a:lstStyle/>
-                    <a:p>
-                      <a:pPr algn="l" fontAlgn="b"/>
-                      <a:r>
-                        <a:rPr lang="en-GB" sz="1000" b="0" i="0" u="none" strike="noStrike" dirty="0">
-                          <a:solidFill>
-                            <a:srgbClr val="003031"/>
-                          </a:solidFill>
-                          <a:effectLst/>
-                          <a:latin typeface="Georgia Pro" panose="02040502050405020303" pitchFamily="18" charset="0"/>
-                        </a:rPr>
-                        <a:t>Ansible</a:t>
-                      </a:r>
-                    </a:p>
-                  </a:txBody>
-                  <a:tcPr marL="4427" marR="4427" marT="4427" marB="0" anchor="b">
-                    <a:lnL w="6350" cap="flat" cmpd="sng" algn="ctr">
-                      <a:solidFill>
-                        <a:srgbClr val="005758"/>
-                      </a:solidFill>
-                      <a:prstDash val="solid"/>
-                      <a:round/>
-                      <a:headEnd type="none" w="med" len="med"/>
-                      <a:tailEnd type="none" w="med" len="med"/>
-                    </a:lnL>
-                    <a:lnR w="6350" cap="flat" cmpd="sng" algn="ctr">
-                      <a:solidFill>
-                        <a:srgbClr val="005758"/>
-                      </a:solidFill>
-                      <a:prstDash val="solid"/>
-                      <a:round/>
-                      <a:headEnd type="none" w="med" len="med"/>
-                      <a:tailEnd type="none" w="med" len="med"/>
-                    </a:lnR>
-                    <a:lnT w="6350" cap="flat" cmpd="sng" algn="ctr">
-                      <a:solidFill>
-                        <a:srgbClr val="005758"/>
-                      </a:solidFill>
-                      <a:prstDash val="solid"/>
-                      <a:round/>
-                      <a:headEnd type="none" w="med" len="med"/>
-                      <a:tailEnd type="none" w="med" len="med"/>
-                    </a:lnT>
-                    <a:lnB w="6350" cap="flat" cmpd="sng" algn="ctr">
-                      <a:solidFill>
-                        <a:srgbClr val="005758"/>
-                      </a:solidFill>
-                      <a:prstDash val="solid"/>
-                      <a:round/>
-                      <a:headEnd type="none" w="med" len="med"/>
-                      <a:tailEnd type="none" w="med" len="med"/>
-                    </a:lnB>
-                    <a:noFill/>
-                  </a:tcPr>
-                </a:tc>
-                <a:tc>
-                  <a:txBody>
-                    <a:bodyPr/>
-                    <a:lstStyle/>
-                    <a:p>
-                      <a:pPr algn="l" fontAlgn="b"/>
-                      <a:r>
-                        <a:rPr lang="en-GB" sz="1000" b="0" i="0" u="none" strike="noStrike">
-                          <a:solidFill>
-                            <a:srgbClr val="003031"/>
-                          </a:solidFill>
-                          <a:effectLst/>
-                          <a:latin typeface="Georgia Pro" panose="02040502050405020303" pitchFamily="18" charset="0"/>
-                        </a:rPr>
-                        <a:t>RHEL</a:t>
-                      </a:r>
-                    </a:p>
-                  </a:txBody>
-                  <a:tcPr marL="4427" marR="4427" marT="4427" marB="0" anchor="b">
-                    <a:lnL w="6350" cap="flat" cmpd="sng" algn="ctr">
-                      <a:solidFill>
-                        <a:srgbClr val="005758"/>
-                      </a:solidFill>
-                      <a:prstDash val="solid"/>
-                      <a:round/>
-                      <a:headEnd type="none" w="med" len="med"/>
-                      <a:tailEnd type="none" w="med" len="med"/>
-                    </a:lnL>
-                    <a:lnR w="6350" cap="flat" cmpd="sng" algn="ctr">
-                      <a:solidFill>
-                        <a:srgbClr val="005758"/>
-                      </a:solidFill>
-                      <a:prstDash val="solid"/>
-                      <a:round/>
-                      <a:headEnd type="none" w="med" len="med"/>
-                      <a:tailEnd type="none" w="med" len="med"/>
-                    </a:lnR>
-                    <a:lnT w="6350" cap="flat" cmpd="sng" algn="ctr">
-                      <a:solidFill>
-                        <a:srgbClr val="005758"/>
-                      </a:solidFill>
-                      <a:prstDash val="solid"/>
-                      <a:round/>
-                      <a:headEnd type="none" w="med" len="med"/>
-                      <a:tailEnd type="none" w="med" len="med"/>
-                    </a:lnT>
-                    <a:lnB w="6350" cap="flat" cmpd="sng" algn="ctr">
-                      <a:solidFill>
-                        <a:srgbClr val="005758"/>
-                      </a:solidFill>
-                      <a:prstDash val="solid"/>
-                      <a:round/>
-                      <a:headEnd type="none" w="med" len="med"/>
-                      <a:tailEnd type="none" w="med" len="med"/>
-                    </a:lnB>
-                  </a:tcPr>
-                </a:tc>
-                <a:tc>
-                  <a:txBody>
-                    <a:bodyPr/>
-                    <a:lstStyle/>
-                    <a:p>
-                      <a:pPr algn="l" fontAlgn="b"/>
-                      <a:r>
-                        <a:rPr lang="en-GB" sz="1000" b="0" i="0" u="none" strike="noStrike">
-                          <a:solidFill>
-                            <a:srgbClr val="003031"/>
-                          </a:solidFill>
-                          <a:effectLst/>
-                          <a:latin typeface="Georgia Pro" panose="02040502050405020303" pitchFamily="18" charset="0"/>
-                        </a:rPr>
-                        <a:t>OpenShift</a:t>
-                      </a:r>
-                    </a:p>
-                  </a:txBody>
-                  <a:tcPr marL="4427" marR="4427" marT="4427" marB="0" anchor="b">
-                    <a:lnL w="6350" cap="flat" cmpd="sng" algn="ctr">
-                      <a:solidFill>
-                        <a:srgbClr val="005758"/>
-                      </a:solidFill>
-                      <a:prstDash val="solid"/>
-                      <a:round/>
-                      <a:headEnd type="none" w="med" len="med"/>
-                      <a:tailEnd type="none" w="med" len="med"/>
-                    </a:lnL>
-                    <a:lnR w="6350" cap="flat" cmpd="sng" algn="ctr">
-                      <a:solidFill>
-                        <a:srgbClr val="005758"/>
-                      </a:solidFill>
-                      <a:prstDash val="solid"/>
-                      <a:round/>
-                      <a:headEnd type="none" w="med" len="med"/>
-                      <a:tailEnd type="none" w="med" len="med"/>
-                    </a:lnR>
-                    <a:lnT w="6350" cap="flat" cmpd="sng" algn="ctr">
-                      <a:solidFill>
-                        <a:srgbClr val="005758"/>
-                      </a:solidFill>
-                      <a:prstDash val="solid"/>
-                      <a:round/>
-                      <a:headEnd type="none" w="med" len="med"/>
-                      <a:tailEnd type="none" w="med" len="med"/>
-                    </a:lnT>
-                    <a:lnB w="6350" cap="flat" cmpd="sng" algn="ctr">
-                      <a:solidFill>
-                        <a:srgbClr val="005758"/>
-                      </a:solidFill>
-                      <a:prstDash val="solid"/>
-                      <a:round/>
-                      <a:headEnd type="none" w="med" len="med"/>
-                      <a:tailEnd type="none" w="med" len="med"/>
-                    </a:lnB>
-                  </a:tcPr>
-                </a:tc>
-                <a:tc>
-                  <a:txBody>
-                    <a:bodyPr/>
-                    <a:lstStyle/>
-                    <a:p>
-                      <a:pPr algn="l" fontAlgn="b"/>
-                      <a:r>
-                        <a:rPr lang="en-GB" sz="1000" b="0" i="0" u="none" strike="noStrike">
-                          <a:solidFill>
-                            <a:srgbClr val="003031"/>
-                          </a:solidFill>
-                          <a:effectLst/>
-                          <a:latin typeface="Georgia Pro" panose="02040502050405020303" pitchFamily="18" charset="0"/>
-                        </a:rPr>
-                        <a:t>Ansible</a:t>
-                      </a:r>
-                    </a:p>
-                  </a:txBody>
-                  <a:tcPr marL="4427" marR="4427" marT="4427" marB="0" anchor="b">
-                    <a:lnL w="6350" cap="flat" cmpd="sng" algn="ctr">
-                      <a:solidFill>
-                        <a:srgbClr val="005758"/>
-                      </a:solidFill>
-                      <a:prstDash val="solid"/>
-                      <a:round/>
-                      <a:headEnd type="none" w="med" len="med"/>
-                      <a:tailEnd type="none" w="med" len="med"/>
-                    </a:lnL>
-                    <a:lnR w="6350" cap="flat" cmpd="sng" algn="ctr">
-                      <a:solidFill>
-                        <a:srgbClr val="005758"/>
-                      </a:solidFill>
-                      <a:prstDash val="solid"/>
-                      <a:round/>
-                      <a:headEnd type="none" w="med" len="med"/>
-                      <a:tailEnd type="none" w="med" len="med"/>
-                    </a:lnR>
-                    <a:lnT w="6350" cap="flat" cmpd="sng" algn="ctr">
-                      <a:solidFill>
-                        <a:srgbClr val="005758"/>
-                      </a:solidFill>
-                      <a:prstDash val="solid"/>
-                      <a:round/>
-                      <a:headEnd type="none" w="med" len="med"/>
-                      <a:tailEnd type="none" w="med" len="med"/>
-                    </a:lnT>
-                    <a:lnB w="6350" cap="flat" cmpd="sng" algn="ctr">
-                      <a:solidFill>
-                        <a:srgbClr val="005758"/>
-                      </a:solidFill>
-                      <a:prstDash val="solid"/>
-                      <a:round/>
-                      <a:headEnd type="none" w="med" len="med"/>
-                      <a:tailEnd type="none" w="med" len="med"/>
-                    </a:lnB>
-                    <a:noFill/>
-                  </a:tcPr>
-                </a:tc>
-                <a:tc>
-                  <a:txBody>
-                    <a:bodyPr/>
-                    <a:lstStyle/>
-                    <a:p>
-                      <a:pPr algn="l" fontAlgn="b"/>
-                      <a:r>
-                        <a:rPr lang="en-GB" sz="1000" b="0" i="0" u="none" strike="noStrike" dirty="0">
-                          <a:solidFill>
-                            <a:srgbClr val="003031"/>
-                          </a:solidFill>
-                          <a:effectLst/>
-                          <a:latin typeface="Georgia Pro" panose="02040502050405020303" pitchFamily="18" charset="0"/>
-                        </a:rPr>
-                        <a:t>RHEL</a:t>
-                      </a:r>
-                    </a:p>
-                  </a:txBody>
-                  <a:tcPr marL="4427" marR="4427" marT="4427" marB="0" anchor="b">
-                    <a:lnL w="6350" cap="flat" cmpd="sng" algn="ctr">
-                      <a:solidFill>
-                        <a:srgbClr val="005758"/>
-                      </a:solidFill>
-                      <a:prstDash val="solid"/>
-                      <a:round/>
-                      <a:headEnd type="none" w="med" len="med"/>
-                      <a:tailEnd type="none" w="med" len="med"/>
-                    </a:lnL>
-                    <a:lnR w="6350" cap="flat" cmpd="sng" algn="ctr">
-                      <a:solidFill>
-                        <a:srgbClr val="005758"/>
-                      </a:solidFill>
-                      <a:prstDash val="solid"/>
-                      <a:round/>
-                      <a:headEnd type="none" w="med" len="med"/>
-                      <a:tailEnd type="none" w="med" len="med"/>
-                    </a:lnR>
-                    <a:lnT w="6350" cap="flat" cmpd="sng" algn="ctr">
-                      <a:solidFill>
-                        <a:srgbClr val="005758"/>
-                      </a:solidFill>
-                      <a:prstDash val="solid"/>
-                      <a:round/>
-                      <a:headEnd type="none" w="med" len="med"/>
-                      <a:tailEnd type="none" w="med" len="med"/>
-                    </a:lnT>
-                    <a:lnB w="6350" cap="flat" cmpd="sng" algn="ctr">
-                      <a:solidFill>
-                        <a:srgbClr val="005758"/>
-                      </a:solidFill>
-                      <a:prstDash val="solid"/>
-                      <a:round/>
-                      <a:headEnd type="none" w="med" len="med"/>
-                      <a:tailEnd type="none" w="med" len="med"/>
-                    </a:lnB>
-                  </a:tcPr>
-                </a:tc>
-                <a:tc>
-                  <a:txBody>
-                    <a:bodyPr/>
-                    <a:lstStyle/>
-                    <a:p>
-                      <a:pPr algn="l" fontAlgn="b"/>
-                      <a:r>
-                        <a:rPr lang="en-GB" sz="1000" b="0" i="0" u="none" strike="noStrike">
-                          <a:solidFill>
-                            <a:srgbClr val="003031"/>
-                          </a:solidFill>
-                          <a:effectLst/>
-                          <a:latin typeface="Georgia Pro" panose="02040502050405020303" pitchFamily="18" charset="0"/>
-                        </a:rPr>
-                        <a:t>RHLS</a:t>
-                      </a:r>
-                    </a:p>
-                  </a:txBody>
-                  <a:tcPr marL="4427" marR="4427" marT="4427" marB="0" anchor="b">
-                    <a:lnL w="6350" cap="flat" cmpd="sng" algn="ctr">
-                      <a:solidFill>
-                        <a:srgbClr val="005758"/>
-                      </a:solidFill>
-                      <a:prstDash val="solid"/>
-                      <a:round/>
-                      <a:headEnd type="none" w="med" len="med"/>
-                      <a:tailEnd type="none" w="med" len="med"/>
-                    </a:lnL>
-                    <a:lnR w="6350" cap="flat" cmpd="sng" algn="ctr">
-                      <a:solidFill>
-                        <a:srgbClr val="005758"/>
-                      </a:solidFill>
-                      <a:prstDash val="solid"/>
-                      <a:round/>
-                      <a:headEnd type="none" w="med" len="med"/>
-                      <a:tailEnd type="none" w="med" len="med"/>
-                    </a:lnR>
-                    <a:lnT w="6350" cap="flat" cmpd="sng" algn="ctr">
-                      <a:solidFill>
-                        <a:srgbClr val="005758"/>
-                      </a:solidFill>
-                      <a:prstDash val="solid"/>
-                      <a:round/>
-                      <a:headEnd type="none" w="med" len="med"/>
-                      <a:tailEnd type="none" w="med" len="med"/>
-                    </a:lnT>
-                    <a:lnB w="6350" cap="flat" cmpd="sng" algn="ctr">
-                      <a:solidFill>
-                        <a:srgbClr val="005758"/>
-                      </a:solidFill>
-                      <a:prstDash val="solid"/>
-                      <a:round/>
-                      <a:headEnd type="none" w="med" len="med"/>
-                      <a:tailEnd type="none" w="med" len="med"/>
-                    </a:lnB>
-                  </a:tcPr>
-                </a:tc>
-                <a:tc>
-                  <a:txBody>
-                    <a:bodyPr/>
-                    <a:lstStyle/>
-                    <a:p>
-                      <a:pPr algn="l" fontAlgn="b"/>
-                      <a:r>
-                        <a:rPr lang="en-GB" sz="1000" b="0" i="0" u="none" strike="noStrike">
-                          <a:solidFill>
-                            <a:srgbClr val="003031"/>
-                          </a:solidFill>
-                          <a:effectLst/>
-                          <a:latin typeface="Georgia Pro" panose="02040502050405020303" pitchFamily="18" charset="0"/>
-                        </a:rPr>
-                        <a:t>____</a:t>
-                      </a:r>
-                    </a:p>
-                  </a:txBody>
-                  <a:tcPr marL="4427" marR="4427" marT="4427" marB="0" anchor="b">
-                    <a:lnL w="6350" cap="flat" cmpd="sng" algn="ctr">
-                      <a:solidFill>
-                        <a:srgbClr val="005758"/>
-                      </a:solidFill>
-                      <a:prstDash val="solid"/>
-                      <a:round/>
-                      <a:headEnd type="none" w="med" len="med"/>
-                      <a:tailEnd type="none" w="med" len="med"/>
-                    </a:lnL>
-                    <a:lnR w="6350" cap="flat" cmpd="sng" algn="ctr">
-                      <a:solidFill>
-                        <a:srgbClr val="005758"/>
-                      </a:solidFill>
-                      <a:prstDash val="solid"/>
-                      <a:round/>
-                      <a:headEnd type="none" w="med" len="med"/>
-                      <a:tailEnd type="none" w="med" len="med"/>
-                    </a:lnR>
-                    <a:lnT w="6350" cap="flat" cmpd="sng" algn="ctr">
-                      <a:solidFill>
-                        <a:srgbClr val="005758"/>
-                      </a:solidFill>
-                      <a:prstDash val="solid"/>
-                      <a:round/>
-                      <a:headEnd type="none" w="med" len="med"/>
-                      <a:tailEnd type="none" w="med" len="med"/>
-                    </a:lnT>
-                    <a:lnB w="6350" cap="flat" cmpd="sng" algn="ctr">
-                      <a:solidFill>
-                        <a:srgbClr val="005758"/>
-                      </a:solidFill>
-                      <a:prstDash val="solid"/>
-                      <a:round/>
-                      <a:headEnd type="none" w="med" len="med"/>
-                      <a:tailEnd type="none" w="med" len="med"/>
-                    </a:lnB>
-                  </a:tcPr>
-                </a:tc>
-                <a:tc>
-                  <a:txBody>
-                    <a:bodyPr/>
-                    <a:lstStyle/>
-                    <a:p>
-                      <a:pPr algn="l" fontAlgn="b"/>
-                      <a:r>
-                        <a:rPr lang="en-GB" sz="1000" b="0" i="0" u="none" strike="noStrike" dirty="0">
-                          <a:solidFill>
-                            <a:srgbClr val="003031"/>
-                          </a:solidFill>
-                          <a:effectLst/>
-                          <a:latin typeface="Georgia Pro" panose="02040502050405020303" pitchFamily="18" charset="0"/>
-                        </a:rPr>
-                        <a:t>____</a:t>
-                      </a:r>
-                    </a:p>
-                  </a:txBody>
-                  <a:tcPr marL="4427" marR="4427" marT="4427" marB="0" anchor="b">
-                    <a:lnL w="6350" cap="flat" cmpd="sng" algn="ctr">
-                      <a:solidFill>
-                        <a:srgbClr val="005758"/>
-                      </a:solidFill>
-                      <a:prstDash val="solid"/>
-                      <a:round/>
-                      <a:headEnd type="none" w="med" len="med"/>
-                      <a:tailEnd type="none" w="med" len="med"/>
-                    </a:lnL>
-                    <a:lnR w="6350" cap="flat" cmpd="sng" algn="ctr">
-                      <a:solidFill>
-                        <a:srgbClr val="005758"/>
-                      </a:solidFill>
-                      <a:prstDash val="solid"/>
-                      <a:round/>
-                      <a:headEnd type="none" w="med" len="med"/>
-                      <a:tailEnd type="none" w="med" len="med"/>
-                    </a:lnR>
-                    <a:lnT w="6350" cap="flat" cmpd="sng" algn="ctr">
-                      <a:solidFill>
-                        <a:srgbClr val="005758"/>
-                      </a:solidFill>
-                      <a:prstDash val="solid"/>
-                      <a:round/>
-                      <a:headEnd type="none" w="med" len="med"/>
-                      <a:tailEnd type="none" w="med" len="med"/>
-                    </a:lnT>
-                    <a:lnB w="6350" cap="flat" cmpd="sng" algn="ctr">
-                      <a:solidFill>
-                        <a:srgbClr val="005758"/>
-                      </a:solidFill>
-                      <a:prstDash val="solid"/>
-                      <a:round/>
-                      <a:headEnd type="none" w="med" len="med"/>
-                      <a:tailEnd type="none" w="med" len="med"/>
-                    </a:lnB>
-                  </a:tcPr>
-                </a:tc>
-                <a:extLst>
-                  <a:ext uri="{0D108BD9-81ED-4DB2-BD59-A6C34878D82A}">
-                    <a16:rowId xmlns:a16="http://schemas.microsoft.com/office/drawing/2014/main" val="380346828"/>
-                  </a:ext>
-                </a:extLst>
-              </a:tr>
-              <a:tr h="447086">
-                <a:tc>
-                  <a:txBody>
-                    <a:bodyPr/>
-                    <a:lstStyle/>
-                    <a:p>
-                      <a:pPr algn="l" fontAlgn="b"/>
-                      <a:r>
-                        <a:rPr lang="en-GB" sz="1000" b="1" i="0" u="none" strike="noStrike" dirty="0">
-                          <a:solidFill>
-                            <a:srgbClr val="FFFFFF"/>
-                          </a:solidFill>
-                          <a:effectLst/>
-                          <a:latin typeface="Arial" panose="020B0604020202020204" pitchFamily="34" charset="0"/>
-                        </a:rPr>
-                        <a:t>Target Customers</a:t>
-                      </a:r>
-                    </a:p>
-                  </a:txBody>
-                  <a:tcPr marL="4427" marR="4427" marT="4427" marB="0" anchor="b">
-                    <a:lnL w="6350" cap="flat" cmpd="sng" algn="ctr">
-                      <a:solidFill>
-                        <a:srgbClr val="005758"/>
-                      </a:solidFill>
-                      <a:prstDash val="solid"/>
-                      <a:round/>
-                      <a:headEnd type="none" w="med" len="med"/>
-                      <a:tailEnd type="none" w="med" len="med"/>
-                    </a:lnL>
-                    <a:lnR w="6350" cap="flat" cmpd="sng" algn="ctr">
-                      <a:solidFill>
-                        <a:srgbClr val="005758"/>
-                      </a:solidFill>
-                      <a:prstDash val="solid"/>
-                      <a:round/>
-                      <a:headEnd type="none" w="med" len="med"/>
-                      <a:tailEnd type="none" w="med" len="med"/>
-                    </a:lnR>
-                    <a:lnT w="6350" cap="flat" cmpd="sng" algn="ctr">
-                      <a:solidFill>
-                        <a:srgbClr val="FFFFFF"/>
-                      </a:solidFill>
-                      <a:prstDash val="solid"/>
-                      <a:round/>
-                      <a:headEnd type="none" w="med" len="med"/>
-                      <a:tailEnd type="none" w="med" len="med"/>
-                    </a:lnT>
-                    <a:lnB w="6350" cap="flat" cmpd="sng" algn="ctr">
-                      <a:solidFill>
-                        <a:srgbClr val="005758"/>
-                      </a:solidFill>
-                      <a:prstDash val="solid"/>
-                      <a:round/>
-                      <a:headEnd type="none" w="med" len="med"/>
-                      <a:tailEnd type="none" w="med" len="med"/>
-                    </a:lnB>
-                    <a:solidFill>
-                      <a:srgbClr val="005758"/>
-                    </a:solidFill>
-                  </a:tcPr>
-                </a:tc>
-                <a:tc>
-                  <a:txBody>
-                    <a:bodyPr/>
-                    <a:lstStyle/>
-                    <a:p>
-                      <a:pPr algn="l" fontAlgn="b"/>
-                      <a:r>
-                        <a:rPr lang="en-GB" sz="1000" b="0" i="0" u="none" strike="noStrike" dirty="0">
-                          <a:solidFill>
-                            <a:srgbClr val="003031"/>
-                          </a:solidFill>
-                          <a:effectLst/>
-                          <a:latin typeface="Georgia Pro" panose="02040502050405020303" pitchFamily="18" charset="0"/>
-                        </a:rPr>
-                        <a:t>All customers, however only one promotion per customer, no renewals.</a:t>
-                      </a:r>
-                    </a:p>
-                  </a:txBody>
-                  <a:tcPr marL="4427" marR="4427" marT="4427" marB="0" anchor="b">
-                    <a:lnL w="6350" cap="flat" cmpd="sng" algn="ctr">
-                      <a:solidFill>
-                        <a:srgbClr val="005758"/>
-                      </a:solidFill>
-                      <a:prstDash val="solid"/>
-                      <a:round/>
-                      <a:headEnd type="none" w="med" len="med"/>
-                      <a:tailEnd type="none" w="med" len="med"/>
-                    </a:lnL>
-                    <a:lnR w="6350" cap="flat" cmpd="sng" algn="ctr">
-                      <a:solidFill>
-                        <a:srgbClr val="005758"/>
-                      </a:solidFill>
-                      <a:prstDash val="solid"/>
-                      <a:round/>
-                      <a:headEnd type="none" w="med" len="med"/>
-                      <a:tailEnd type="none" w="med" len="med"/>
-                    </a:lnR>
-                    <a:lnT w="6350" cap="flat" cmpd="sng" algn="ctr">
-                      <a:solidFill>
-                        <a:srgbClr val="005758"/>
-                      </a:solidFill>
-                      <a:prstDash val="solid"/>
-                      <a:round/>
-                      <a:headEnd type="none" w="med" len="med"/>
-                      <a:tailEnd type="none" w="med" len="med"/>
-                    </a:lnT>
-                    <a:lnB w="6350" cap="flat" cmpd="sng" algn="ctr">
-                      <a:solidFill>
-                        <a:srgbClr val="005758"/>
-                      </a:solidFill>
-                      <a:prstDash val="solid"/>
-                      <a:round/>
-                      <a:headEnd type="none" w="med" len="med"/>
-                      <a:tailEnd type="none" w="med" len="med"/>
-                    </a:lnB>
-                    <a:noFill/>
-                  </a:tcPr>
-                </a:tc>
-                <a:tc>
-                  <a:txBody>
-                    <a:bodyPr/>
-                    <a:lstStyle/>
-                    <a:p>
-                      <a:pPr algn="l" fontAlgn="b"/>
-                      <a:r>
-                        <a:rPr lang="en-GB" sz="1000" b="0" i="0" u="none" strike="noStrike">
-                          <a:solidFill>
-                            <a:srgbClr val="003031"/>
-                          </a:solidFill>
-                          <a:effectLst/>
-                          <a:latin typeface="Georgia Pro" panose="02040502050405020303" pitchFamily="18" charset="0"/>
-                        </a:rPr>
-                        <a:t>All customers, however, only one promotion per customer, no renewals.</a:t>
-                      </a:r>
-                    </a:p>
-                  </a:txBody>
-                  <a:tcPr marL="4427" marR="4427" marT="4427" marB="0" anchor="b">
-                    <a:lnL w="6350" cap="flat" cmpd="sng" algn="ctr">
-                      <a:solidFill>
-                        <a:srgbClr val="005758"/>
-                      </a:solidFill>
-                      <a:prstDash val="solid"/>
-                      <a:round/>
-                      <a:headEnd type="none" w="med" len="med"/>
-                      <a:tailEnd type="none" w="med" len="med"/>
-                    </a:lnL>
-                    <a:lnR w="6350" cap="flat" cmpd="sng" algn="ctr">
-                      <a:solidFill>
-                        <a:srgbClr val="005758"/>
-                      </a:solidFill>
-                      <a:prstDash val="solid"/>
-                      <a:round/>
-                      <a:headEnd type="none" w="med" len="med"/>
-                      <a:tailEnd type="none" w="med" len="med"/>
-                    </a:lnR>
-                    <a:lnT w="6350" cap="flat" cmpd="sng" algn="ctr">
-                      <a:solidFill>
-                        <a:srgbClr val="005758"/>
-                      </a:solidFill>
-                      <a:prstDash val="solid"/>
-                      <a:round/>
-                      <a:headEnd type="none" w="med" len="med"/>
-                      <a:tailEnd type="none" w="med" len="med"/>
-                    </a:lnT>
-                    <a:lnB w="6350" cap="flat" cmpd="sng" algn="ctr">
-                      <a:solidFill>
-                        <a:srgbClr val="005758"/>
-                      </a:solidFill>
-                      <a:prstDash val="solid"/>
-                      <a:round/>
-                      <a:headEnd type="none" w="med" len="med"/>
-                      <a:tailEnd type="none" w="med" len="med"/>
-                    </a:lnB>
-                  </a:tcPr>
-                </a:tc>
-                <a:tc>
-                  <a:txBody>
-                    <a:bodyPr/>
-                    <a:lstStyle/>
-                    <a:p>
-                      <a:pPr algn="l" fontAlgn="b"/>
-                      <a:r>
-                        <a:rPr lang="en-GB" sz="1000" b="0" i="0" u="none" strike="noStrike">
-                          <a:solidFill>
-                            <a:srgbClr val="003031"/>
-                          </a:solidFill>
-                          <a:effectLst/>
-                          <a:latin typeface="Georgia Pro" panose="02040502050405020303" pitchFamily="18" charset="0"/>
-                        </a:rPr>
-                        <a:t>New Customers</a:t>
-                      </a:r>
-                    </a:p>
-                  </a:txBody>
-                  <a:tcPr marL="4427" marR="4427" marT="4427" marB="0" anchor="b">
-                    <a:lnL w="6350" cap="flat" cmpd="sng" algn="ctr">
-                      <a:solidFill>
-                        <a:srgbClr val="005758"/>
-                      </a:solidFill>
-                      <a:prstDash val="solid"/>
-                      <a:round/>
-                      <a:headEnd type="none" w="med" len="med"/>
-                      <a:tailEnd type="none" w="med" len="med"/>
-                    </a:lnL>
-                    <a:lnR w="6350" cap="flat" cmpd="sng" algn="ctr">
-                      <a:solidFill>
-                        <a:srgbClr val="005758"/>
-                      </a:solidFill>
-                      <a:prstDash val="solid"/>
-                      <a:round/>
-                      <a:headEnd type="none" w="med" len="med"/>
-                      <a:tailEnd type="none" w="med" len="med"/>
-                    </a:lnR>
-                    <a:lnT w="6350" cap="flat" cmpd="sng" algn="ctr">
-                      <a:solidFill>
-                        <a:srgbClr val="005758"/>
-                      </a:solidFill>
-                      <a:prstDash val="solid"/>
-                      <a:round/>
-                      <a:headEnd type="none" w="med" len="med"/>
-                      <a:tailEnd type="none" w="med" len="med"/>
-                    </a:lnT>
-                    <a:lnB w="6350" cap="flat" cmpd="sng" algn="ctr">
-                      <a:solidFill>
-                        <a:srgbClr val="005758"/>
-                      </a:solidFill>
-                      <a:prstDash val="solid"/>
-                      <a:round/>
-                      <a:headEnd type="none" w="med" len="med"/>
-                      <a:tailEnd type="none" w="med" len="med"/>
-                    </a:lnB>
-                  </a:tcPr>
-                </a:tc>
-                <a:tc>
-                  <a:txBody>
-                    <a:bodyPr/>
-                    <a:lstStyle/>
-                    <a:p>
-                      <a:pPr algn="l" fontAlgn="b"/>
-                      <a:r>
-                        <a:rPr lang="en-GB" sz="1000" b="0" i="0" u="none" strike="noStrike" dirty="0">
-                          <a:solidFill>
-                            <a:srgbClr val="003031"/>
-                          </a:solidFill>
-                          <a:effectLst/>
-                          <a:latin typeface="Georgia Pro" panose="02040502050405020303" pitchFamily="18" charset="0"/>
-                        </a:rPr>
-                        <a:t>New Customers</a:t>
-                      </a:r>
-                    </a:p>
-                  </a:txBody>
-                  <a:tcPr marL="4427" marR="4427" marT="4427" marB="0" anchor="b">
-                    <a:lnL w="6350" cap="flat" cmpd="sng" algn="ctr">
-                      <a:solidFill>
-                        <a:srgbClr val="005758"/>
-                      </a:solidFill>
-                      <a:prstDash val="solid"/>
-                      <a:round/>
-                      <a:headEnd type="none" w="med" len="med"/>
-                      <a:tailEnd type="none" w="med" len="med"/>
-                    </a:lnL>
-                    <a:lnR w="6350" cap="flat" cmpd="sng" algn="ctr">
-                      <a:solidFill>
-                        <a:srgbClr val="005758"/>
-                      </a:solidFill>
-                      <a:prstDash val="solid"/>
-                      <a:round/>
-                      <a:headEnd type="none" w="med" len="med"/>
-                      <a:tailEnd type="none" w="med" len="med"/>
-                    </a:lnR>
-                    <a:lnT w="6350" cap="flat" cmpd="sng" algn="ctr">
-                      <a:solidFill>
-                        <a:srgbClr val="005758"/>
-                      </a:solidFill>
-                      <a:prstDash val="solid"/>
-                      <a:round/>
-                      <a:headEnd type="none" w="med" len="med"/>
-                      <a:tailEnd type="none" w="med" len="med"/>
-                    </a:lnT>
-                    <a:lnB w="6350" cap="flat" cmpd="sng" algn="ctr">
-                      <a:solidFill>
-                        <a:srgbClr val="005758"/>
-                      </a:solidFill>
-                      <a:prstDash val="solid"/>
-                      <a:round/>
-                      <a:headEnd type="none" w="med" len="med"/>
-                      <a:tailEnd type="none" w="med" len="med"/>
-                    </a:lnB>
-                    <a:noFill/>
-                  </a:tcPr>
-                </a:tc>
-                <a:tc>
-                  <a:txBody>
-                    <a:bodyPr/>
-                    <a:lstStyle/>
-                    <a:p>
-                      <a:pPr algn="l" fontAlgn="b"/>
-                      <a:r>
-                        <a:rPr lang="en-GB" sz="1000" b="0" i="0" u="none" strike="noStrike">
-                          <a:solidFill>
-                            <a:srgbClr val="003031"/>
-                          </a:solidFill>
-                          <a:effectLst/>
-                          <a:latin typeface="Georgia Pro" panose="02040502050405020303" pitchFamily="18" charset="0"/>
-                        </a:rPr>
-                        <a:t>New Customers</a:t>
-                      </a:r>
-                    </a:p>
-                  </a:txBody>
-                  <a:tcPr marL="4427" marR="4427" marT="4427" marB="0" anchor="b">
-                    <a:lnL w="6350" cap="flat" cmpd="sng" algn="ctr">
-                      <a:solidFill>
-                        <a:srgbClr val="005758"/>
-                      </a:solidFill>
-                      <a:prstDash val="solid"/>
-                      <a:round/>
-                      <a:headEnd type="none" w="med" len="med"/>
-                      <a:tailEnd type="none" w="med" len="med"/>
-                    </a:lnL>
-                    <a:lnR w="6350" cap="flat" cmpd="sng" algn="ctr">
-                      <a:solidFill>
-                        <a:srgbClr val="005758"/>
-                      </a:solidFill>
-                      <a:prstDash val="solid"/>
-                      <a:round/>
-                      <a:headEnd type="none" w="med" len="med"/>
-                      <a:tailEnd type="none" w="med" len="med"/>
-                    </a:lnR>
-                    <a:lnT w="6350" cap="flat" cmpd="sng" algn="ctr">
-                      <a:solidFill>
-                        <a:srgbClr val="005758"/>
-                      </a:solidFill>
-                      <a:prstDash val="solid"/>
-                      <a:round/>
-                      <a:headEnd type="none" w="med" len="med"/>
-                      <a:tailEnd type="none" w="med" len="med"/>
-                    </a:lnT>
-                    <a:lnB w="6350" cap="flat" cmpd="sng" algn="ctr">
-                      <a:solidFill>
-                        <a:srgbClr val="005758"/>
-                      </a:solidFill>
-                      <a:prstDash val="solid"/>
-                      <a:round/>
-                      <a:headEnd type="none" w="med" len="med"/>
-                      <a:tailEnd type="none" w="med" len="med"/>
-                    </a:lnB>
-                  </a:tcPr>
-                </a:tc>
-                <a:tc>
-                  <a:txBody>
-                    <a:bodyPr/>
-                    <a:lstStyle/>
-                    <a:p>
-                      <a:pPr algn="l" fontAlgn="b"/>
-                      <a:r>
-                        <a:rPr lang="en-GB" sz="1000" b="0" i="0" u="none" strike="noStrike">
-                          <a:solidFill>
-                            <a:srgbClr val="003031"/>
-                          </a:solidFill>
-                          <a:effectLst/>
-                          <a:latin typeface="Georgia Pro" panose="02040502050405020303" pitchFamily="18" charset="0"/>
-                        </a:rPr>
-                        <a:t>All</a:t>
-                      </a:r>
-                    </a:p>
-                  </a:txBody>
-                  <a:tcPr marL="4427" marR="4427" marT="4427" marB="0" anchor="b">
-                    <a:lnL w="6350" cap="flat" cmpd="sng" algn="ctr">
-                      <a:solidFill>
-                        <a:srgbClr val="005758"/>
-                      </a:solidFill>
-                      <a:prstDash val="solid"/>
-                      <a:round/>
-                      <a:headEnd type="none" w="med" len="med"/>
-                      <a:tailEnd type="none" w="med" len="med"/>
-                    </a:lnL>
-                    <a:lnR w="6350" cap="flat" cmpd="sng" algn="ctr">
-                      <a:solidFill>
-                        <a:srgbClr val="005758"/>
-                      </a:solidFill>
-                      <a:prstDash val="solid"/>
-                      <a:round/>
-                      <a:headEnd type="none" w="med" len="med"/>
-                      <a:tailEnd type="none" w="med" len="med"/>
-                    </a:lnR>
-                    <a:lnT w="6350" cap="flat" cmpd="sng" algn="ctr">
-                      <a:solidFill>
-                        <a:srgbClr val="005758"/>
-                      </a:solidFill>
-                      <a:prstDash val="solid"/>
-                      <a:round/>
-                      <a:headEnd type="none" w="med" len="med"/>
-                      <a:tailEnd type="none" w="med" len="med"/>
-                    </a:lnT>
-                    <a:lnB w="6350" cap="flat" cmpd="sng" algn="ctr">
-                      <a:solidFill>
-                        <a:srgbClr val="005758"/>
-                      </a:solidFill>
-                      <a:prstDash val="solid"/>
-                      <a:round/>
-                      <a:headEnd type="none" w="med" len="med"/>
-                      <a:tailEnd type="none" w="med" len="med"/>
-                    </a:lnB>
-                  </a:tcPr>
-                </a:tc>
-                <a:tc>
-                  <a:txBody>
-                    <a:bodyPr/>
-                    <a:lstStyle/>
-                    <a:p>
-                      <a:pPr algn="l" fontAlgn="b"/>
-                      <a:r>
-                        <a:rPr lang="en-GB" sz="1000" b="0" i="0" u="none" strike="noStrike">
-                          <a:solidFill>
-                            <a:srgbClr val="003031"/>
-                          </a:solidFill>
-                          <a:effectLst/>
-                          <a:latin typeface="Georgia Pro" panose="02040502050405020303" pitchFamily="18" charset="0"/>
-                        </a:rPr>
-                        <a:t>____</a:t>
-                      </a:r>
-                    </a:p>
-                  </a:txBody>
-                  <a:tcPr marL="4427" marR="4427" marT="4427" marB="0" anchor="b">
-                    <a:lnL w="6350" cap="flat" cmpd="sng" algn="ctr">
-                      <a:solidFill>
-                        <a:srgbClr val="005758"/>
-                      </a:solidFill>
-                      <a:prstDash val="solid"/>
-                      <a:round/>
-                      <a:headEnd type="none" w="med" len="med"/>
-                      <a:tailEnd type="none" w="med" len="med"/>
-                    </a:lnL>
-                    <a:lnR w="6350" cap="flat" cmpd="sng" algn="ctr">
-                      <a:solidFill>
-                        <a:srgbClr val="005758"/>
-                      </a:solidFill>
-                      <a:prstDash val="solid"/>
-                      <a:round/>
-                      <a:headEnd type="none" w="med" len="med"/>
-                      <a:tailEnd type="none" w="med" len="med"/>
-                    </a:lnR>
-                    <a:lnT w="6350" cap="flat" cmpd="sng" algn="ctr">
-                      <a:solidFill>
-                        <a:srgbClr val="005758"/>
-                      </a:solidFill>
-                      <a:prstDash val="solid"/>
-                      <a:round/>
-                      <a:headEnd type="none" w="med" len="med"/>
-                      <a:tailEnd type="none" w="med" len="med"/>
-                    </a:lnT>
-                    <a:lnB w="6350" cap="flat" cmpd="sng" algn="ctr">
-                      <a:solidFill>
-                        <a:srgbClr val="005758"/>
-                      </a:solidFill>
-                      <a:prstDash val="solid"/>
-                      <a:round/>
-                      <a:headEnd type="none" w="med" len="med"/>
-                      <a:tailEnd type="none" w="med" len="med"/>
-                    </a:lnB>
-                  </a:tcPr>
-                </a:tc>
-                <a:tc>
-                  <a:txBody>
-                    <a:bodyPr/>
-                    <a:lstStyle/>
-                    <a:p>
-                      <a:pPr algn="l" fontAlgn="b"/>
-                      <a:r>
-                        <a:rPr lang="en-GB" sz="1000" b="0" i="0" u="none" strike="noStrike" dirty="0">
-                          <a:solidFill>
-                            <a:srgbClr val="003031"/>
-                          </a:solidFill>
-                          <a:effectLst/>
-                          <a:latin typeface="Georgia Pro" panose="02040502050405020303" pitchFamily="18" charset="0"/>
-                        </a:rPr>
-                        <a:t>____</a:t>
-                      </a:r>
-                    </a:p>
-                  </a:txBody>
-                  <a:tcPr marL="4427" marR="4427" marT="4427" marB="0" anchor="b">
-                    <a:lnL w="6350" cap="flat" cmpd="sng" algn="ctr">
-                      <a:solidFill>
-                        <a:srgbClr val="005758"/>
-                      </a:solidFill>
-                      <a:prstDash val="solid"/>
-                      <a:round/>
-                      <a:headEnd type="none" w="med" len="med"/>
-                      <a:tailEnd type="none" w="med" len="med"/>
-                    </a:lnL>
-                    <a:lnR w="6350" cap="flat" cmpd="sng" algn="ctr">
-                      <a:solidFill>
-                        <a:srgbClr val="005758"/>
-                      </a:solidFill>
-                      <a:prstDash val="solid"/>
-                      <a:round/>
-                      <a:headEnd type="none" w="med" len="med"/>
-                      <a:tailEnd type="none" w="med" len="med"/>
-                    </a:lnR>
-                    <a:lnT w="6350" cap="flat" cmpd="sng" algn="ctr">
-                      <a:solidFill>
-                        <a:srgbClr val="005758"/>
-                      </a:solidFill>
-                      <a:prstDash val="solid"/>
-                      <a:round/>
-                      <a:headEnd type="none" w="med" len="med"/>
-                      <a:tailEnd type="none" w="med" len="med"/>
-                    </a:lnT>
-                    <a:lnB w="6350" cap="flat" cmpd="sng" algn="ctr">
-                      <a:solidFill>
-                        <a:srgbClr val="005758"/>
-                      </a:solidFill>
-                      <a:prstDash val="solid"/>
-                      <a:round/>
-                      <a:headEnd type="none" w="med" len="med"/>
-                      <a:tailEnd type="none" w="med" len="med"/>
-                    </a:lnB>
-                  </a:tcPr>
-                </a:tc>
-                <a:extLst>
-                  <a:ext uri="{0D108BD9-81ED-4DB2-BD59-A6C34878D82A}">
-                    <a16:rowId xmlns:a16="http://schemas.microsoft.com/office/drawing/2014/main" val="369646681"/>
-                  </a:ext>
-                </a:extLst>
-              </a:tr>
-            </a:tbl>
-          </a:graphicData>
-        </a:graphic>
-      </p:graphicFrame>
+          <p:cNvSpPr txBox="1"/>
+          <p:nvPr/>
+        </p:nvSpPr>
+        <p:spPr>
+          <a:xfrm>
+            <a:off x="507275" y="1548442"/>
+            <a:ext cx="3228701" cy="2508379"/>
+          </a:xfrm>
+          <a:prstGeom prst="rect">
+            <a:avLst/>
+          </a:prstGeom>
+        </p:spPr>
+        <p:style>
+          <a:lnRef idx="2">
+            <a:schemeClr val="dk1"/>
+          </a:lnRef>
+          <a:fillRef idx="1">
+            <a:schemeClr val="lt1"/>
+          </a:fillRef>
+          <a:effectRef idx="0">
+            <a:schemeClr val="dk1"/>
+          </a:effectRef>
+          <a:fontRef idx="minor">
+            <a:schemeClr val="dk1"/>
+          </a:fontRef>
+        </p:style>
+        <p:txBody>
+          <a:bodyPr wrap="square" lIns="91440" tIns="45720" rIns="91440" bIns="45720" anchor="t">
+            <a:spAutoFit/>
+          </a:bodyPr>
+          <a:lstStyle/>
+          <a:p>
+            <a:r>
+              <a:rPr lang="en-GB" sz="1400" b="1" dirty="0">
+                <a:solidFill>
+                  <a:schemeClr val="bg1"/>
+                </a:solidFill>
+              </a:rPr>
+              <a:t>Leading with Linux:</a:t>
+            </a:r>
+            <a:endParaRPr lang="en-GB" sz="1400" b="1" dirty="0">
+              <a:solidFill>
+                <a:schemeClr val="bg1"/>
+              </a:solidFill>
+              <a:cs typeface="Arial"/>
+            </a:endParaRPr>
+          </a:p>
+          <a:p>
+            <a:r>
+              <a:rPr lang="en-GB" sz="1100" u="sng" dirty="0">
+                <a:solidFill>
+                  <a:schemeClr val="bg1"/>
+                </a:solidFill>
+              </a:rPr>
+              <a:t>End Date: </a:t>
+            </a:r>
+            <a:endParaRPr lang="en-GB" sz="1100" u="sng" dirty="0">
+              <a:solidFill>
+                <a:schemeClr val="bg1"/>
+              </a:solidFill>
+              <a:cs typeface="Arial"/>
+            </a:endParaRPr>
+          </a:p>
+          <a:p>
+            <a:r>
+              <a:rPr lang="en-GB" sz="1100" dirty="0">
+                <a:solidFill>
+                  <a:schemeClr val="bg1"/>
+                </a:solidFill>
+              </a:rPr>
+              <a:t>None</a:t>
+            </a:r>
+            <a:endParaRPr lang="en-GB" sz="1100" dirty="0">
+              <a:solidFill>
+                <a:schemeClr val="bg1"/>
+              </a:solidFill>
+              <a:cs typeface="Arial"/>
+            </a:endParaRPr>
+          </a:p>
+          <a:p>
+            <a:endParaRPr lang="en-GB" sz="1100" u="sng" dirty="0">
+              <a:solidFill>
+                <a:schemeClr val="bg1"/>
+              </a:solidFill>
+              <a:cs typeface="Arial"/>
+            </a:endParaRPr>
+          </a:p>
+          <a:p>
+            <a:r>
+              <a:rPr lang="en-GB" sz="1100" u="sng" dirty="0">
+                <a:solidFill>
+                  <a:schemeClr val="bg1"/>
+                </a:solidFill>
+              </a:rPr>
+              <a:t>Discount / Benefit: </a:t>
+            </a:r>
+            <a:endParaRPr lang="en-GB" sz="1100" u="sng" dirty="0">
+              <a:solidFill>
+                <a:schemeClr val="bg1"/>
+              </a:solidFill>
+              <a:cs typeface="Arial"/>
+            </a:endParaRPr>
+          </a:p>
+          <a:p>
+            <a:r>
+              <a:rPr lang="en-GB" sz="1100" dirty="0">
+                <a:solidFill>
+                  <a:schemeClr val="bg1"/>
+                </a:solidFill>
+              </a:rPr>
+              <a:t>10% extra ORP on RHEL deals over 25k</a:t>
+            </a:r>
+            <a:endParaRPr lang="en-GB" sz="1100" dirty="0">
+              <a:solidFill>
+                <a:schemeClr val="bg1"/>
+              </a:solidFill>
+              <a:cs typeface="Arial"/>
+            </a:endParaRPr>
+          </a:p>
+          <a:p>
+            <a:endParaRPr lang="en-GB" sz="1100" dirty="0">
+              <a:solidFill>
+                <a:schemeClr val="bg1"/>
+              </a:solidFill>
+              <a:cs typeface="Arial"/>
+            </a:endParaRPr>
+          </a:p>
+          <a:p>
+            <a:r>
+              <a:rPr lang="en-GB" sz="1100" u="sng" dirty="0">
+                <a:solidFill>
+                  <a:schemeClr val="bg1"/>
+                </a:solidFill>
+              </a:rPr>
+              <a:t>Participation Requirements:</a:t>
+            </a:r>
+            <a:endParaRPr lang="en-GB" sz="1100" u="sng" dirty="0">
+              <a:solidFill>
+                <a:schemeClr val="bg1"/>
+              </a:solidFill>
+              <a:cs typeface="Arial"/>
+            </a:endParaRPr>
+          </a:p>
+          <a:p>
+            <a:r>
+              <a:rPr lang="en-GB" sz="1100" dirty="0">
+                <a:solidFill>
+                  <a:schemeClr val="bg1"/>
+                </a:solidFill>
+              </a:rPr>
+              <a:t>Advanced / Premier Partner</a:t>
+            </a:r>
+            <a:endParaRPr lang="en-GB" sz="1100" dirty="0">
+              <a:solidFill>
+                <a:schemeClr val="bg1"/>
+              </a:solidFill>
+              <a:cs typeface="Arial"/>
+            </a:endParaRPr>
+          </a:p>
+          <a:p>
+            <a:r>
+              <a:rPr lang="en-GB" sz="1100" dirty="0">
+                <a:solidFill>
+                  <a:schemeClr val="bg1"/>
+                </a:solidFill>
+              </a:rPr>
+              <a:t>2x sales &amp; 2x technical credentials</a:t>
+            </a:r>
+            <a:endParaRPr lang="en-GB" sz="1100" dirty="0">
+              <a:solidFill>
+                <a:schemeClr val="bg1"/>
+              </a:solidFill>
+              <a:cs typeface="Arial"/>
+            </a:endParaRPr>
+          </a:p>
+          <a:p>
+            <a:r>
+              <a:rPr lang="en-GB" sz="1100" dirty="0">
+                <a:solidFill>
+                  <a:schemeClr val="bg1"/>
+                </a:solidFill>
+              </a:rPr>
+              <a:t>Apply for LWL program</a:t>
+            </a:r>
+            <a:endParaRPr lang="en-GB" sz="1100" dirty="0">
+              <a:solidFill>
+                <a:schemeClr val="bg1"/>
+              </a:solidFill>
+              <a:cs typeface="Arial"/>
+            </a:endParaRPr>
+          </a:p>
+          <a:p>
+            <a:endParaRPr lang="en-GB" sz="1100" dirty="0">
+              <a:solidFill>
+                <a:schemeClr val="bg1"/>
+              </a:solidFill>
+              <a:cs typeface="Arial"/>
+            </a:endParaRPr>
+          </a:p>
+          <a:p>
+            <a:r>
+              <a:rPr lang="en-GB" sz="1100" u="sng" dirty="0">
+                <a:solidFill>
+                  <a:schemeClr val="bg1"/>
+                </a:solidFill>
+              </a:rPr>
+              <a:t>Notes:</a:t>
+            </a:r>
+            <a:endParaRPr lang="en-GB" sz="1100" u="sng" dirty="0">
+              <a:solidFill>
+                <a:schemeClr val="bg1"/>
+              </a:solidFill>
+              <a:cs typeface="Arial"/>
+            </a:endParaRPr>
+          </a:p>
+          <a:p>
+            <a:r>
+              <a:rPr lang="en-GB" sz="1100" dirty="0">
+                <a:solidFill>
+                  <a:schemeClr val="bg1"/>
+                </a:solidFill>
+              </a:rPr>
+              <a:t>New business only</a:t>
+            </a:r>
+            <a:endParaRPr lang="en-GB" sz="1100" dirty="0">
+              <a:solidFill>
+                <a:schemeClr val="bg1"/>
+              </a:solidFill>
+              <a:cs typeface="Arial"/>
+            </a:endParaRPr>
+          </a:p>
+        </p:txBody>
+      </p:sp>
+      <p:sp>
+        <p:nvSpPr>
+          <p:cNvPr id="8" name="TextBox 7">
+            <a:extLst>
+              <a:ext uri="{FF2B5EF4-FFF2-40B4-BE49-F238E27FC236}">
+                <a16:creationId xmlns:a16="http://schemas.microsoft.com/office/drawing/2014/main" id="{BF403B05-5D10-B45E-E8D4-87B7A2780420}"/>
+              </a:ext>
+            </a:extLst>
+          </p:cNvPr>
+          <p:cNvSpPr txBox="1"/>
+          <p:nvPr/>
+        </p:nvSpPr>
+        <p:spPr>
+          <a:xfrm>
+            <a:off x="3910144" y="1548441"/>
+            <a:ext cx="3228701" cy="2339102"/>
+          </a:xfrm>
+          <a:prstGeom prst="rect">
+            <a:avLst/>
+          </a:prstGeom>
+        </p:spPr>
+        <p:style>
+          <a:lnRef idx="2">
+            <a:schemeClr val="dk1"/>
+          </a:lnRef>
+          <a:fillRef idx="1">
+            <a:schemeClr val="lt1"/>
+          </a:fillRef>
+          <a:effectRef idx="0">
+            <a:schemeClr val="dk1"/>
+          </a:effectRef>
+          <a:fontRef idx="minor">
+            <a:schemeClr val="dk1"/>
+          </a:fontRef>
+        </p:style>
+        <p:txBody>
+          <a:bodyPr wrap="square" lIns="91440" tIns="45720" rIns="91440" bIns="45720" anchor="t">
+            <a:spAutoFit/>
+          </a:bodyPr>
+          <a:lstStyle/>
+          <a:p>
+            <a:pPr marL="0" marR="0" lvl="0" indent="0" algn="l" defTabSz="914400" rtl="0" eaLnBrk="1" fontAlgn="auto" latinLnBrk="0" hangingPunct="1">
+              <a:lnSpc>
+                <a:spcPct val="100000"/>
+              </a:lnSpc>
+              <a:spcBef>
+                <a:spcPts val="0"/>
+              </a:spcBef>
+              <a:spcAft>
+                <a:spcPts val="0"/>
+              </a:spcAft>
+              <a:buClrTx/>
+              <a:buSzTx/>
+              <a:buFontTx/>
+              <a:buNone/>
+              <a:tabLst/>
+              <a:defRPr/>
+            </a:pPr>
+            <a:r>
+              <a:rPr kumimoji="0" lang="en-GB" sz="1400" b="1" i="0" u="none" strike="noStrike" kern="1200" cap="none" spc="0" normalizeH="0" baseline="0" dirty="0" err="1">
+                <a:ln>
+                  <a:noFill/>
+                </a:ln>
+                <a:solidFill>
+                  <a:srgbClr val="005758"/>
+                </a:solidFill>
+                <a:effectLst/>
+                <a:uLnTx/>
+                <a:uFillTx/>
+                <a:latin typeface="+mn-lt"/>
+                <a:ea typeface="+mn-ea"/>
+                <a:cs typeface="+mn-cs"/>
+              </a:rPr>
+              <a:t>RHELvolutionise</a:t>
+            </a:r>
+            <a:r>
+              <a:rPr kumimoji="0" lang="en-GB" sz="1400" b="1" i="0" u="none" strike="noStrike" kern="1200" cap="none" spc="0" normalizeH="0" baseline="0" dirty="0">
+                <a:ln>
+                  <a:noFill/>
+                </a:ln>
+                <a:solidFill>
+                  <a:srgbClr val="005758"/>
+                </a:solidFill>
+                <a:effectLst/>
+                <a:uLnTx/>
+                <a:uFillTx/>
+                <a:latin typeface="+mn-lt"/>
+                <a:ea typeface="+mn-ea"/>
+                <a:cs typeface="+mn-cs"/>
+              </a:rPr>
+              <a:t>:</a:t>
+            </a:r>
+            <a:endParaRPr lang="en-GB" sz="1400" b="1" i="0" u="none" strike="noStrike" kern="1200" cap="none" spc="0" normalizeH="0" baseline="0" dirty="0">
+              <a:ln>
+                <a:noFill/>
+              </a:ln>
+              <a:solidFill>
+                <a:srgbClr val="005758"/>
+              </a:solidFill>
+              <a:effectLst/>
+              <a:uLnTx/>
+              <a:uFillTx/>
+              <a:latin typeface="+mn-lt"/>
+              <a:cs typeface="Arial"/>
+            </a:endParaRPr>
+          </a:p>
+          <a:p>
+            <a:pPr>
+              <a:defRPr/>
+            </a:pPr>
+            <a:r>
+              <a:rPr kumimoji="0" lang="en-GB" sz="1100" b="0" i="0" u="sng" strike="noStrike" kern="1200" cap="none" spc="0" normalizeH="0" baseline="0" noProof="0" dirty="0">
+                <a:ln>
+                  <a:noFill/>
+                </a:ln>
+                <a:solidFill>
+                  <a:srgbClr val="005758"/>
+                </a:solidFill>
+                <a:effectLst/>
+                <a:uLnTx/>
+                <a:uFillTx/>
+                <a:latin typeface="+mn-lt"/>
+                <a:ea typeface="+mn-ea"/>
+                <a:cs typeface="+mn-cs"/>
+              </a:rPr>
+              <a:t>End Date:</a:t>
+            </a:r>
+            <a:r>
+              <a:rPr lang="en-GB" sz="1100" u="sng" dirty="0">
+                <a:solidFill>
+                  <a:srgbClr val="005758"/>
+                </a:solidFill>
+              </a:rPr>
+              <a:t> </a:t>
+            </a:r>
+            <a:endParaRPr lang="en-GB" sz="1100" b="0" i="0" u="sng" strike="noStrike" kern="1200" cap="none" spc="0" normalizeH="0" baseline="0" noProof="0" dirty="0">
+              <a:ln>
+                <a:noFill/>
+              </a:ln>
+              <a:solidFill>
+                <a:srgbClr val="005758"/>
+              </a:solidFill>
+              <a:effectLst/>
+              <a:uLnTx/>
+              <a:uFillTx/>
+              <a:latin typeface="+mn-lt"/>
+              <a:cs typeface="Arial"/>
+            </a:endParaRPr>
+          </a:p>
+          <a:p>
+            <a:pPr>
+              <a:defRPr/>
+            </a:pPr>
+            <a:r>
+              <a:rPr lang="en-GB" sz="1100" dirty="0">
+                <a:solidFill>
+                  <a:srgbClr val="005758"/>
+                </a:solidFill>
+              </a:rPr>
+              <a:t>Ask Red Hat to confirm Availability in Q1</a:t>
+            </a:r>
+            <a:endParaRPr lang="en-GB" sz="1100" b="0" i="0" u="none" strike="noStrike" kern="1200" cap="none" spc="0" normalizeH="0" baseline="0" noProof="0" dirty="0">
+              <a:ln>
+                <a:noFill/>
+              </a:ln>
+              <a:solidFill>
+                <a:srgbClr val="005758"/>
+              </a:solidFill>
+              <a:effectLst/>
+              <a:uLnTx/>
+              <a:uFillTx/>
+              <a:latin typeface="+mn-lt"/>
+              <a:cs typeface="Arial"/>
+            </a:endParaRPr>
+          </a:p>
+          <a:p>
+            <a:pPr marL="0" marR="0" lvl="0" indent="0" algn="l" defTabSz="914400" rtl="0" eaLnBrk="1" fontAlgn="auto" latinLnBrk="0" hangingPunct="1">
+              <a:lnSpc>
+                <a:spcPct val="100000"/>
+              </a:lnSpc>
+              <a:spcBef>
+                <a:spcPts val="0"/>
+              </a:spcBef>
+              <a:spcAft>
+                <a:spcPts val="0"/>
+              </a:spcAft>
+              <a:buClrTx/>
+              <a:buSzTx/>
+              <a:buFontTx/>
+              <a:buNone/>
+              <a:tabLst/>
+              <a:defRPr/>
+            </a:pPr>
+            <a:endParaRPr lang="en-GB" sz="1100" b="0" i="0" u="sng" strike="noStrike" kern="1200" cap="none" spc="0" normalizeH="0" baseline="0" noProof="0" dirty="0">
+              <a:ln>
+                <a:noFill/>
+              </a:ln>
+              <a:solidFill>
+                <a:srgbClr val="005758"/>
+              </a:solidFill>
+              <a:effectLst/>
+              <a:uLnTx/>
+              <a:uFillTx/>
+              <a:latin typeface="+mn-lt"/>
+              <a:cs typeface="Arial"/>
+            </a:endParaRPr>
+          </a:p>
+          <a:p>
+            <a:pPr>
+              <a:defRPr/>
+            </a:pPr>
+            <a:r>
+              <a:rPr kumimoji="0" lang="en-GB" sz="1100" b="0" i="0" u="sng" strike="noStrike" kern="1200" cap="none" spc="0" normalizeH="0" baseline="0" noProof="0" dirty="0">
+                <a:ln>
+                  <a:noFill/>
+                </a:ln>
+                <a:solidFill>
+                  <a:srgbClr val="005758"/>
+                </a:solidFill>
+                <a:effectLst/>
+                <a:uLnTx/>
+                <a:uFillTx/>
+                <a:latin typeface="+mn-lt"/>
+                <a:ea typeface="+mn-ea"/>
+                <a:cs typeface="+mn-cs"/>
+              </a:rPr>
+              <a:t>Discount / Benefit:</a:t>
+            </a:r>
+            <a:r>
+              <a:rPr lang="en-GB" sz="1100" u="sng" dirty="0">
+                <a:solidFill>
+                  <a:srgbClr val="005758"/>
+                </a:solidFill>
+              </a:rPr>
+              <a:t> </a:t>
+            </a:r>
+            <a:endParaRPr lang="en-GB" sz="1100" b="0" i="0" u="sng" strike="noStrike" kern="1200" cap="none" spc="0" normalizeH="0" baseline="0" noProof="0" dirty="0">
+              <a:ln>
+                <a:noFill/>
+              </a:ln>
+              <a:solidFill>
+                <a:srgbClr val="005758"/>
+              </a:solidFill>
+              <a:effectLst/>
+              <a:uLnTx/>
+              <a:uFillTx/>
+              <a:latin typeface="+mn-lt"/>
+              <a:cs typeface="Arial"/>
+            </a:endParaRPr>
+          </a:p>
+          <a:p>
+            <a:pPr marL="0" marR="0" lvl="0" indent="0" algn="l" defTabSz="914400" rtl="0" eaLnBrk="1" fontAlgn="auto" latinLnBrk="0" hangingPunct="1">
+              <a:lnSpc>
+                <a:spcPct val="100000"/>
+              </a:lnSpc>
+              <a:spcBef>
+                <a:spcPts val="0"/>
+              </a:spcBef>
+              <a:spcAft>
+                <a:spcPts val="0"/>
+              </a:spcAft>
+              <a:buClrTx/>
+              <a:buSzTx/>
+              <a:buFontTx/>
+              <a:buNone/>
+              <a:tabLst/>
+              <a:defRPr/>
+            </a:pPr>
+            <a:r>
+              <a:rPr kumimoji="0" lang="en-GB" sz="1100" b="0" i="0" u="none" strike="noStrike" kern="1200" cap="none" spc="0" normalizeH="0" baseline="0" noProof="0" dirty="0">
+                <a:ln>
+                  <a:noFill/>
+                </a:ln>
+                <a:solidFill>
+                  <a:srgbClr val="005758"/>
+                </a:solidFill>
+                <a:effectLst/>
+                <a:uLnTx/>
+                <a:uFillTx/>
+                <a:latin typeface="+mn-lt"/>
+                <a:ea typeface="+mn-ea"/>
+                <a:cs typeface="+mn-cs"/>
+              </a:rPr>
+              <a:t>33% discount</a:t>
+            </a:r>
+            <a:endParaRPr lang="en-GB" sz="1100" b="0" i="0" u="none" strike="noStrike" kern="1200" cap="none" spc="0" normalizeH="0" baseline="0" noProof="0" dirty="0">
+              <a:ln>
+                <a:noFill/>
+              </a:ln>
+              <a:solidFill>
+                <a:srgbClr val="005758"/>
+              </a:solidFill>
+              <a:effectLst/>
+              <a:uLnTx/>
+              <a:uFillTx/>
+              <a:latin typeface="+mn-lt"/>
+              <a:cs typeface="Arial"/>
+            </a:endParaRPr>
+          </a:p>
+          <a:p>
+            <a:pPr marL="0" marR="0" lvl="0" indent="0" algn="l" defTabSz="914400" rtl="0" eaLnBrk="1" fontAlgn="auto" latinLnBrk="0" hangingPunct="1">
+              <a:lnSpc>
+                <a:spcPct val="100000"/>
+              </a:lnSpc>
+              <a:spcBef>
+                <a:spcPts val="0"/>
+              </a:spcBef>
+              <a:spcAft>
+                <a:spcPts val="0"/>
+              </a:spcAft>
+              <a:buClrTx/>
+              <a:buSzTx/>
+              <a:buFontTx/>
+              <a:buNone/>
+              <a:tabLst/>
+              <a:defRPr/>
+            </a:pPr>
+            <a:endParaRPr lang="en-GB" sz="1100" b="0" i="0" u="none" strike="noStrike" kern="1200" cap="none" spc="0" normalizeH="0" baseline="0" noProof="0" dirty="0">
+              <a:ln>
+                <a:noFill/>
+              </a:ln>
+              <a:solidFill>
+                <a:srgbClr val="005758"/>
+              </a:solidFill>
+              <a:effectLst/>
+              <a:uLnTx/>
+              <a:uFillTx/>
+              <a:latin typeface="+mn-lt"/>
+              <a:cs typeface="Arial"/>
+            </a:endParaRPr>
+          </a:p>
+          <a:p>
+            <a:pPr marL="0" marR="0" lvl="0" indent="0" algn="l" defTabSz="914400" rtl="0" eaLnBrk="1" fontAlgn="auto" latinLnBrk="0" hangingPunct="1">
+              <a:lnSpc>
+                <a:spcPct val="100000"/>
+              </a:lnSpc>
+              <a:spcBef>
+                <a:spcPts val="0"/>
+              </a:spcBef>
+              <a:spcAft>
+                <a:spcPts val="0"/>
+              </a:spcAft>
+              <a:buClrTx/>
+              <a:buSzTx/>
+              <a:buFontTx/>
+              <a:buNone/>
+              <a:tabLst/>
+              <a:defRPr/>
+            </a:pPr>
+            <a:r>
+              <a:rPr kumimoji="0" lang="en-GB" sz="1100" b="0" i="0" u="sng" strike="noStrike" kern="1200" cap="none" spc="0" normalizeH="0" baseline="0" noProof="0" dirty="0">
+                <a:ln>
+                  <a:noFill/>
+                </a:ln>
+                <a:solidFill>
+                  <a:srgbClr val="005758"/>
+                </a:solidFill>
+                <a:effectLst/>
+                <a:uLnTx/>
+                <a:uFillTx/>
+                <a:latin typeface="+mn-lt"/>
+                <a:ea typeface="+mn-ea"/>
+                <a:cs typeface="+mn-cs"/>
+              </a:rPr>
+              <a:t>Participation Requirements:</a:t>
+            </a:r>
+            <a:endParaRPr lang="en-GB" sz="1100" b="0" i="0" u="sng" strike="noStrike" kern="1200" cap="none" spc="0" normalizeH="0" baseline="0" noProof="0" dirty="0">
+              <a:ln>
+                <a:noFill/>
+              </a:ln>
+              <a:solidFill>
+                <a:srgbClr val="005758"/>
+              </a:solidFill>
+              <a:effectLst/>
+              <a:uLnTx/>
+              <a:uFillTx/>
+              <a:latin typeface="+mn-lt"/>
+              <a:cs typeface="Arial"/>
+            </a:endParaRPr>
+          </a:p>
+          <a:p>
+            <a:pPr marL="0" marR="0" lvl="0" indent="0" algn="l" defTabSz="914400" rtl="0" eaLnBrk="1" fontAlgn="auto" latinLnBrk="0" hangingPunct="1">
+              <a:lnSpc>
+                <a:spcPct val="100000"/>
+              </a:lnSpc>
+              <a:spcBef>
+                <a:spcPts val="0"/>
+              </a:spcBef>
+              <a:spcAft>
+                <a:spcPts val="0"/>
+              </a:spcAft>
+              <a:buClrTx/>
+              <a:buSzTx/>
+              <a:buFontTx/>
+              <a:buNone/>
+              <a:tabLst/>
+              <a:defRPr/>
+            </a:pPr>
+            <a:r>
+              <a:rPr kumimoji="0" lang="en-GB" sz="1100" b="0" i="0" u="none" strike="noStrike" kern="1200" cap="none" spc="0" normalizeH="0" baseline="0" noProof="0" dirty="0">
+                <a:ln>
+                  <a:noFill/>
+                </a:ln>
+                <a:solidFill>
+                  <a:srgbClr val="005758"/>
+                </a:solidFill>
+                <a:effectLst/>
+                <a:uLnTx/>
+                <a:uFillTx/>
+                <a:latin typeface="+mn-lt"/>
+                <a:ea typeface="+mn-ea"/>
+                <a:cs typeface="+mn-cs"/>
+              </a:rPr>
+              <a:t>Can only be used once per end customer</a:t>
+            </a:r>
+            <a:endParaRPr lang="en-GB" sz="1100" b="0" i="0" u="none" strike="noStrike" kern="1200" cap="none" spc="0" normalizeH="0" baseline="0" noProof="0" dirty="0">
+              <a:ln>
+                <a:noFill/>
+              </a:ln>
+              <a:solidFill>
+                <a:srgbClr val="005758"/>
+              </a:solidFill>
+              <a:effectLst/>
+              <a:uLnTx/>
+              <a:uFillTx/>
+              <a:latin typeface="+mn-lt"/>
+              <a:cs typeface="Arial"/>
+            </a:endParaRPr>
+          </a:p>
+          <a:p>
+            <a:pPr marL="0" marR="0" lvl="0" indent="0" algn="l" defTabSz="914400" rtl="0" eaLnBrk="1" fontAlgn="auto" latinLnBrk="0" hangingPunct="1">
+              <a:lnSpc>
+                <a:spcPct val="100000"/>
+              </a:lnSpc>
+              <a:spcBef>
+                <a:spcPts val="0"/>
+              </a:spcBef>
+              <a:spcAft>
+                <a:spcPts val="0"/>
+              </a:spcAft>
+              <a:buClrTx/>
+              <a:buSzTx/>
+              <a:buFontTx/>
+              <a:buNone/>
+              <a:tabLst/>
+              <a:defRPr/>
+            </a:pPr>
+            <a:r>
+              <a:rPr lang="en-GB" sz="1100" dirty="0">
+                <a:solidFill>
+                  <a:srgbClr val="005758"/>
+                </a:solidFill>
+              </a:rPr>
+              <a:t>Requires quoting a special SKU</a:t>
+            </a:r>
+            <a:endParaRPr lang="en-GB" sz="1100" b="0" i="0" u="none" strike="noStrike" kern="1200" cap="none" spc="0" normalizeH="0" baseline="0" noProof="0" dirty="0">
+              <a:ln>
+                <a:noFill/>
+              </a:ln>
+              <a:solidFill>
+                <a:srgbClr val="005758"/>
+              </a:solidFill>
+              <a:effectLst/>
+              <a:uLnTx/>
+              <a:uFillTx/>
+              <a:latin typeface="+mn-lt"/>
+              <a:cs typeface="Arial"/>
+            </a:endParaRPr>
+          </a:p>
+          <a:p>
+            <a:pPr marL="0" marR="0" lvl="0" indent="0" algn="l" defTabSz="914400" rtl="0" eaLnBrk="1" fontAlgn="auto" latinLnBrk="0" hangingPunct="1">
+              <a:lnSpc>
+                <a:spcPct val="100000"/>
+              </a:lnSpc>
+              <a:spcBef>
+                <a:spcPts val="0"/>
+              </a:spcBef>
+              <a:spcAft>
+                <a:spcPts val="0"/>
+              </a:spcAft>
+              <a:buClrTx/>
+              <a:buSzTx/>
+              <a:buFontTx/>
+              <a:buNone/>
+              <a:tabLst/>
+              <a:defRPr/>
+            </a:pPr>
+            <a:endParaRPr lang="en-GB" sz="1100" b="0" i="0" u="none" strike="noStrike" kern="1200" cap="none" spc="0" normalizeH="0" baseline="0" noProof="0" dirty="0">
+              <a:ln>
+                <a:noFill/>
+              </a:ln>
+              <a:solidFill>
+                <a:srgbClr val="005758"/>
+              </a:solidFill>
+              <a:effectLst/>
+              <a:uLnTx/>
+              <a:uFillTx/>
+              <a:latin typeface="+mn-lt"/>
+              <a:cs typeface="Arial"/>
+            </a:endParaRPr>
+          </a:p>
+          <a:p>
+            <a:pPr marL="0" marR="0" lvl="0" indent="0" algn="l" defTabSz="914400" rtl="0" eaLnBrk="1" fontAlgn="auto" latinLnBrk="0" hangingPunct="1">
+              <a:lnSpc>
+                <a:spcPct val="100000"/>
+              </a:lnSpc>
+              <a:spcBef>
+                <a:spcPts val="0"/>
+              </a:spcBef>
+              <a:spcAft>
+                <a:spcPts val="0"/>
+              </a:spcAft>
+              <a:buClrTx/>
+              <a:buSzTx/>
+              <a:buFontTx/>
+              <a:buNone/>
+              <a:tabLst/>
+              <a:defRPr/>
+            </a:pPr>
+            <a:r>
+              <a:rPr kumimoji="0" lang="en-GB" sz="1100" b="0" i="0" u="sng" strike="noStrike" kern="1200" cap="none" spc="0" normalizeH="0" baseline="0" noProof="0" dirty="0">
+                <a:ln>
+                  <a:noFill/>
+                </a:ln>
+                <a:solidFill>
+                  <a:srgbClr val="005758"/>
+                </a:solidFill>
+                <a:effectLst/>
+                <a:uLnTx/>
+                <a:uFillTx/>
+                <a:latin typeface="+mn-lt"/>
+                <a:ea typeface="+mn-ea"/>
+                <a:cs typeface="+mn-cs"/>
+              </a:rPr>
+              <a:t>Notes:</a:t>
+            </a:r>
+            <a:endParaRPr lang="en-GB" sz="1100" b="0" i="0" u="sng" strike="noStrike" kern="1200" cap="none" spc="0" normalizeH="0" baseline="0" noProof="0" dirty="0">
+              <a:ln>
+                <a:noFill/>
+              </a:ln>
+              <a:solidFill>
+                <a:srgbClr val="005758"/>
+              </a:solidFill>
+              <a:effectLst/>
+              <a:uLnTx/>
+              <a:uFillTx/>
+              <a:latin typeface="+mn-lt"/>
+              <a:cs typeface="Arial"/>
+            </a:endParaRPr>
+          </a:p>
+          <a:p>
+            <a:pPr marL="0" marR="0" lvl="0" indent="0" algn="l" defTabSz="914400" rtl="0" eaLnBrk="1" fontAlgn="auto" latinLnBrk="0" hangingPunct="1">
+              <a:lnSpc>
+                <a:spcPct val="100000"/>
+              </a:lnSpc>
+              <a:spcBef>
+                <a:spcPts val="0"/>
+              </a:spcBef>
+              <a:spcAft>
+                <a:spcPts val="0"/>
+              </a:spcAft>
+              <a:buClrTx/>
+              <a:buSzTx/>
+              <a:buFontTx/>
+              <a:buNone/>
+              <a:tabLst/>
+              <a:defRPr/>
+            </a:pPr>
+            <a:endParaRPr lang="en-GB" sz="1100" b="0" i="0" u="sng" strike="noStrike" kern="1200" cap="none" spc="0" normalizeH="0" baseline="0" noProof="0" dirty="0">
+              <a:ln>
+                <a:noFill/>
+              </a:ln>
+              <a:solidFill>
+                <a:srgbClr val="005758"/>
+              </a:solidFill>
+              <a:effectLst/>
+              <a:uLnTx/>
+              <a:uFillTx/>
+              <a:latin typeface="+mn-lt"/>
+              <a:cs typeface="Arial"/>
+            </a:endParaRPr>
+          </a:p>
+        </p:txBody>
+      </p:sp>
+      <p:sp>
+        <p:nvSpPr>
+          <p:cNvPr id="9" name="TextBox 8">
+            <a:extLst>
+              <a:ext uri="{FF2B5EF4-FFF2-40B4-BE49-F238E27FC236}">
+                <a16:creationId xmlns:a16="http://schemas.microsoft.com/office/drawing/2014/main" id="{D7ED3FB0-E170-5FBE-CFDD-CFEC16CD07B9}"/>
+              </a:ext>
+            </a:extLst>
+          </p:cNvPr>
+          <p:cNvSpPr txBox="1"/>
+          <p:nvPr/>
+        </p:nvSpPr>
+        <p:spPr>
+          <a:xfrm>
+            <a:off x="3878060" y="4054708"/>
+            <a:ext cx="4434849" cy="2677656"/>
+          </a:xfrm>
+          <a:prstGeom prst="rect">
+            <a:avLst/>
+          </a:prstGeom>
+        </p:spPr>
+        <p:style>
+          <a:lnRef idx="2">
+            <a:schemeClr val="dk1"/>
+          </a:lnRef>
+          <a:fillRef idx="1">
+            <a:schemeClr val="lt1"/>
+          </a:fillRef>
+          <a:effectRef idx="0">
+            <a:schemeClr val="dk1"/>
+          </a:effectRef>
+          <a:fontRef idx="minor">
+            <a:schemeClr val="dk1"/>
+          </a:fontRef>
+        </p:style>
+        <p:txBody>
+          <a:bodyPr wrap="square" lIns="91440" tIns="45720" rIns="91440" bIns="45720" anchor="t">
+            <a:spAutoFit/>
+          </a:bodyPr>
+          <a:lstStyle/>
+          <a:p>
+            <a:r>
+              <a:rPr lang="en-GB" sz="1400" b="1" dirty="0">
+                <a:solidFill>
+                  <a:schemeClr val="bg1"/>
+                </a:solidFill>
+              </a:rPr>
+              <a:t>RHEL for Third Party Migrations:</a:t>
+            </a:r>
+            <a:endParaRPr lang="en-GB" sz="1400" b="1" dirty="0">
+              <a:solidFill>
+                <a:schemeClr val="bg1"/>
+              </a:solidFill>
+              <a:cs typeface="Arial"/>
+            </a:endParaRPr>
+          </a:p>
+          <a:p>
+            <a:r>
+              <a:rPr lang="en-GB" sz="1100" u="sng" dirty="0">
+                <a:solidFill>
+                  <a:schemeClr val="bg1"/>
+                </a:solidFill>
+              </a:rPr>
+              <a:t>End Date: </a:t>
+            </a:r>
+            <a:endParaRPr lang="en-GB" sz="1100" u="sng" dirty="0">
+              <a:solidFill>
+                <a:schemeClr val="bg1"/>
+              </a:solidFill>
+              <a:cs typeface="Arial"/>
+            </a:endParaRPr>
+          </a:p>
+          <a:p>
+            <a:r>
+              <a:rPr lang="en-GB" sz="1100" dirty="0">
+                <a:solidFill>
+                  <a:schemeClr val="bg1"/>
+                </a:solidFill>
+              </a:rPr>
+              <a:t>Not published</a:t>
+            </a:r>
+            <a:endParaRPr lang="en-GB" sz="1100" dirty="0">
+              <a:solidFill>
+                <a:schemeClr val="bg1"/>
+              </a:solidFill>
+              <a:cs typeface="Arial"/>
+            </a:endParaRPr>
+          </a:p>
+          <a:p>
+            <a:endParaRPr lang="en-GB" sz="1100" u="sng" dirty="0">
+              <a:solidFill>
+                <a:schemeClr val="bg1"/>
+              </a:solidFill>
+              <a:cs typeface="Arial"/>
+            </a:endParaRPr>
+          </a:p>
+          <a:p>
+            <a:r>
+              <a:rPr lang="en-GB" sz="1100" u="sng" dirty="0">
+                <a:solidFill>
+                  <a:schemeClr val="bg1"/>
+                </a:solidFill>
+              </a:rPr>
+              <a:t>Discount / Benefit: </a:t>
+            </a:r>
+            <a:endParaRPr lang="en-GB" sz="1100" u="sng" dirty="0">
+              <a:solidFill>
+                <a:schemeClr val="bg1"/>
+              </a:solidFill>
+              <a:cs typeface="Arial"/>
+            </a:endParaRPr>
+          </a:p>
+          <a:p>
+            <a:r>
+              <a:rPr lang="en-GB" sz="1100" dirty="0">
+                <a:solidFill>
+                  <a:schemeClr val="bg1"/>
+                </a:solidFill>
+              </a:rPr>
+              <a:t>Approx 50% discount for scenarios competitive with other RPM based Linux (CentOS, Rocky, Alma, Euro, Oracle)</a:t>
+            </a:r>
+            <a:endParaRPr lang="en-GB" sz="1100" dirty="0">
+              <a:solidFill>
+                <a:schemeClr val="bg1"/>
+              </a:solidFill>
+              <a:cs typeface="Arial"/>
+            </a:endParaRPr>
+          </a:p>
+          <a:p>
+            <a:endParaRPr lang="en-GB" sz="1100" dirty="0">
+              <a:solidFill>
+                <a:schemeClr val="bg1"/>
+              </a:solidFill>
+              <a:cs typeface="Arial"/>
+            </a:endParaRPr>
+          </a:p>
+          <a:p>
+            <a:r>
+              <a:rPr lang="en-GB" sz="1100" u="sng" dirty="0">
+                <a:solidFill>
+                  <a:schemeClr val="bg1"/>
+                </a:solidFill>
+              </a:rPr>
+              <a:t>Participation Requirements:</a:t>
+            </a:r>
+            <a:endParaRPr lang="en-GB" sz="1100" u="sng" dirty="0">
+              <a:solidFill>
+                <a:schemeClr val="bg1"/>
+              </a:solidFill>
+              <a:cs typeface="Arial"/>
+            </a:endParaRPr>
+          </a:p>
+          <a:p>
+            <a:r>
+              <a:rPr lang="en-GB" sz="1100" dirty="0">
+                <a:solidFill>
+                  <a:schemeClr val="bg1"/>
+                </a:solidFill>
+              </a:rPr>
+              <a:t>Competitive scenario</a:t>
+            </a:r>
+            <a:endParaRPr lang="en-GB" sz="1100" dirty="0">
+              <a:solidFill>
+                <a:schemeClr val="bg1"/>
+              </a:solidFill>
+              <a:cs typeface="Arial"/>
+            </a:endParaRPr>
+          </a:p>
+          <a:p>
+            <a:r>
+              <a:rPr lang="en-GB" sz="1100" dirty="0">
+                <a:solidFill>
+                  <a:schemeClr val="bg1"/>
+                </a:solidFill>
+              </a:rPr>
+              <a:t>Requires quoting a special SKU</a:t>
+            </a:r>
+            <a:endParaRPr lang="en-GB" sz="1100" dirty="0">
+              <a:solidFill>
+                <a:schemeClr val="bg1"/>
+              </a:solidFill>
+              <a:cs typeface="Arial"/>
+            </a:endParaRPr>
+          </a:p>
+          <a:p>
+            <a:endParaRPr lang="en-GB" sz="1100" dirty="0">
+              <a:solidFill>
+                <a:schemeClr val="bg1"/>
+              </a:solidFill>
+              <a:cs typeface="Arial"/>
+            </a:endParaRPr>
+          </a:p>
+          <a:p>
+            <a:r>
+              <a:rPr lang="en-GB" sz="1100" u="sng" dirty="0">
+                <a:solidFill>
+                  <a:schemeClr val="bg1"/>
+                </a:solidFill>
+              </a:rPr>
+              <a:t>Notes:</a:t>
+            </a:r>
+            <a:endParaRPr lang="en-GB" sz="1100" u="sng" dirty="0">
+              <a:solidFill>
+                <a:schemeClr val="bg1"/>
+              </a:solidFill>
+              <a:cs typeface="Arial"/>
+            </a:endParaRPr>
+          </a:p>
+          <a:p>
+            <a:r>
+              <a:rPr lang="en-GB" sz="1100" dirty="0">
+                <a:solidFill>
+                  <a:schemeClr val="bg1"/>
+                </a:solidFill>
+              </a:rPr>
+              <a:t>RHEL bought this way cannot use any RHEL add-ons and can only be bought as standard support.</a:t>
+            </a:r>
+            <a:endParaRPr lang="en-GB" sz="1100" dirty="0">
+              <a:solidFill>
+                <a:schemeClr val="bg1"/>
+              </a:solidFill>
+              <a:cs typeface="Arial"/>
+            </a:endParaRPr>
+          </a:p>
+        </p:txBody>
+      </p:sp>
+      <p:sp>
+        <p:nvSpPr>
+          <p:cNvPr id="10" name="TextBox 9">
+            <a:extLst>
+              <a:ext uri="{FF2B5EF4-FFF2-40B4-BE49-F238E27FC236}">
+                <a16:creationId xmlns:a16="http://schemas.microsoft.com/office/drawing/2014/main" id="{84C70A5B-5436-7AB0-CC7A-D22BA05FD8A1}"/>
+              </a:ext>
+            </a:extLst>
+          </p:cNvPr>
+          <p:cNvSpPr txBox="1"/>
+          <p:nvPr/>
+        </p:nvSpPr>
+        <p:spPr>
+          <a:xfrm>
+            <a:off x="504955" y="4169837"/>
+            <a:ext cx="3228701" cy="2508379"/>
+          </a:xfrm>
+          <a:prstGeom prst="rect">
+            <a:avLst/>
+          </a:prstGeom>
+        </p:spPr>
+        <p:style>
+          <a:lnRef idx="2">
+            <a:schemeClr val="dk1"/>
+          </a:lnRef>
+          <a:fillRef idx="1">
+            <a:schemeClr val="lt1"/>
+          </a:fillRef>
+          <a:effectRef idx="0">
+            <a:schemeClr val="dk1"/>
+          </a:effectRef>
+          <a:fontRef idx="minor">
+            <a:schemeClr val="dk1"/>
+          </a:fontRef>
+        </p:style>
+        <p:txBody>
+          <a:bodyPr wrap="square" lIns="91440" tIns="45720" rIns="91440" bIns="45720" anchor="t">
+            <a:spAutoFit/>
+          </a:bodyPr>
+          <a:lstStyle/>
+          <a:p>
+            <a:r>
+              <a:rPr lang="en-GB" sz="1400" b="1" dirty="0">
+                <a:solidFill>
+                  <a:schemeClr val="bg1"/>
+                </a:solidFill>
+              </a:rPr>
+              <a:t>RHEL for SQL:</a:t>
+            </a:r>
+            <a:endParaRPr lang="en-GB" sz="1400" b="1" dirty="0">
+              <a:solidFill>
+                <a:schemeClr val="bg1"/>
+              </a:solidFill>
+              <a:cs typeface="Arial"/>
+            </a:endParaRPr>
+          </a:p>
+          <a:p>
+            <a:r>
+              <a:rPr lang="en-GB" sz="1100" u="sng" dirty="0">
+                <a:solidFill>
+                  <a:schemeClr val="bg1"/>
+                </a:solidFill>
+              </a:rPr>
+              <a:t>End Date: </a:t>
+            </a:r>
+            <a:endParaRPr lang="en-GB" sz="1100" u="sng" dirty="0">
+              <a:solidFill>
+                <a:schemeClr val="bg1"/>
+              </a:solidFill>
+              <a:cs typeface="Arial"/>
+            </a:endParaRPr>
+          </a:p>
+          <a:p>
+            <a:r>
+              <a:rPr lang="en-GB" sz="1100" dirty="0">
+                <a:solidFill>
+                  <a:schemeClr val="bg1"/>
+                </a:solidFill>
+              </a:rPr>
+              <a:t>Red Hat to confirm all details as a new SKU is in the price book for Q1 but we have had no enablement.</a:t>
+            </a:r>
+            <a:endParaRPr lang="en-GB" sz="1100" dirty="0">
+              <a:solidFill>
+                <a:schemeClr val="bg1"/>
+              </a:solidFill>
+              <a:cs typeface="Arial"/>
+            </a:endParaRPr>
+          </a:p>
+          <a:p>
+            <a:endParaRPr lang="en-GB" sz="1100" dirty="0">
+              <a:solidFill>
+                <a:schemeClr val="bg1"/>
+              </a:solidFill>
+              <a:cs typeface="Arial"/>
+            </a:endParaRPr>
+          </a:p>
+          <a:p>
+            <a:r>
+              <a:rPr lang="en-GB" sz="1100" u="sng" dirty="0">
+                <a:solidFill>
+                  <a:schemeClr val="bg1"/>
+                </a:solidFill>
+              </a:rPr>
+              <a:t>Discount / Benefit: </a:t>
+            </a:r>
+            <a:endParaRPr lang="en-GB" sz="1100" u="sng" dirty="0">
+              <a:solidFill>
+                <a:schemeClr val="bg1"/>
+              </a:solidFill>
+              <a:cs typeface="Arial"/>
+            </a:endParaRPr>
+          </a:p>
+          <a:p>
+            <a:r>
+              <a:rPr lang="en-GB" sz="1100" dirty="0">
+                <a:solidFill>
+                  <a:schemeClr val="bg1"/>
+                </a:solidFill>
+              </a:rPr>
+              <a:t>?</a:t>
+            </a:r>
+            <a:endParaRPr lang="en-GB" sz="1100" dirty="0">
+              <a:solidFill>
+                <a:schemeClr val="bg1"/>
+              </a:solidFill>
+              <a:cs typeface="Arial"/>
+            </a:endParaRPr>
+          </a:p>
+          <a:p>
+            <a:endParaRPr lang="en-GB" sz="1100" dirty="0">
+              <a:solidFill>
+                <a:schemeClr val="bg1"/>
+              </a:solidFill>
+              <a:cs typeface="Arial"/>
+            </a:endParaRPr>
+          </a:p>
+          <a:p>
+            <a:r>
+              <a:rPr lang="en-GB" sz="1100" u="sng" dirty="0">
+                <a:solidFill>
+                  <a:schemeClr val="bg1"/>
+                </a:solidFill>
+              </a:rPr>
+              <a:t>Participation Requirements:</a:t>
+            </a:r>
+            <a:endParaRPr lang="en-GB" sz="1100" u="sng" dirty="0">
+              <a:solidFill>
+                <a:schemeClr val="bg1"/>
+              </a:solidFill>
+              <a:cs typeface="Arial"/>
+            </a:endParaRPr>
+          </a:p>
+          <a:p>
+            <a:r>
+              <a:rPr lang="en-GB" sz="1100" dirty="0">
+                <a:solidFill>
+                  <a:schemeClr val="bg1"/>
+                </a:solidFill>
+              </a:rPr>
+              <a:t>?</a:t>
+            </a:r>
+            <a:endParaRPr lang="en-GB" sz="1100" dirty="0">
+              <a:solidFill>
+                <a:schemeClr val="bg1"/>
+              </a:solidFill>
+              <a:cs typeface="Arial"/>
+            </a:endParaRPr>
+          </a:p>
+          <a:p>
+            <a:endParaRPr lang="en-GB" sz="1100" dirty="0">
+              <a:solidFill>
+                <a:schemeClr val="bg1"/>
+              </a:solidFill>
+              <a:cs typeface="Arial"/>
+            </a:endParaRPr>
+          </a:p>
+          <a:p>
+            <a:r>
+              <a:rPr lang="en-GB" sz="1100" u="sng" dirty="0">
+                <a:solidFill>
+                  <a:schemeClr val="bg1"/>
+                </a:solidFill>
+              </a:rPr>
+              <a:t>Notes:</a:t>
+            </a:r>
+            <a:endParaRPr lang="en-GB" sz="1100" u="sng" dirty="0">
+              <a:solidFill>
+                <a:schemeClr val="bg1"/>
+              </a:solidFill>
+              <a:cs typeface="Arial"/>
+            </a:endParaRPr>
+          </a:p>
+          <a:p>
+            <a:r>
+              <a:rPr lang="en-GB" sz="1100" dirty="0">
+                <a:solidFill>
+                  <a:schemeClr val="bg1"/>
+                </a:solidFill>
+              </a:rPr>
+              <a:t>?</a:t>
+            </a:r>
+            <a:endParaRPr lang="en-GB" sz="1100" dirty="0">
+              <a:solidFill>
+                <a:schemeClr val="bg1"/>
+              </a:solidFill>
+              <a:cs typeface="Arial"/>
+            </a:endParaRPr>
+          </a:p>
+        </p:txBody>
+      </p:sp>
     </p:spTree>
     <p:extLst>
       <p:ext uri="{BB962C8B-B14F-4D97-AF65-F5344CB8AC3E}">
-        <p14:creationId xmlns:p14="http://schemas.microsoft.com/office/powerpoint/2010/main" val="2232637782"/>
+        <p14:creationId xmlns:p14="http://schemas.microsoft.com/office/powerpoint/2010/main" val="3754486150"/>
+      </p:ext>
+    </p:extLst>
+  </p:cSld>
+  <p:clrMapOvr>
+    <a:masterClrMapping/>
+  </p:clrMapOvr>
+</p:sld>
+</file>
+
+<file path=ppt/slides/slide2.xml><?xml version="1.0" encoding="utf-8"?>
+<p:sld xmlns:a="http://schemas.openxmlformats.org/drawingml/2006/main" xmlns:r="http://schemas.openxmlformats.org/officeDocument/2006/relationships" xmlns:p="http://schemas.openxmlformats.org/presentationml/2006/main">
+  <p:cSld>
+    <p:spTree>
+      <p:nvGrpSpPr>
+        <p:cNvPr id="1" name=""/>
+        <p:cNvGrpSpPr/>
+        <p:nvPr/>
+      </p:nvGrpSpPr>
+      <p:grpSpPr>
+        <a:xfrm>
+          <a:off x="0" y="0"/>
+          <a:ext cx="0" cy="0"/>
+          <a:chOff x="0" y="0"/>
+          <a:chExt cx="0" cy="0"/>
+        </a:xfrm>
+      </p:grpSpPr>
+      <p:sp>
+        <p:nvSpPr>
+          <p:cNvPr id="2" name="Title 1">
+            <a:extLst>
+              <a:ext uri="{FF2B5EF4-FFF2-40B4-BE49-F238E27FC236}">
+                <a16:creationId xmlns:a16="http://schemas.microsoft.com/office/drawing/2014/main" id="{DA622E05-4B40-1B50-8792-C042496E5002}"/>
+              </a:ext>
+            </a:extLst>
+          </p:cNvPr>
+          <p:cNvSpPr>
+            <a:spLocks noGrp="1"/>
+          </p:cNvSpPr>
+          <p:nvPr>
+            <p:ph type="title"/>
+          </p:nvPr>
+        </p:nvSpPr>
+        <p:spPr/>
+        <p:txBody>
+          <a:bodyPr/>
+          <a:lstStyle/>
+          <a:p>
+            <a:r>
+              <a:rPr lang="en-GB" dirty="0"/>
+              <a:t>Ansible Automation Platform (AAP)</a:t>
+            </a:r>
+          </a:p>
+        </p:txBody>
+      </p:sp>
+      <p:sp>
+        <p:nvSpPr>
+          <p:cNvPr id="6" name="TextBox 5">
+            <a:extLst>
+              <a:ext uri="{FF2B5EF4-FFF2-40B4-BE49-F238E27FC236}">
+                <a16:creationId xmlns:a16="http://schemas.microsoft.com/office/drawing/2014/main" id="{B20AE17C-3835-5BCF-5335-EF9FBC95FC06}"/>
+              </a:ext>
+            </a:extLst>
+          </p:cNvPr>
+          <p:cNvSpPr txBox="1"/>
+          <p:nvPr/>
+        </p:nvSpPr>
+        <p:spPr>
+          <a:xfrm>
+            <a:off x="925284" y="1510276"/>
+            <a:ext cx="3135086" cy="2508379"/>
+          </a:xfrm>
+          <a:prstGeom prst="rect">
+            <a:avLst/>
+          </a:prstGeom>
+        </p:spPr>
+        <p:style>
+          <a:lnRef idx="2">
+            <a:schemeClr val="dk1"/>
+          </a:lnRef>
+          <a:fillRef idx="1">
+            <a:schemeClr val="lt1"/>
+          </a:fillRef>
+          <a:effectRef idx="0">
+            <a:schemeClr val="dk1"/>
+          </a:effectRef>
+          <a:fontRef idx="minor">
+            <a:schemeClr val="dk1"/>
+          </a:fontRef>
+        </p:style>
+        <p:txBody>
+          <a:bodyPr wrap="square" lIns="91440" tIns="45720" rIns="91440" bIns="45720" anchor="t">
+            <a:spAutoFit/>
+          </a:bodyPr>
+          <a:lstStyle/>
+          <a:p>
+            <a:pPr marL="0" marR="0" lvl="0" indent="0" algn="l" defTabSz="914400" rtl="0" eaLnBrk="1" fontAlgn="auto" latinLnBrk="0" hangingPunct="1">
+              <a:lnSpc>
+                <a:spcPct val="100000"/>
+              </a:lnSpc>
+              <a:spcBef>
+                <a:spcPts val="0"/>
+              </a:spcBef>
+              <a:spcAft>
+                <a:spcPts val="0"/>
+              </a:spcAft>
+              <a:buClrTx/>
+              <a:buSzTx/>
+              <a:buFontTx/>
+              <a:buNone/>
+              <a:tabLst/>
+              <a:defRPr/>
+            </a:pPr>
+            <a:r>
+              <a:rPr kumimoji="0" lang="en-GB" sz="1400" b="1" i="0" u="none" strike="noStrike" kern="1200" cap="none" spc="0" normalizeH="0" baseline="0" noProof="0" dirty="0">
+                <a:ln>
+                  <a:noFill/>
+                </a:ln>
+                <a:solidFill>
+                  <a:srgbClr val="005758"/>
+                </a:solidFill>
+                <a:effectLst/>
+                <a:uLnTx/>
+                <a:uFillTx/>
+                <a:latin typeface="+mn-lt"/>
+                <a:ea typeface="+mn-ea"/>
+                <a:cs typeface="+mn-cs"/>
+              </a:rPr>
+              <a:t>Leading with Automation:</a:t>
+            </a:r>
+            <a:endParaRPr lang="en-GB" sz="1400" b="1" i="0" u="none" strike="noStrike" kern="1200" cap="none" spc="0" normalizeH="0" baseline="0" noProof="0" dirty="0">
+              <a:ln>
+                <a:noFill/>
+              </a:ln>
+              <a:solidFill>
+                <a:srgbClr val="005758"/>
+              </a:solidFill>
+              <a:effectLst/>
+              <a:uLnTx/>
+              <a:uFillTx/>
+              <a:latin typeface="+mn-lt"/>
+              <a:cs typeface="Arial"/>
+            </a:endParaRPr>
+          </a:p>
+          <a:p>
+            <a:pPr>
+              <a:defRPr/>
+            </a:pPr>
+            <a:r>
+              <a:rPr kumimoji="0" lang="en-GB" sz="1100" b="0" i="0" u="sng" strike="noStrike" kern="1200" cap="none" spc="0" normalizeH="0" baseline="0" noProof="0" dirty="0">
+                <a:ln>
+                  <a:noFill/>
+                </a:ln>
+                <a:solidFill>
+                  <a:srgbClr val="005758"/>
+                </a:solidFill>
+                <a:effectLst/>
+                <a:uLnTx/>
+                <a:uFillTx/>
+                <a:latin typeface="+mn-lt"/>
+                <a:ea typeface="+mn-ea"/>
+                <a:cs typeface="+mn-cs"/>
+              </a:rPr>
+              <a:t>End Date:</a:t>
+            </a:r>
+            <a:r>
+              <a:rPr lang="en-GB" sz="1100" u="sng" dirty="0">
+                <a:solidFill>
+                  <a:srgbClr val="005758"/>
+                </a:solidFill>
+              </a:rPr>
+              <a:t> </a:t>
+            </a:r>
+            <a:endParaRPr lang="en-GB" sz="1100" b="0" i="0" u="sng" strike="noStrike" kern="1200" cap="none" spc="0" normalizeH="0" baseline="0" noProof="0" dirty="0">
+              <a:ln>
+                <a:noFill/>
+              </a:ln>
+              <a:solidFill>
+                <a:srgbClr val="005758"/>
+              </a:solidFill>
+              <a:effectLst/>
+              <a:uLnTx/>
+              <a:uFillTx/>
+              <a:latin typeface="+mn-lt"/>
+              <a:cs typeface="Arial"/>
+            </a:endParaRPr>
+          </a:p>
+          <a:p>
+            <a:pPr marL="0" marR="0" lvl="0" indent="0" algn="l" defTabSz="914400" rtl="0" eaLnBrk="1" fontAlgn="auto" latinLnBrk="0" hangingPunct="1">
+              <a:lnSpc>
+                <a:spcPct val="100000"/>
+              </a:lnSpc>
+              <a:spcBef>
+                <a:spcPts val="0"/>
+              </a:spcBef>
+              <a:spcAft>
+                <a:spcPts val="0"/>
+              </a:spcAft>
+              <a:buClrTx/>
+              <a:buSzTx/>
+              <a:buFontTx/>
+              <a:buNone/>
+              <a:tabLst/>
+              <a:defRPr/>
+            </a:pPr>
+            <a:r>
+              <a:rPr kumimoji="0" lang="en-GB" sz="1100" b="0" i="0" u="none" strike="noStrike" kern="1200" cap="none" spc="0" normalizeH="0" baseline="0" noProof="0" dirty="0">
+                <a:ln>
+                  <a:noFill/>
+                </a:ln>
+                <a:solidFill>
+                  <a:srgbClr val="005758"/>
+                </a:solidFill>
+                <a:effectLst/>
+                <a:uLnTx/>
+                <a:uFillTx/>
+                <a:latin typeface="+mn-lt"/>
+                <a:ea typeface="+mn-ea"/>
+                <a:cs typeface="+mn-cs"/>
+              </a:rPr>
+              <a:t>None</a:t>
+            </a:r>
+            <a:endParaRPr lang="en-GB" sz="1100" b="0" i="0" u="none" strike="noStrike" kern="1200" cap="none" spc="0" normalizeH="0" baseline="0" noProof="0" dirty="0">
+              <a:ln>
+                <a:noFill/>
+              </a:ln>
+              <a:solidFill>
+                <a:srgbClr val="005758"/>
+              </a:solidFill>
+              <a:effectLst/>
+              <a:uLnTx/>
+              <a:uFillTx/>
+              <a:latin typeface="+mn-lt"/>
+              <a:cs typeface="Arial"/>
+            </a:endParaRPr>
+          </a:p>
+          <a:p>
+            <a:pPr marL="0" marR="0" lvl="0" indent="0" algn="l" defTabSz="914400" rtl="0" eaLnBrk="1" fontAlgn="auto" latinLnBrk="0" hangingPunct="1">
+              <a:lnSpc>
+                <a:spcPct val="100000"/>
+              </a:lnSpc>
+              <a:spcBef>
+                <a:spcPts val="0"/>
+              </a:spcBef>
+              <a:spcAft>
+                <a:spcPts val="0"/>
+              </a:spcAft>
+              <a:buClrTx/>
+              <a:buSzTx/>
+              <a:buFontTx/>
+              <a:buNone/>
+              <a:tabLst/>
+              <a:defRPr/>
+            </a:pPr>
+            <a:endParaRPr lang="en-GB" sz="1100" b="0" i="0" u="sng" strike="noStrike" kern="1200" cap="none" spc="0" normalizeH="0" baseline="0" noProof="0" dirty="0">
+              <a:ln>
+                <a:noFill/>
+              </a:ln>
+              <a:solidFill>
+                <a:srgbClr val="005758"/>
+              </a:solidFill>
+              <a:effectLst/>
+              <a:uLnTx/>
+              <a:uFillTx/>
+              <a:latin typeface="+mn-lt"/>
+              <a:cs typeface="Arial"/>
+            </a:endParaRPr>
+          </a:p>
+          <a:p>
+            <a:pPr>
+              <a:defRPr/>
+            </a:pPr>
+            <a:r>
+              <a:rPr kumimoji="0" lang="en-GB" sz="1100" b="0" i="0" u="sng" strike="noStrike" kern="1200" cap="none" spc="0" normalizeH="0" baseline="0" noProof="0" dirty="0">
+                <a:ln>
+                  <a:noFill/>
+                </a:ln>
+                <a:solidFill>
+                  <a:srgbClr val="005758"/>
+                </a:solidFill>
+                <a:effectLst/>
+                <a:uLnTx/>
+                <a:uFillTx/>
+                <a:latin typeface="+mn-lt"/>
+                <a:ea typeface="+mn-ea"/>
+                <a:cs typeface="+mn-cs"/>
+              </a:rPr>
+              <a:t>Discount / Benefit:</a:t>
+            </a:r>
+            <a:r>
+              <a:rPr lang="en-GB" sz="1100" u="sng" dirty="0">
+                <a:solidFill>
+                  <a:srgbClr val="005758"/>
+                </a:solidFill>
+              </a:rPr>
+              <a:t> </a:t>
+            </a:r>
+            <a:endParaRPr lang="en-GB" sz="1100" b="0" i="0" u="sng" strike="noStrike" kern="1200" cap="none" spc="0" normalizeH="0" baseline="0" noProof="0" dirty="0">
+              <a:ln>
+                <a:noFill/>
+              </a:ln>
+              <a:solidFill>
+                <a:srgbClr val="005758"/>
+              </a:solidFill>
+              <a:effectLst/>
+              <a:uLnTx/>
+              <a:uFillTx/>
+              <a:latin typeface="+mn-lt"/>
+              <a:cs typeface="Arial"/>
+            </a:endParaRPr>
+          </a:p>
+          <a:p>
+            <a:pPr marL="0" marR="0" lvl="0" indent="0" algn="l" defTabSz="914400" rtl="0" eaLnBrk="1" fontAlgn="auto" latinLnBrk="0" hangingPunct="1">
+              <a:lnSpc>
+                <a:spcPct val="100000"/>
+              </a:lnSpc>
+              <a:spcBef>
+                <a:spcPts val="0"/>
+              </a:spcBef>
+              <a:spcAft>
+                <a:spcPts val="0"/>
+              </a:spcAft>
+              <a:buClrTx/>
+              <a:buSzTx/>
+              <a:buFontTx/>
+              <a:buNone/>
+              <a:tabLst/>
+              <a:defRPr/>
+            </a:pPr>
+            <a:r>
+              <a:rPr kumimoji="0" lang="en-GB" sz="1100" b="0" i="0" u="none" strike="noStrike" kern="1200" cap="none" spc="0" normalizeH="0" baseline="0" noProof="0" dirty="0">
+                <a:ln>
+                  <a:noFill/>
+                </a:ln>
+                <a:solidFill>
+                  <a:srgbClr val="005758"/>
+                </a:solidFill>
+                <a:effectLst/>
+                <a:uLnTx/>
+                <a:uFillTx/>
+                <a:latin typeface="+mn-lt"/>
+                <a:ea typeface="+mn-ea"/>
+                <a:cs typeface="+mn-cs"/>
+              </a:rPr>
+              <a:t>10% extra ORP on Ansible deals</a:t>
+            </a:r>
+            <a:endParaRPr lang="en-GB" sz="1100" b="0" i="0" u="none" strike="noStrike" kern="1200" cap="none" spc="0" normalizeH="0" baseline="0" noProof="0" dirty="0">
+              <a:ln>
+                <a:noFill/>
+              </a:ln>
+              <a:solidFill>
+                <a:srgbClr val="005758"/>
+              </a:solidFill>
+              <a:effectLst/>
+              <a:uLnTx/>
+              <a:uFillTx/>
+              <a:latin typeface="+mn-lt"/>
+              <a:cs typeface="Arial"/>
+            </a:endParaRPr>
+          </a:p>
+          <a:p>
+            <a:pPr marL="0" marR="0" lvl="0" indent="0" algn="l" defTabSz="914400" rtl="0" eaLnBrk="1" fontAlgn="auto" latinLnBrk="0" hangingPunct="1">
+              <a:lnSpc>
+                <a:spcPct val="100000"/>
+              </a:lnSpc>
+              <a:spcBef>
+                <a:spcPts val="0"/>
+              </a:spcBef>
+              <a:spcAft>
+                <a:spcPts val="0"/>
+              </a:spcAft>
+              <a:buClrTx/>
+              <a:buSzTx/>
+              <a:buFontTx/>
+              <a:buNone/>
+              <a:tabLst/>
+              <a:defRPr/>
+            </a:pPr>
+            <a:endParaRPr lang="en-GB" sz="1100" b="0" i="0" u="none" strike="noStrike" kern="1200" cap="none" spc="0" normalizeH="0" baseline="0" noProof="0" dirty="0">
+              <a:ln>
+                <a:noFill/>
+              </a:ln>
+              <a:solidFill>
+                <a:srgbClr val="005758"/>
+              </a:solidFill>
+              <a:effectLst/>
+              <a:uLnTx/>
+              <a:uFillTx/>
+              <a:latin typeface="+mn-lt"/>
+              <a:cs typeface="Arial"/>
+            </a:endParaRPr>
+          </a:p>
+          <a:p>
+            <a:pPr marL="0" marR="0" lvl="0" indent="0" algn="l" defTabSz="914400" rtl="0" eaLnBrk="1" fontAlgn="auto" latinLnBrk="0" hangingPunct="1">
+              <a:lnSpc>
+                <a:spcPct val="100000"/>
+              </a:lnSpc>
+              <a:spcBef>
+                <a:spcPts val="0"/>
+              </a:spcBef>
+              <a:spcAft>
+                <a:spcPts val="0"/>
+              </a:spcAft>
+              <a:buClrTx/>
+              <a:buSzTx/>
+              <a:buFontTx/>
+              <a:buNone/>
+              <a:tabLst/>
+              <a:defRPr/>
+            </a:pPr>
+            <a:r>
+              <a:rPr kumimoji="0" lang="en-GB" sz="1100" b="0" i="0" u="sng" strike="noStrike" kern="1200" cap="none" spc="0" normalizeH="0" baseline="0" noProof="0" dirty="0">
+                <a:ln>
+                  <a:noFill/>
+                </a:ln>
+                <a:solidFill>
+                  <a:srgbClr val="005758"/>
+                </a:solidFill>
+                <a:effectLst/>
+                <a:uLnTx/>
+                <a:uFillTx/>
+                <a:latin typeface="+mn-lt"/>
+                <a:ea typeface="+mn-ea"/>
+                <a:cs typeface="+mn-cs"/>
+              </a:rPr>
+              <a:t>Participation Requirements:</a:t>
+            </a:r>
+            <a:endParaRPr lang="en-GB" sz="1100" b="0" i="0" u="sng" strike="noStrike" kern="1200" cap="none" spc="0" normalizeH="0" baseline="0" noProof="0" dirty="0">
+              <a:ln>
+                <a:noFill/>
+              </a:ln>
+              <a:solidFill>
+                <a:srgbClr val="005758"/>
+              </a:solidFill>
+              <a:effectLst/>
+              <a:uLnTx/>
+              <a:uFillTx/>
+              <a:latin typeface="+mn-lt"/>
+              <a:cs typeface="Arial"/>
+            </a:endParaRPr>
+          </a:p>
+          <a:p>
+            <a:pPr marL="0" marR="0" lvl="0" indent="0" algn="l" defTabSz="914400" rtl="0" eaLnBrk="1" fontAlgn="auto" latinLnBrk="0" hangingPunct="1">
+              <a:lnSpc>
+                <a:spcPct val="100000"/>
+              </a:lnSpc>
+              <a:spcBef>
+                <a:spcPts val="0"/>
+              </a:spcBef>
+              <a:spcAft>
+                <a:spcPts val="0"/>
+              </a:spcAft>
+              <a:buClrTx/>
+              <a:buSzTx/>
+              <a:buFontTx/>
+              <a:buNone/>
+              <a:tabLst/>
+              <a:defRPr/>
+            </a:pPr>
+            <a:r>
+              <a:rPr kumimoji="0" lang="en-GB" sz="1100" b="0" i="0" u="none" strike="noStrike" kern="1200" cap="none" spc="0" normalizeH="0" baseline="0" noProof="0" dirty="0">
+                <a:ln>
+                  <a:noFill/>
+                </a:ln>
+                <a:solidFill>
+                  <a:srgbClr val="005758"/>
+                </a:solidFill>
+                <a:effectLst/>
+                <a:uLnTx/>
+                <a:uFillTx/>
+                <a:latin typeface="+mn-lt"/>
+                <a:ea typeface="+mn-ea"/>
+                <a:cs typeface="+mn-cs"/>
+              </a:rPr>
+              <a:t>Advanced / Premier Partner</a:t>
+            </a:r>
+            <a:endParaRPr lang="en-GB" sz="1100" b="0" i="0" u="none" strike="noStrike" kern="1200" cap="none" spc="0" normalizeH="0" baseline="0" noProof="0" dirty="0">
+              <a:ln>
+                <a:noFill/>
+              </a:ln>
+              <a:solidFill>
+                <a:srgbClr val="005758"/>
+              </a:solidFill>
+              <a:effectLst/>
+              <a:uLnTx/>
+              <a:uFillTx/>
+              <a:latin typeface="+mn-lt"/>
+              <a:cs typeface="Arial"/>
+            </a:endParaRPr>
+          </a:p>
+          <a:p>
+            <a:pPr marL="0" marR="0" lvl="0" indent="0" algn="l" defTabSz="914400" rtl="0" eaLnBrk="1" fontAlgn="auto" latinLnBrk="0" hangingPunct="1">
+              <a:lnSpc>
+                <a:spcPct val="100000"/>
+              </a:lnSpc>
+              <a:spcBef>
+                <a:spcPts val="0"/>
+              </a:spcBef>
+              <a:spcAft>
+                <a:spcPts val="0"/>
+              </a:spcAft>
+              <a:buClrTx/>
+              <a:buSzTx/>
+              <a:buFontTx/>
+              <a:buNone/>
+              <a:tabLst/>
+              <a:defRPr/>
+            </a:pPr>
+            <a:r>
+              <a:rPr kumimoji="0" lang="en-GB" sz="1100" b="0" i="0" u="none" strike="noStrike" kern="1200" cap="none" spc="0" normalizeH="0" baseline="0" noProof="0" dirty="0">
+                <a:ln>
+                  <a:noFill/>
+                </a:ln>
+                <a:solidFill>
+                  <a:srgbClr val="005758"/>
+                </a:solidFill>
+                <a:effectLst/>
+                <a:uLnTx/>
+                <a:uFillTx/>
+                <a:latin typeface="+mn-lt"/>
+                <a:ea typeface="+mn-ea"/>
+                <a:cs typeface="+mn-cs"/>
+              </a:rPr>
+              <a:t>2x sales &amp; 2x technical credentials</a:t>
+            </a:r>
+            <a:endParaRPr lang="en-GB" sz="1100" b="0" i="0" u="none" strike="noStrike" kern="1200" cap="none" spc="0" normalizeH="0" baseline="0" noProof="0" dirty="0">
+              <a:ln>
+                <a:noFill/>
+              </a:ln>
+              <a:solidFill>
+                <a:srgbClr val="005758"/>
+              </a:solidFill>
+              <a:effectLst/>
+              <a:uLnTx/>
+              <a:uFillTx/>
+              <a:latin typeface="+mn-lt"/>
+              <a:cs typeface="Arial"/>
+            </a:endParaRPr>
+          </a:p>
+          <a:p>
+            <a:pPr marL="0" marR="0" lvl="0" indent="0" algn="l" defTabSz="914400" rtl="0" eaLnBrk="1" fontAlgn="auto" latinLnBrk="0" hangingPunct="1">
+              <a:lnSpc>
+                <a:spcPct val="100000"/>
+              </a:lnSpc>
+              <a:spcBef>
+                <a:spcPts val="0"/>
+              </a:spcBef>
+              <a:spcAft>
+                <a:spcPts val="0"/>
+              </a:spcAft>
+              <a:buClrTx/>
+              <a:buSzTx/>
+              <a:buFontTx/>
+              <a:buNone/>
+              <a:tabLst/>
+              <a:defRPr/>
+            </a:pPr>
+            <a:r>
+              <a:rPr kumimoji="0" lang="en-GB" sz="1100" b="0" i="0" u="none" strike="noStrike" kern="1200" cap="none" spc="0" normalizeH="0" baseline="0" noProof="0" dirty="0">
+                <a:ln>
+                  <a:noFill/>
+                </a:ln>
+                <a:solidFill>
+                  <a:srgbClr val="005758"/>
+                </a:solidFill>
+                <a:effectLst/>
+                <a:uLnTx/>
+                <a:uFillTx/>
+                <a:latin typeface="+mn-lt"/>
+                <a:ea typeface="+mn-ea"/>
+                <a:cs typeface="+mn-cs"/>
+              </a:rPr>
+              <a:t>Apply for LWA program</a:t>
+            </a:r>
+            <a:endParaRPr lang="en-GB" sz="1100" b="0" i="0" u="none" strike="noStrike" kern="1200" cap="none" spc="0" normalizeH="0" baseline="0" noProof="0" dirty="0">
+              <a:ln>
+                <a:noFill/>
+              </a:ln>
+              <a:solidFill>
+                <a:srgbClr val="005758"/>
+              </a:solidFill>
+              <a:effectLst/>
+              <a:uLnTx/>
+              <a:uFillTx/>
+              <a:latin typeface="+mn-lt"/>
+              <a:cs typeface="Arial"/>
+            </a:endParaRPr>
+          </a:p>
+          <a:p>
+            <a:pPr marL="0" marR="0" lvl="0" indent="0" algn="l" defTabSz="914400" rtl="0" eaLnBrk="1" fontAlgn="auto" latinLnBrk="0" hangingPunct="1">
+              <a:lnSpc>
+                <a:spcPct val="100000"/>
+              </a:lnSpc>
+              <a:spcBef>
+                <a:spcPts val="0"/>
+              </a:spcBef>
+              <a:spcAft>
+                <a:spcPts val="0"/>
+              </a:spcAft>
+              <a:buClrTx/>
+              <a:buSzTx/>
+              <a:buFontTx/>
+              <a:buNone/>
+              <a:tabLst/>
+              <a:defRPr/>
+            </a:pPr>
+            <a:endParaRPr lang="en-GB" sz="1100" b="0" i="0" u="none" strike="noStrike" kern="1200" cap="none" spc="0" normalizeH="0" baseline="0" noProof="0" dirty="0">
+              <a:ln>
+                <a:noFill/>
+              </a:ln>
+              <a:solidFill>
+                <a:srgbClr val="005758"/>
+              </a:solidFill>
+              <a:effectLst/>
+              <a:uLnTx/>
+              <a:uFillTx/>
+              <a:latin typeface="+mn-lt"/>
+              <a:cs typeface="Arial"/>
+            </a:endParaRPr>
+          </a:p>
+          <a:p>
+            <a:pPr marL="0" marR="0" lvl="0" indent="0" algn="l" defTabSz="914400" rtl="0" eaLnBrk="1" fontAlgn="auto" latinLnBrk="0" hangingPunct="1">
+              <a:lnSpc>
+                <a:spcPct val="100000"/>
+              </a:lnSpc>
+              <a:spcBef>
+                <a:spcPts val="0"/>
+              </a:spcBef>
+              <a:spcAft>
+                <a:spcPts val="0"/>
+              </a:spcAft>
+              <a:buClrTx/>
+              <a:buSzTx/>
+              <a:buFontTx/>
+              <a:buNone/>
+              <a:tabLst/>
+              <a:defRPr/>
+            </a:pPr>
+            <a:r>
+              <a:rPr kumimoji="0" lang="en-GB" sz="1100" b="0" i="0" u="sng" strike="noStrike" kern="1200" cap="none" spc="0" normalizeH="0" baseline="0" noProof="0" dirty="0">
+                <a:ln>
+                  <a:noFill/>
+                </a:ln>
+                <a:solidFill>
+                  <a:srgbClr val="005758"/>
+                </a:solidFill>
+                <a:effectLst/>
+                <a:uLnTx/>
+                <a:uFillTx/>
+                <a:latin typeface="+mn-lt"/>
+                <a:ea typeface="+mn-ea"/>
+                <a:cs typeface="+mn-cs"/>
+              </a:rPr>
+              <a:t>Notes:</a:t>
+            </a:r>
+            <a:endParaRPr lang="en-GB" sz="1100" b="0" i="0" u="sng" strike="noStrike" kern="1200" cap="none" spc="0" normalizeH="0" baseline="0" noProof="0" dirty="0">
+              <a:ln>
+                <a:noFill/>
+              </a:ln>
+              <a:solidFill>
+                <a:srgbClr val="005758"/>
+              </a:solidFill>
+              <a:effectLst/>
+              <a:uLnTx/>
+              <a:uFillTx/>
+              <a:latin typeface="+mn-lt"/>
+              <a:cs typeface="Arial"/>
+            </a:endParaRPr>
+          </a:p>
+          <a:p>
+            <a:pPr marL="0" marR="0" lvl="0" indent="0" algn="l" defTabSz="914400" rtl="0" eaLnBrk="1" fontAlgn="auto" latinLnBrk="0" hangingPunct="1">
+              <a:lnSpc>
+                <a:spcPct val="100000"/>
+              </a:lnSpc>
+              <a:spcBef>
+                <a:spcPts val="0"/>
+              </a:spcBef>
+              <a:spcAft>
+                <a:spcPts val="0"/>
+              </a:spcAft>
+              <a:buClrTx/>
+              <a:buSzTx/>
+              <a:buFontTx/>
+              <a:buNone/>
+              <a:tabLst/>
+              <a:defRPr/>
+            </a:pPr>
+            <a:r>
+              <a:rPr kumimoji="0" lang="en-GB" sz="1100" b="0" i="0" u="none" strike="noStrike" kern="1200" cap="none" spc="0" normalizeH="0" baseline="0" noProof="0" dirty="0">
+                <a:ln>
+                  <a:noFill/>
+                </a:ln>
+                <a:solidFill>
+                  <a:srgbClr val="005758"/>
+                </a:solidFill>
+                <a:effectLst/>
+                <a:uLnTx/>
+                <a:uFillTx/>
+                <a:latin typeface="+mn-lt"/>
+                <a:ea typeface="+mn-ea"/>
+                <a:cs typeface="+mn-cs"/>
+              </a:rPr>
+              <a:t>New business only</a:t>
+            </a:r>
+            <a:endParaRPr lang="en-GB" sz="1100" b="0" i="0" u="none" strike="noStrike" kern="1200" cap="none" spc="0" normalizeH="0" baseline="0" noProof="0" dirty="0">
+              <a:ln>
+                <a:noFill/>
+              </a:ln>
+              <a:solidFill>
+                <a:srgbClr val="005758"/>
+              </a:solidFill>
+              <a:effectLst/>
+              <a:uLnTx/>
+              <a:uFillTx/>
+              <a:latin typeface="+mn-lt"/>
+              <a:cs typeface="Arial"/>
+            </a:endParaRPr>
+          </a:p>
+        </p:txBody>
+      </p:sp>
+      <p:sp>
+        <p:nvSpPr>
+          <p:cNvPr id="8" name="TextBox 7">
+            <a:extLst>
+              <a:ext uri="{FF2B5EF4-FFF2-40B4-BE49-F238E27FC236}">
+                <a16:creationId xmlns:a16="http://schemas.microsoft.com/office/drawing/2014/main" id="{E27FEB57-20F8-9B31-CFEA-F662F1B51201}"/>
+              </a:ext>
+            </a:extLst>
+          </p:cNvPr>
+          <p:cNvSpPr txBox="1"/>
+          <p:nvPr/>
+        </p:nvSpPr>
+        <p:spPr>
+          <a:xfrm>
+            <a:off x="927598" y="4159417"/>
+            <a:ext cx="3135086" cy="2554545"/>
+          </a:xfrm>
+          <a:prstGeom prst="rect">
+            <a:avLst/>
+          </a:prstGeom>
+        </p:spPr>
+        <p:style>
+          <a:lnRef idx="2">
+            <a:schemeClr val="dk1"/>
+          </a:lnRef>
+          <a:fillRef idx="1">
+            <a:schemeClr val="lt1"/>
+          </a:fillRef>
+          <a:effectRef idx="0">
+            <a:schemeClr val="dk1"/>
+          </a:effectRef>
+          <a:fontRef idx="minor">
+            <a:schemeClr val="dk1"/>
+          </a:fontRef>
+        </p:style>
+        <p:txBody>
+          <a:bodyPr wrap="square" lIns="91440" tIns="45720" rIns="91440" bIns="45720" anchor="t">
+            <a:spAutoFit/>
+          </a:bodyPr>
+          <a:lstStyle/>
+          <a:p>
+            <a:pPr marL="0" marR="0" lvl="0" indent="0" algn="l" defTabSz="914400" rtl="0" eaLnBrk="1" fontAlgn="auto" latinLnBrk="0" hangingPunct="1">
+              <a:lnSpc>
+                <a:spcPct val="100000"/>
+              </a:lnSpc>
+              <a:spcBef>
+                <a:spcPts val="0"/>
+              </a:spcBef>
+              <a:spcAft>
+                <a:spcPts val="0"/>
+              </a:spcAft>
+              <a:buClrTx/>
+              <a:buSzTx/>
+              <a:buFontTx/>
+              <a:buNone/>
+              <a:tabLst/>
+              <a:defRPr/>
+            </a:pPr>
+            <a:r>
+              <a:rPr kumimoji="0" lang="en-GB" sz="1400" b="1" i="0" u="none" strike="noStrike" kern="1200" cap="none" spc="0" normalizeH="0" baseline="0" noProof="0" dirty="0">
+                <a:ln>
+                  <a:noFill/>
+                </a:ln>
+                <a:solidFill>
+                  <a:srgbClr val="005758"/>
+                </a:solidFill>
+                <a:effectLst/>
+                <a:uLnTx/>
+                <a:uFillTx/>
+                <a:latin typeface="+mn-lt"/>
+                <a:ea typeface="+mn-ea"/>
+                <a:cs typeface="+mn-cs"/>
+              </a:rPr>
+              <a:t>Accelerate Automation with Ansible (AAA):</a:t>
+            </a:r>
+            <a:endParaRPr lang="en-GB" sz="1400" b="1" i="0" u="none" strike="noStrike" kern="1200" cap="none" spc="0" normalizeH="0" baseline="0" noProof="0" dirty="0">
+              <a:ln>
+                <a:noFill/>
+              </a:ln>
+              <a:solidFill>
+                <a:srgbClr val="005758"/>
+              </a:solidFill>
+              <a:effectLst/>
+              <a:uLnTx/>
+              <a:uFillTx/>
+              <a:latin typeface="+mn-lt"/>
+              <a:cs typeface="Arial"/>
+            </a:endParaRPr>
+          </a:p>
+          <a:p>
+            <a:pPr>
+              <a:defRPr/>
+            </a:pPr>
+            <a:r>
+              <a:rPr kumimoji="0" lang="en-GB" sz="1100" b="0" i="0" u="sng" strike="noStrike" kern="1200" cap="none" spc="0" normalizeH="0" baseline="0" noProof="0" dirty="0">
+                <a:ln>
+                  <a:noFill/>
+                </a:ln>
+                <a:solidFill>
+                  <a:srgbClr val="005758"/>
+                </a:solidFill>
+                <a:effectLst/>
+                <a:uLnTx/>
+                <a:uFillTx/>
+                <a:latin typeface="+mn-lt"/>
+                <a:ea typeface="+mn-ea"/>
+                <a:cs typeface="+mn-cs"/>
+              </a:rPr>
+              <a:t>End Date:</a:t>
+            </a:r>
+            <a:r>
+              <a:rPr lang="en-GB" sz="1100" u="sng" dirty="0">
+                <a:solidFill>
+                  <a:srgbClr val="005758"/>
+                </a:solidFill>
+              </a:rPr>
+              <a:t> </a:t>
+            </a:r>
+            <a:endParaRPr lang="en-GB" sz="1100" b="0" i="0" u="sng" strike="noStrike" kern="1200" cap="none" spc="0" normalizeH="0" baseline="0" noProof="0" dirty="0">
+              <a:ln>
+                <a:noFill/>
+              </a:ln>
+              <a:solidFill>
+                <a:srgbClr val="005758"/>
+              </a:solidFill>
+              <a:effectLst/>
+              <a:uLnTx/>
+              <a:uFillTx/>
+              <a:latin typeface="+mn-lt"/>
+              <a:cs typeface="Arial"/>
+            </a:endParaRPr>
+          </a:p>
+          <a:p>
+            <a:pPr>
+              <a:defRPr/>
+            </a:pPr>
+            <a:r>
+              <a:rPr lang="en-GB" sz="1100" dirty="0">
+                <a:solidFill>
+                  <a:srgbClr val="005758"/>
+                </a:solidFill>
+              </a:rPr>
+              <a:t>Check with Red Hat if this is available for Q1</a:t>
+            </a:r>
+            <a:endParaRPr lang="en-GB" sz="1100" b="0" i="0" u="none" strike="noStrike" kern="1200" cap="none" spc="0" normalizeH="0" baseline="0" noProof="0" dirty="0">
+              <a:ln>
+                <a:noFill/>
+              </a:ln>
+              <a:solidFill>
+                <a:srgbClr val="005758"/>
+              </a:solidFill>
+              <a:effectLst/>
+              <a:uLnTx/>
+              <a:uFillTx/>
+              <a:latin typeface="+mn-lt"/>
+              <a:cs typeface="Arial"/>
+            </a:endParaRPr>
+          </a:p>
+          <a:p>
+            <a:pPr marL="0" marR="0" lvl="0" indent="0" algn="l" defTabSz="914400" rtl="0" eaLnBrk="1" fontAlgn="auto" latinLnBrk="0" hangingPunct="1">
+              <a:lnSpc>
+                <a:spcPct val="100000"/>
+              </a:lnSpc>
+              <a:spcBef>
+                <a:spcPts val="0"/>
+              </a:spcBef>
+              <a:spcAft>
+                <a:spcPts val="0"/>
+              </a:spcAft>
+              <a:buClrTx/>
+              <a:buSzTx/>
+              <a:buFontTx/>
+              <a:buNone/>
+              <a:tabLst/>
+              <a:defRPr/>
+            </a:pPr>
+            <a:endParaRPr lang="en-GB" sz="1100" b="0" i="0" u="sng" strike="noStrike" kern="1200" cap="none" spc="0" normalizeH="0" baseline="0" noProof="0" dirty="0">
+              <a:ln>
+                <a:noFill/>
+              </a:ln>
+              <a:solidFill>
+                <a:srgbClr val="005758"/>
+              </a:solidFill>
+              <a:effectLst/>
+              <a:uLnTx/>
+              <a:uFillTx/>
+              <a:latin typeface="+mn-lt"/>
+              <a:cs typeface="Arial"/>
+            </a:endParaRPr>
+          </a:p>
+          <a:p>
+            <a:pPr>
+              <a:defRPr/>
+            </a:pPr>
+            <a:r>
+              <a:rPr kumimoji="0" lang="en-GB" sz="1100" b="0" i="0" u="sng" strike="noStrike" kern="1200" cap="none" spc="0" normalizeH="0" baseline="0" noProof="0" dirty="0">
+                <a:ln>
+                  <a:noFill/>
+                </a:ln>
+                <a:solidFill>
+                  <a:srgbClr val="005758"/>
+                </a:solidFill>
+                <a:effectLst/>
+                <a:uLnTx/>
+                <a:uFillTx/>
+                <a:latin typeface="+mn-lt"/>
+                <a:ea typeface="+mn-ea"/>
+                <a:cs typeface="+mn-cs"/>
+              </a:rPr>
+              <a:t>Discount / Benefit:</a:t>
+            </a:r>
+            <a:r>
+              <a:rPr lang="en-GB" sz="1100" u="sng" dirty="0">
+                <a:solidFill>
+                  <a:srgbClr val="005758"/>
+                </a:solidFill>
+              </a:rPr>
+              <a:t> </a:t>
+            </a:r>
+            <a:endParaRPr lang="en-GB" sz="1100" b="0" i="0" u="sng" strike="noStrike" kern="1200" cap="none" spc="0" normalizeH="0" baseline="0" noProof="0" dirty="0">
+              <a:ln>
+                <a:noFill/>
+              </a:ln>
+              <a:solidFill>
+                <a:srgbClr val="005758"/>
+              </a:solidFill>
+              <a:effectLst/>
+              <a:uLnTx/>
+              <a:uFillTx/>
+              <a:latin typeface="+mn-lt"/>
+              <a:cs typeface="Arial"/>
+            </a:endParaRPr>
+          </a:p>
+          <a:p>
+            <a:pPr marL="0" marR="0" lvl="0" indent="0" algn="l" defTabSz="914400" rtl="0" eaLnBrk="1" fontAlgn="auto" latinLnBrk="0" hangingPunct="1">
+              <a:lnSpc>
+                <a:spcPct val="100000"/>
+              </a:lnSpc>
+              <a:spcBef>
+                <a:spcPts val="0"/>
+              </a:spcBef>
+              <a:spcAft>
+                <a:spcPts val="0"/>
+              </a:spcAft>
+              <a:buClrTx/>
+              <a:buSzTx/>
+              <a:buFontTx/>
+              <a:buNone/>
+              <a:tabLst/>
+              <a:defRPr/>
+            </a:pPr>
+            <a:r>
+              <a:rPr kumimoji="0" lang="en-GB" sz="1100" b="0" i="0" u="none" strike="noStrike" kern="1200" cap="none" spc="0" normalizeH="0" baseline="0" noProof="0" dirty="0">
+                <a:ln>
+                  <a:noFill/>
+                </a:ln>
+                <a:solidFill>
+                  <a:srgbClr val="005758"/>
+                </a:solidFill>
+                <a:effectLst/>
+                <a:uLnTx/>
+                <a:uFillTx/>
+                <a:latin typeface="+mn-lt"/>
+                <a:ea typeface="+mn-ea"/>
+                <a:cs typeface="+mn-cs"/>
+              </a:rPr>
+              <a:t>33% discount</a:t>
+            </a:r>
+            <a:endParaRPr lang="en-GB" sz="1100" b="0" i="0" u="none" strike="noStrike" kern="1200" cap="none" spc="0" normalizeH="0" baseline="0" noProof="0" dirty="0">
+              <a:ln>
+                <a:noFill/>
+              </a:ln>
+              <a:solidFill>
+                <a:srgbClr val="005758"/>
+              </a:solidFill>
+              <a:effectLst/>
+              <a:uLnTx/>
+              <a:uFillTx/>
+              <a:latin typeface="+mn-lt"/>
+              <a:cs typeface="Arial"/>
+            </a:endParaRPr>
+          </a:p>
+          <a:p>
+            <a:pPr marL="0" marR="0" lvl="0" indent="0" algn="l" defTabSz="914400" rtl="0" eaLnBrk="1" fontAlgn="auto" latinLnBrk="0" hangingPunct="1">
+              <a:lnSpc>
+                <a:spcPct val="100000"/>
+              </a:lnSpc>
+              <a:spcBef>
+                <a:spcPts val="0"/>
+              </a:spcBef>
+              <a:spcAft>
+                <a:spcPts val="0"/>
+              </a:spcAft>
+              <a:buClrTx/>
+              <a:buSzTx/>
+              <a:buFontTx/>
+              <a:buNone/>
+              <a:tabLst/>
+              <a:defRPr/>
+            </a:pPr>
+            <a:endParaRPr lang="en-GB" sz="1100" b="0" i="0" u="none" strike="noStrike" kern="1200" cap="none" spc="0" normalizeH="0" baseline="0" noProof="0" dirty="0">
+              <a:ln>
+                <a:noFill/>
+              </a:ln>
+              <a:solidFill>
+                <a:srgbClr val="005758"/>
+              </a:solidFill>
+              <a:effectLst/>
+              <a:uLnTx/>
+              <a:uFillTx/>
+              <a:latin typeface="+mn-lt"/>
+              <a:cs typeface="Arial"/>
+            </a:endParaRPr>
+          </a:p>
+          <a:p>
+            <a:pPr marL="0" marR="0" lvl="0" indent="0" algn="l" defTabSz="914400" rtl="0" eaLnBrk="1" fontAlgn="auto" latinLnBrk="0" hangingPunct="1">
+              <a:lnSpc>
+                <a:spcPct val="100000"/>
+              </a:lnSpc>
+              <a:spcBef>
+                <a:spcPts val="0"/>
+              </a:spcBef>
+              <a:spcAft>
+                <a:spcPts val="0"/>
+              </a:spcAft>
+              <a:buClrTx/>
+              <a:buSzTx/>
+              <a:buFontTx/>
+              <a:buNone/>
+              <a:tabLst/>
+              <a:defRPr/>
+            </a:pPr>
+            <a:r>
+              <a:rPr kumimoji="0" lang="en-GB" sz="1100" b="0" i="0" u="sng" strike="noStrike" kern="1200" cap="none" spc="0" normalizeH="0" baseline="0" noProof="0" dirty="0">
+                <a:ln>
+                  <a:noFill/>
+                </a:ln>
+                <a:solidFill>
+                  <a:srgbClr val="005758"/>
+                </a:solidFill>
+                <a:effectLst/>
+                <a:uLnTx/>
+                <a:uFillTx/>
+                <a:latin typeface="+mn-lt"/>
+                <a:ea typeface="+mn-ea"/>
+                <a:cs typeface="+mn-cs"/>
+              </a:rPr>
+              <a:t>Participation Requirements:</a:t>
+            </a:r>
+            <a:endParaRPr lang="en-GB" sz="1100" b="0" i="0" u="sng" strike="noStrike" kern="1200" cap="none" spc="0" normalizeH="0" baseline="0" noProof="0" dirty="0">
+              <a:ln>
+                <a:noFill/>
+              </a:ln>
+              <a:solidFill>
+                <a:srgbClr val="005758"/>
+              </a:solidFill>
+              <a:effectLst/>
+              <a:uLnTx/>
+              <a:uFillTx/>
+              <a:latin typeface="+mn-lt"/>
+              <a:cs typeface="Arial"/>
+            </a:endParaRPr>
+          </a:p>
+          <a:p>
+            <a:pPr marL="0" marR="0" lvl="0" indent="0" algn="l" defTabSz="914400" rtl="0" eaLnBrk="1" fontAlgn="auto" latinLnBrk="0" hangingPunct="1">
+              <a:lnSpc>
+                <a:spcPct val="100000"/>
+              </a:lnSpc>
+              <a:spcBef>
+                <a:spcPts val="0"/>
+              </a:spcBef>
+              <a:spcAft>
+                <a:spcPts val="0"/>
+              </a:spcAft>
+              <a:buClrTx/>
+              <a:buSzTx/>
+              <a:buFontTx/>
+              <a:buNone/>
+              <a:tabLst/>
+              <a:defRPr/>
+            </a:pPr>
+            <a:r>
+              <a:rPr kumimoji="0" lang="en-GB" sz="1100" b="0" i="0" u="none" strike="noStrike" kern="1200" cap="none" spc="0" normalizeH="0" baseline="0" noProof="0" dirty="0">
+                <a:ln>
+                  <a:noFill/>
+                </a:ln>
+                <a:solidFill>
+                  <a:srgbClr val="005758"/>
+                </a:solidFill>
+                <a:effectLst/>
+                <a:uLnTx/>
+                <a:uFillTx/>
+                <a:latin typeface="+mn-lt"/>
+                <a:ea typeface="+mn-ea"/>
+                <a:cs typeface="+mn-cs"/>
+              </a:rPr>
+              <a:t>Can only be used once per end customer</a:t>
+            </a:r>
+            <a:endParaRPr lang="en-GB" sz="1100" b="0" i="0" u="none" strike="noStrike" kern="1200" cap="none" spc="0" normalizeH="0" baseline="0" noProof="0" dirty="0">
+              <a:ln>
+                <a:noFill/>
+              </a:ln>
+              <a:solidFill>
+                <a:srgbClr val="005758"/>
+              </a:solidFill>
+              <a:effectLst/>
+              <a:uLnTx/>
+              <a:uFillTx/>
+              <a:latin typeface="+mn-lt"/>
+              <a:cs typeface="Arial"/>
+            </a:endParaRPr>
+          </a:p>
+          <a:p>
+            <a:pPr marL="0" marR="0" lvl="0" indent="0" algn="l" defTabSz="914400" rtl="0" eaLnBrk="1" fontAlgn="auto" latinLnBrk="0" hangingPunct="1">
+              <a:lnSpc>
+                <a:spcPct val="100000"/>
+              </a:lnSpc>
+              <a:spcBef>
+                <a:spcPts val="0"/>
+              </a:spcBef>
+              <a:spcAft>
+                <a:spcPts val="0"/>
+              </a:spcAft>
+              <a:buClrTx/>
+              <a:buSzTx/>
+              <a:buFontTx/>
+              <a:buNone/>
+              <a:tabLst/>
+              <a:defRPr/>
+            </a:pPr>
+            <a:r>
+              <a:rPr lang="en-GB" sz="1100" dirty="0">
+                <a:solidFill>
+                  <a:srgbClr val="005758"/>
+                </a:solidFill>
+              </a:rPr>
+              <a:t>Requires quoting a special SKU</a:t>
+            </a:r>
+            <a:endParaRPr lang="en-GB" sz="1100" b="0" i="0" u="none" strike="noStrike" kern="1200" cap="none" spc="0" normalizeH="0" baseline="0" noProof="0" dirty="0">
+              <a:ln>
+                <a:noFill/>
+              </a:ln>
+              <a:solidFill>
+                <a:srgbClr val="005758"/>
+              </a:solidFill>
+              <a:effectLst/>
+              <a:uLnTx/>
+              <a:uFillTx/>
+              <a:latin typeface="+mn-lt"/>
+              <a:cs typeface="Arial"/>
+            </a:endParaRPr>
+          </a:p>
+          <a:p>
+            <a:pPr marL="0" marR="0" lvl="0" indent="0" algn="l" defTabSz="914400" rtl="0" eaLnBrk="1" fontAlgn="auto" latinLnBrk="0" hangingPunct="1">
+              <a:lnSpc>
+                <a:spcPct val="100000"/>
+              </a:lnSpc>
+              <a:spcBef>
+                <a:spcPts val="0"/>
+              </a:spcBef>
+              <a:spcAft>
+                <a:spcPts val="0"/>
+              </a:spcAft>
+              <a:buClrTx/>
+              <a:buSzTx/>
+              <a:buFontTx/>
+              <a:buNone/>
+              <a:tabLst/>
+              <a:defRPr/>
+            </a:pPr>
+            <a:endParaRPr lang="en-GB" sz="1100" b="0" i="0" u="none" strike="noStrike" kern="1200" cap="none" spc="0" normalizeH="0" baseline="0" noProof="0" dirty="0">
+              <a:ln>
+                <a:noFill/>
+              </a:ln>
+              <a:solidFill>
+                <a:srgbClr val="005758"/>
+              </a:solidFill>
+              <a:effectLst/>
+              <a:uLnTx/>
+              <a:uFillTx/>
+              <a:latin typeface="+mn-lt"/>
+              <a:cs typeface="Arial"/>
+            </a:endParaRPr>
+          </a:p>
+          <a:p>
+            <a:pPr marL="0" marR="0" lvl="0" indent="0" algn="l" defTabSz="914400" rtl="0" eaLnBrk="1" fontAlgn="auto" latinLnBrk="0" hangingPunct="1">
+              <a:lnSpc>
+                <a:spcPct val="100000"/>
+              </a:lnSpc>
+              <a:spcBef>
+                <a:spcPts val="0"/>
+              </a:spcBef>
+              <a:spcAft>
+                <a:spcPts val="0"/>
+              </a:spcAft>
+              <a:buClrTx/>
+              <a:buSzTx/>
+              <a:buFontTx/>
+              <a:buNone/>
+              <a:tabLst/>
+              <a:defRPr/>
+            </a:pPr>
+            <a:r>
+              <a:rPr kumimoji="0" lang="en-GB" sz="1100" b="0" i="0" u="sng" strike="noStrike" kern="1200" cap="none" spc="0" normalizeH="0" baseline="0" noProof="0" dirty="0">
+                <a:ln>
+                  <a:noFill/>
+                </a:ln>
+                <a:solidFill>
+                  <a:srgbClr val="005758"/>
+                </a:solidFill>
+                <a:effectLst/>
+                <a:uLnTx/>
+                <a:uFillTx/>
+                <a:latin typeface="+mn-lt"/>
+                <a:ea typeface="+mn-ea"/>
+                <a:cs typeface="+mn-cs"/>
+              </a:rPr>
+              <a:t>Notes:</a:t>
+            </a:r>
+            <a:endParaRPr lang="en-GB" sz="1100" b="0" i="0" u="sng" strike="noStrike" kern="1200" cap="none" spc="0" normalizeH="0" baseline="0" noProof="0" dirty="0">
+              <a:ln>
+                <a:noFill/>
+              </a:ln>
+              <a:solidFill>
+                <a:srgbClr val="005758"/>
+              </a:solidFill>
+              <a:effectLst/>
+              <a:uLnTx/>
+              <a:uFillTx/>
+              <a:latin typeface="+mn-lt"/>
+              <a:cs typeface="Arial"/>
+            </a:endParaRPr>
+          </a:p>
+          <a:p>
+            <a:pPr marL="0" marR="0" lvl="0" indent="0" algn="l" defTabSz="914400" rtl="0" eaLnBrk="1" fontAlgn="auto" latinLnBrk="0" hangingPunct="1">
+              <a:lnSpc>
+                <a:spcPct val="100000"/>
+              </a:lnSpc>
+              <a:spcBef>
+                <a:spcPts val="0"/>
+              </a:spcBef>
+              <a:spcAft>
+                <a:spcPts val="0"/>
+              </a:spcAft>
+              <a:buClrTx/>
+              <a:buSzTx/>
+              <a:buFontTx/>
+              <a:buNone/>
+              <a:tabLst/>
+              <a:defRPr/>
+            </a:pPr>
+            <a:endParaRPr lang="en-GB" sz="1100" b="0" i="0" u="sng" strike="noStrike" kern="1200" cap="none" spc="0" normalizeH="0" baseline="0" noProof="0" dirty="0">
+              <a:ln>
+                <a:noFill/>
+              </a:ln>
+              <a:solidFill>
+                <a:srgbClr val="005758"/>
+              </a:solidFill>
+              <a:effectLst/>
+              <a:uLnTx/>
+              <a:uFillTx/>
+              <a:latin typeface="+mn-lt"/>
+              <a:cs typeface="Arial"/>
+            </a:endParaRPr>
+          </a:p>
+        </p:txBody>
+      </p:sp>
+      <p:sp>
+        <p:nvSpPr>
+          <p:cNvPr id="9" name="TextBox 8">
+            <a:extLst>
+              <a:ext uri="{FF2B5EF4-FFF2-40B4-BE49-F238E27FC236}">
+                <a16:creationId xmlns:a16="http://schemas.microsoft.com/office/drawing/2014/main" id="{A82BD8AB-08F7-9327-4FE1-B7E7A703A6ED}"/>
+              </a:ext>
+            </a:extLst>
+          </p:cNvPr>
+          <p:cNvSpPr txBox="1"/>
+          <p:nvPr/>
+        </p:nvSpPr>
+        <p:spPr>
+          <a:xfrm>
+            <a:off x="4311288" y="1512901"/>
+            <a:ext cx="3135086" cy="3016210"/>
+          </a:xfrm>
+          <a:prstGeom prst="rect">
+            <a:avLst/>
+          </a:prstGeom>
+        </p:spPr>
+        <p:style>
+          <a:lnRef idx="2">
+            <a:schemeClr val="dk1"/>
+          </a:lnRef>
+          <a:fillRef idx="1">
+            <a:schemeClr val="lt1"/>
+          </a:fillRef>
+          <a:effectRef idx="0">
+            <a:schemeClr val="dk1"/>
+          </a:effectRef>
+          <a:fontRef idx="minor">
+            <a:schemeClr val="dk1"/>
+          </a:fontRef>
+        </p:style>
+        <p:txBody>
+          <a:bodyPr wrap="square" lIns="91440" tIns="45720" rIns="91440" bIns="45720" anchor="t">
+            <a:spAutoFit/>
+          </a:bodyPr>
+          <a:lstStyle/>
+          <a:p>
+            <a:pPr marL="0" marR="0" lvl="0" indent="0" algn="l" defTabSz="914400" rtl="0" eaLnBrk="1" fontAlgn="auto" latinLnBrk="0" hangingPunct="1">
+              <a:lnSpc>
+                <a:spcPct val="100000"/>
+              </a:lnSpc>
+              <a:spcBef>
+                <a:spcPts val="0"/>
+              </a:spcBef>
+              <a:spcAft>
+                <a:spcPts val="0"/>
+              </a:spcAft>
+              <a:buClrTx/>
+              <a:buSzTx/>
+              <a:buFontTx/>
+              <a:buNone/>
+              <a:tabLst/>
+              <a:defRPr/>
+            </a:pPr>
+            <a:r>
+              <a:rPr kumimoji="0" lang="en-GB" sz="1400" b="1" i="0" u="none" strike="noStrike" kern="1200" cap="none" spc="0" normalizeH="0" baseline="0" noProof="0" dirty="0">
+                <a:ln>
+                  <a:noFill/>
+                </a:ln>
+                <a:solidFill>
+                  <a:srgbClr val="005758"/>
+                </a:solidFill>
+                <a:effectLst/>
+                <a:uLnTx/>
+                <a:uFillTx/>
+                <a:latin typeface="+mn-lt"/>
+                <a:ea typeface="+mn-ea"/>
+                <a:cs typeface="+mn-cs"/>
+              </a:rPr>
+              <a:t>AWX Support:</a:t>
+            </a:r>
+            <a:endParaRPr lang="en-GB" sz="1400" b="1" i="0" u="none" strike="noStrike" kern="1200" cap="none" spc="0" normalizeH="0" baseline="0" noProof="0" dirty="0">
+              <a:ln>
+                <a:noFill/>
+              </a:ln>
+              <a:solidFill>
+                <a:srgbClr val="005758"/>
+              </a:solidFill>
+              <a:effectLst/>
+              <a:uLnTx/>
+              <a:uFillTx/>
+              <a:latin typeface="+mn-lt"/>
+              <a:cs typeface="Arial"/>
+            </a:endParaRPr>
+          </a:p>
+          <a:p>
+            <a:pPr>
+              <a:defRPr/>
+            </a:pPr>
+            <a:r>
+              <a:rPr kumimoji="0" lang="en-GB" sz="1100" b="0" i="0" u="sng" strike="noStrike" kern="1200" cap="none" spc="0" normalizeH="0" baseline="0" noProof="0" dirty="0">
+                <a:ln>
+                  <a:noFill/>
+                </a:ln>
+                <a:solidFill>
+                  <a:srgbClr val="005758"/>
+                </a:solidFill>
+                <a:effectLst/>
+                <a:uLnTx/>
+                <a:uFillTx/>
+                <a:latin typeface="+mn-lt"/>
+                <a:ea typeface="+mn-ea"/>
+                <a:cs typeface="+mn-cs"/>
+              </a:rPr>
+              <a:t>End Date:</a:t>
+            </a:r>
+            <a:r>
+              <a:rPr lang="en-GB" sz="1100" u="sng" dirty="0">
+                <a:solidFill>
+                  <a:srgbClr val="005758"/>
+                </a:solidFill>
+              </a:rPr>
+              <a:t> </a:t>
+            </a:r>
+            <a:endParaRPr lang="en-GB" sz="1100" b="0" i="0" u="sng" strike="noStrike" kern="1200" cap="none" spc="0" normalizeH="0" baseline="0" noProof="0" dirty="0">
+              <a:ln>
+                <a:noFill/>
+              </a:ln>
+              <a:solidFill>
+                <a:srgbClr val="005758"/>
+              </a:solidFill>
+              <a:effectLst/>
+              <a:uLnTx/>
+              <a:uFillTx/>
+              <a:latin typeface="+mn-lt"/>
+              <a:cs typeface="Arial"/>
+            </a:endParaRPr>
+          </a:p>
+          <a:p>
+            <a:pPr>
+              <a:defRPr/>
+            </a:pPr>
+            <a:r>
+              <a:rPr lang="en-GB" sz="1100" dirty="0">
+                <a:solidFill>
+                  <a:srgbClr val="005758"/>
+                </a:solidFill>
+                <a:cs typeface="Arial"/>
+              </a:rPr>
+              <a:t>Check with Mark Swinson at Red Hat who is running the sales play</a:t>
+            </a:r>
+            <a:endParaRPr lang="en-GB" sz="1100" b="0" i="0" u="none" strike="noStrike" kern="1200" cap="none" spc="0" normalizeH="0" baseline="0" noProof="0" dirty="0">
+              <a:ln>
+                <a:noFill/>
+              </a:ln>
+              <a:solidFill>
+                <a:srgbClr val="005758"/>
+              </a:solidFill>
+              <a:effectLst/>
+              <a:uLnTx/>
+              <a:uFillTx/>
+              <a:latin typeface="+mn-lt"/>
+              <a:cs typeface="Arial"/>
+            </a:endParaRPr>
+          </a:p>
+          <a:p>
+            <a:pPr marL="0" marR="0" lvl="0" indent="0" algn="l" defTabSz="914400" rtl="0" eaLnBrk="1" fontAlgn="auto" latinLnBrk="0" hangingPunct="1">
+              <a:lnSpc>
+                <a:spcPct val="100000"/>
+              </a:lnSpc>
+              <a:spcBef>
+                <a:spcPts val="0"/>
+              </a:spcBef>
+              <a:spcAft>
+                <a:spcPts val="0"/>
+              </a:spcAft>
+              <a:buClrTx/>
+              <a:buSzTx/>
+              <a:buFontTx/>
+              <a:buNone/>
+              <a:tabLst/>
+              <a:defRPr/>
+            </a:pPr>
+            <a:endParaRPr lang="en-GB" sz="1100" b="0" i="0" u="sng" strike="noStrike" kern="1200" cap="none" spc="0" normalizeH="0" baseline="0" noProof="0" dirty="0">
+              <a:ln>
+                <a:noFill/>
+              </a:ln>
+              <a:solidFill>
+                <a:srgbClr val="005758"/>
+              </a:solidFill>
+              <a:effectLst/>
+              <a:uLnTx/>
+              <a:uFillTx/>
+              <a:latin typeface="+mn-lt"/>
+              <a:cs typeface="Arial"/>
+            </a:endParaRPr>
+          </a:p>
+          <a:p>
+            <a:pPr>
+              <a:defRPr/>
+            </a:pPr>
+            <a:r>
+              <a:rPr kumimoji="0" lang="en-GB" sz="1100" b="0" i="0" u="sng" strike="noStrike" kern="1200" cap="none" spc="0" normalizeH="0" baseline="0" noProof="0" dirty="0">
+                <a:ln>
+                  <a:noFill/>
+                </a:ln>
+                <a:solidFill>
+                  <a:srgbClr val="005758"/>
+                </a:solidFill>
+                <a:effectLst/>
+                <a:uLnTx/>
+                <a:uFillTx/>
+                <a:latin typeface="+mn-lt"/>
+                <a:ea typeface="+mn-ea"/>
+                <a:cs typeface="+mn-cs"/>
+              </a:rPr>
+              <a:t>Discount / Benefit:</a:t>
+            </a:r>
+            <a:r>
+              <a:rPr lang="en-GB" sz="1100" u="sng" dirty="0">
+                <a:solidFill>
+                  <a:srgbClr val="005758"/>
+                </a:solidFill>
+              </a:rPr>
+              <a:t> </a:t>
+            </a:r>
+            <a:endParaRPr lang="en-GB" sz="1100" b="0" i="0" u="sng" strike="noStrike" kern="1200" cap="none" spc="0" normalizeH="0" baseline="0" noProof="0" dirty="0">
+              <a:ln>
+                <a:noFill/>
+              </a:ln>
+              <a:solidFill>
+                <a:srgbClr val="005758"/>
+              </a:solidFill>
+              <a:effectLst/>
+              <a:uLnTx/>
+              <a:uFillTx/>
+              <a:latin typeface="+mn-lt"/>
+              <a:cs typeface="Arial"/>
+            </a:endParaRPr>
+          </a:p>
+          <a:p>
+            <a:pPr marL="0" marR="0" lvl="0" indent="0" algn="l" defTabSz="914400" rtl="0" eaLnBrk="1" fontAlgn="auto" latinLnBrk="0" hangingPunct="1">
+              <a:lnSpc>
+                <a:spcPct val="100000"/>
+              </a:lnSpc>
+              <a:spcBef>
+                <a:spcPts val="0"/>
+              </a:spcBef>
+              <a:spcAft>
+                <a:spcPts val="0"/>
+              </a:spcAft>
+              <a:buClrTx/>
+              <a:buSzTx/>
+              <a:buFontTx/>
+              <a:buNone/>
+              <a:tabLst/>
+              <a:defRPr/>
+            </a:pPr>
+            <a:r>
+              <a:rPr kumimoji="0" lang="en-GB" sz="1100" b="0" i="0" u="none" strike="noStrike" kern="1200" cap="none" spc="0" normalizeH="0" baseline="0" noProof="0" dirty="0">
+                <a:ln>
+                  <a:noFill/>
+                </a:ln>
+                <a:solidFill>
+                  <a:srgbClr val="005758"/>
+                </a:solidFill>
+                <a:effectLst/>
+                <a:uLnTx/>
+                <a:uFillTx/>
+                <a:latin typeface="+mn-lt"/>
+                <a:ea typeface="+mn-ea"/>
+                <a:cs typeface="+mn-cs"/>
+              </a:rPr>
+              <a:t>50% discount &amp; Red Hat will offer support on AWX (Community Ansible) for 1 year while a customer migrates</a:t>
+            </a:r>
+            <a:endParaRPr lang="en-GB" sz="1100" b="0" i="0" u="none" strike="noStrike" kern="1200" cap="none" spc="0" normalizeH="0" baseline="0" noProof="0" dirty="0">
+              <a:ln>
+                <a:noFill/>
+              </a:ln>
+              <a:solidFill>
+                <a:srgbClr val="005758"/>
+              </a:solidFill>
+              <a:effectLst/>
+              <a:uLnTx/>
+              <a:uFillTx/>
+              <a:latin typeface="+mn-lt"/>
+              <a:cs typeface="Arial"/>
+            </a:endParaRPr>
+          </a:p>
+          <a:p>
+            <a:pPr marL="0" marR="0" lvl="0" indent="0" algn="l" defTabSz="914400" rtl="0" eaLnBrk="1" fontAlgn="auto" latinLnBrk="0" hangingPunct="1">
+              <a:lnSpc>
+                <a:spcPct val="100000"/>
+              </a:lnSpc>
+              <a:spcBef>
+                <a:spcPts val="0"/>
+              </a:spcBef>
+              <a:spcAft>
+                <a:spcPts val="0"/>
+              </a:spcAft>
+              <a:buClrTx/>
+              <a:buSzTx/>
+              <a:buFontTx/>
+              <a:buNone/>
+              <a:tabLst/>
+              <a:defRPr/>
+            </a:pPr>
+            <a:endParaRPr lang="en-GB" sz="1100" b="0" i="0" u="none" strike="noStrike" kern="1200" cap="none" spc="0" normalizeH="0" baseline="0" noProof="0" dirty="0">
+              <a:ln>
+                <a:noFill/>
+              </a:ln>
+              <a:solidFill>
+                <a:srgbClr val="005758"/>
+              </a:solidFill>
+              <a:effectLst/>
+              <a:uLnTx/>
+              <a:uFillTx/>
+              <a:latin typeface="+mn-lt"/>
+              <a:cs typeface="Arial"/>
+            </a:endParaRPr>
+          </a:p>
+          <a:p>
+            <a:pPr marL="0" marR="0" lvl="0" indent="0" algn="l" defTabSz="914400" rtl="0" eaLnBrk="1" fontAlgn="auto" latinLnBrk="0" hangingPunct="1">
+              <a:lnSpc>
+                <a:spcPct val="100000"/>
+              </a:lnSpc>
+              <a:spcBef>
+                <a:spcPts val="0"/>
+              </a:spcBef>
+              <a:spcAft>
+                <a:spcPts val="0"/>
+              </a:spcAft>
+              <a:buClrTx/>
+              <a:buSzTx/>
+              <a:buFontTx/>
+              <a:buNone/>
+              <a:tabLst/>
+              <a:defRPr/>
+            </a:pPr>
+            <a:r>
+              <a:rPr kumimoji="0" lang="en-GB" sz="1100" b="0" i="0" u="sng" strike="noStrike" kern="1200" cap="none" spc="0" normalizeH="0" baseline="0" noProof="0" dirty="0">
+                <a:ln>
+                  <a:noFill/>
+                </a:ln>
+                <a:solidFill>
+                  <a:srgbClr val="005758"/>
+                </a:solidFill>
+                <a:effectLst/>
+                <a:uLnTx/>
+                <a:uFillTx/>
+                <a:latin typeface="+mn-lt"/>
+                <a:ea typeface="+mn-ea"/>
+                <a:cs typeface="+mn-cs"/>
+              </a:rPr>
+              <a:t>Participation Requirements:</a:t>
+            </a:r>
+            <a:endParaRPr lang="en-GB" sz="1100" b="0" i="0" u="sng" strike="noStrike" kern="1200" cap="none" spc="0" normalizeH="0" baseline="0" noProof="0" dirty="0">
+              <a:ln>
+                <a:noFill/>
+              </a:ln>
+              <a:solidFill>
+                <a:srgbClr val="005758"/>
+              </a:solidFill>
+              <a:effectLst/>
+              <a:uLnTx/>
+              <a:uFillTx/>
+              <a:latin typeface="+mn-lt"/>
+              <a:cs typeface="Arial"/>
+            </a:endParaRPr>
+          </a:p>
+          <a:p>
+            <a:pPr marL="0" marR="0" lvl="0" indent="0" algn="l" defTabSz="914400" rtl="0" eaLnBrk="1" fontAlgn="auto" latinLnBrk="0" hangingPunct="1">
+              <a:lnSpc>
+                <a:spcPct val="100000"/>
+              </a:lnSpc>
+              <a:spcBef>
+                <a:spcPts val="0"/>
+              </a:spcBef>
+              <a:spcAft>
+                <a:spcPts val="0"/>
+              </a:spcAft>
+              <a:buClrTx/>
+              <a:buSzTx/>
+              <a:buFontTx/>
+              <a:buNone/>
+              <a:tabLst/>
+              <a:defRPr/>
+            </a:pPr>
+            <a:r>
+              <a:rPr kumimoji="0" lang="en-GB" sz="1100" b="0" i="0" u="none" strike="noStrike" kern="1200" cap="none" spc="0" normalizeH="0" baseline="0" noProof="0" dirty="0">
+                <a:ln>
+                  <a:noFill/>
+                </a:ln>
+                <a:solidFill>
+                  <a:srgbClr val="005758"/>
+                </a:solidFill>
+                <a:effectLst/>
+                <a:uLnTx/>
+                <a:uFillTx/>
+                <a:latin typeface="+mn-lt"/>
+                <a:ea typeface="+mn-ea"/>
+                <a:cs typeface="+mn-cs"/>
+              </a:rPr>
+              <a:t>Requires a special bid.</a:t>
+            </a:r>
+            <a:endParaRPr lang="en-GB" sz="1100" b="0" i="0" u="none" strike="noStrike" kern="1200" cap="none" spc="0" normalizeH="0" baseline="0" noProof="0" dirty="0">
+              <a:ln>
+                <a:noFill/>
+              </a:ln>
+              <a:solidFill>
+                <a:srgbClr val="005758"/>
+              </a:solidFill>
+              <a:effectLst/>
+              <a:uLnTx/>
+              <a:uFillTx/>
+              <a:latin typeface="+mn-lt"/>
+              <a:cs typeface="Arial"/>
+            </a:endParaRPr>
+          </a:p>
+          <a:p>
+            <a:pPr marL="0" marR="0" lvl="0" indent="0" algn="l" defTabSz="914400" rtl="0" eaLnBrk="1" fontAlgn="auto" latinLnBrk="0" hangingPunct="1">
+              <a:lnSpc>
+                <a:spcPct val="100000"/>
+              </a:lnSpc>
+              <a:spcBef>
+                <a:spcPts val="0"/>
+              </a:spcBef>
+              <a:spcAft>
+                <a:spcPts val="0"/>
+              </a:spcAft>
+              <a:buClrTx/>
+              <a:buSzTx/>
+              <a:buFontTx/>
+              <a:buNone/>
+              <a:tabLst/>
+              <a:defRPr/>
+            </a:pPr>
+            <a:r>
+              <a:rPr lang="en-GB" sz="1100" dirty="0">
+                <a:solidFill>
+                  <a:srgbClr val="005758"/>
+                </a:solidFill>
+              </a:rPr>
+              <a:t>Can only be used for customers with community Ansible</a:t>
+            </a:r>
+            <a:endParaRPr lang="en-GB" sz="1100" b="0" i="0" u="none" strike="noStrike" kern="1200" cap="none" spc="0" normalizeH="0" baseline="0" noProof="0" dirty="0">
+              <a:ln>
+                <a:noFill/>
+              </a:ln>
+              <a:solidFill>
+                <a:srgbClr val="005758"/>
+              </a:solidFill>
+              <a:effectLst/>
+              <a:uLnTx/>
+              <a:uFillTx/>
+              <a:latin typeface="+mn-lt"/>
+              <a:cs typeface="Arial"/>
+            </a:endParaRPr>
+          </a:p>
+          <a:p>
+            <a:pPr marL="0" marR="0" lvl="0" indent="0" algn="l" defTabSz="914400" rtl="0" eaLnBrk="1" fontAlgn="auto" latinLnBrk="0" hangingPunct="1">
+              <a:lnSpc>
+                <a:spcPct val="100000"/>
+              </a:lnSpc>
+              <a:spcBef>
+                <a:spcPts val="0"/>
+              </a:spcBef>
+              <a:spcAft>
+                <a:spcPts val="0"/>
+              </a:spcAft>
+              <a:buClrTx/>
+              <a:buSzTx/>
+              <a:buFontTx/>
+              <a:buNone/>
+              <a:tabLst/>
+              <a:defRPr/>
+            </a:pPr>
+            <a:endParaRPr lang="en-GB" sz="1100" b="0" i="0" u="none" strike="noStrike" kern="1200" cap="none" spc="0" normalizeH="0" baseline="0" noProof="0" dirty="0">
+              <a:ln>
+                <a:noFill/>
+              </a:ln>
+              <a:solidFill>
+                <a:srgbClr val="005758"/>
+              </a:solidFill>
+              <a:effectLst/>
+              <a:uLnTx/>
+              <a:uFillTx/>
+              <a:latin typeface="+mn-lt"/>
+              <a:cs typeface="Arial"/>
+            </a:endParaRPr>
+          </a:p>
+          <a:p>
+            <a:pPr marL="0" marR="0" lvl="0" indent="0" algn="l" defTabSz="914400" rtl="0" eaLnBrk="1" fontAlgn="auto" latinLnBrk="0" hangingPunct="1">
+              <a:lnSpc>
+                <a:spcPct val="100000"/>
+              </a:lnSpc>
+              <a:spcBef>
+                <a:spcPts val="0"/>
+              </a:spcBef>
+              <a:spcAft>
+                <a:spcPts val="0"/>
+              </a:spcAft>
+              <a:buClrTx/>
+              <a:buSzTx/>
+              <a:buFontTx/>
+              <a:buNone/>
+              <a:tabLst/>
+              <a:defRPr/>
+            </a:pPr>
+            <a:r>
+              <a:rPr kumimoji="0" lang="en-GB" sz="1100" b="0" i="0" u="sng" strike="noStrike" kern="1200" cap="none" spc="0" normalizeH="0" baseline="0" noProof="0" dirty="0">
+                <a:ln>
+                  <a:noFill/>
+                </a:ln>
+                <a:solidFill>
+                  <a:srgbClr val="005758"/>
+                </a:solidFill>
+                <a:effectLst/>
+                <a:uLnTx/>
+                <a:uFillTx/>
+                <a:latin typeface="+mn-lt"/>
+                <a:ea typeface="+mn-ea"/>
+                <a:cs typeface="+mn-cs"/>
+              </a:rPr>
+              <a:t>Notes:</a:t>
+            </a:r>
+            <a:endParaRPr lang="en-GB" sz="1100" b="0" i="0" u="sng" strike="noStrike" kern="1200" cap="none" spc="0" normalizeH="0" baseline="0" noProof="0" dirty="0">
+              <a:ln>
+                <a:noFill/>
+              </a:ln>
+              <a:solidFill>
+                <a:srgbClr val="005758"/>
+              </a:solidFill>
+              <a:effectLst/>
+              <a:uLnTx/>
+              <a:uFillTx/>
+              <a:latin typeface="+mn-lt"/>
+              <a:cs typeface="Arial"/>
+            </a:endParaRPr>
+          </a:p>
+          <a:p>
+            <a:pPr marL="0" marR="0" lvl="0" indent="0" algn="l" defTabSz="914400" rtl="0" eaLnBrk="1" fontAlgn="auto" latinLnBrk="0" hangingPunct="1">
+              <a:lnSpc>
+                <a:spcPct val="100000"/>
+              </a:lnSpc>
+              <a:spcBef>
+                <a:spcPts val="0"/>
+              </a:spcBef>
+              <a:spcAft>
+                <a:spcPts val="0"/>
+              </a:spcAft>
+              <a:buClrTx/>
+              <a:buSzTx/>
+              <a:buFontTx/>
+              <a:buNone/>
+              <a:tabLst/>
+              <a:defRPr/>
+            </a:pPr>
+            <a:endParaRPr lang="en-GB" sz="1100" b="0" i="0" u="sng" strike="noStrike" kern="1200" cap="none" spc="0" normalizeH="0" baseline="0" noProof="0" dirty="0">
+              <a:ln>
+                <a:noFill/>
+              </a:ln>
+              <a:solidFill>
+                <a:srgbClr val="005758"/>
+              </a:solidFill>
+              <a:effectLst/>
+              <a:uLnTx/>
+              <a:uFillTx/>
+              <a:latin typeface="+mn-lt"/>
+              <a:cs typeface="Arial"/>
+            </a:endParaRPr>
+          </a:p>
+        </p:txBody>
+      </p:sp>
+    </p:spTree>
+    <p:extLst>
+      <p:ext uri="{BB962C8B-B14F-4D97-AF65-F5344CB8AC3E}">
+        <p14:creationId xmlns:p14="http://schemas.microsoft.com/office/powerpoint/2010/main" val="4045396081"/>
+      </p:ext>
+    </p:extLst>
+  </p:cSld>
+  <p:clrMapOvr>
+    <a:masterClrMapping/>
+  </p:clrMapOvr>
+</p:sld>
+</file>
+
+<file path=ppt/slides/slide3.xml><?xml version="1.0" encoding="utf-8"?>
+<p:sld xmlns:a="http://schemas.openxmlformats.org/drawingml/2006/main" xmlns:r="http://schemas.openxmlformats.org/officeDocument/2006/relationships" xmlns:p="http://schemas.openxmlformats.org/presentationml/2006/main">
+  <p:cSld>
+    <p:spTree>
+      <p:nvGrpSpPr>
+        <p:cNvPr id="1" name=""/>
+        <p:cNvGrpSpPr/>
+        <p:nvPr/>
+      </p:nvGrpSpPr>
+      <p:grpSpPr>
+        <a:xfrm>
+          <a:off x="0" y="0"/>
+          <a:ext cx="0" cy="0"/>
+          <a:chOff x="0" y="0"/>
+          <a:chExt cx="0" cy="0"/>
+        </a:xfrm>
+      </p:grpSpPr>
+      <p:sp>
+        <p:nvSpPr>
+          <p:cNvPr id="2" name="Title 1">
+            <a:extLst>
+              <a:ext uri="{FF2B5EF4-FFF2-40B4-BE49-F238E27FC236}">
+                <a16:creationId xmlns:a16="http://schemas.microsoft.com/office/drawing/2014/main" id="{E396973D-0279-CB88-D727-525056EF18A3}"/>
+              </a:ext>
+            </a:extLst>
+          </p:cNvPr>
+          <p:cNvSpPr>
+            <a:spLocks noGrp="1"/>
+          </p:cNvSpPr>
+          <p:nvPr>
+            <p:ph type="title"/>
+          </p:nvPr>
+        </p:nvSpPr>
+        <p:spPr/>
+        <p:txBody>
+          <a:bodyPr/>
+          <a:lstStyle/>
+          <a:p>
+            <a:r>
+              <a:rPr lang="en-GB" dirty="0"/>
+              <a:t>OpenShift</a:t>
+            </a:r>
+          </a:p>
+        </p:txBody>
+      </p:sp>
+      <p:sp>
+        <p:nvSpPr>
+          <p:cNvPr id="6" name="TextBox 5">
+            <a:extLst>
+              <a:ext uri="{FF2B5EF4-FFF2-40B4-BE49-F238E27FC236}">
+                <a16:creationId xmlns:a16="http://schemas.microsoft.com/office/drawing/2014/main" id="{CBA2AF59-7C90-A37E-5878-1F5BEEB9423E}"/>
+              </a:ext>
+            </a:extLst>
+          </p:cNvPr>
+          <p:cNvSpPr txBox="1"/>
+          <p:nvPr/>
+        </p:nvSpPr>
+        <p:spPr>
+          <a:xfrm>
+            <a:off x="925284" y="1842308"/>
+            <a:ext cx="3048000" cy="2508379"/>
+          </a:xfrm>
+          <a:prstGeom prst="rect">
+            <a:avLst/>
+          </a:prstGeom>
+        </p:spPr>
+        <p:style>
+          <a:lnRef idx="2">
+            <a:schemeClr val="dk1"/>
+          </a:lnRef>
+          <a:fillRef idx="1">
+            <a:schemeClr val="lt1"/>
+          </a:fillRef>
+          <a:effectRef idx="0">
+            <a:schemeClr val="dk1"/>
+          </a:effectRef>
+          <a:fontRef idx="minor">
+            <a:schemeClr val="dk1"/>
+          </a:fontRef>
+        </p:style>
+        <p:txBody>
+          <a:bodyPr wrap="square">
+            <a:spAutoFit/>
+          </a:bodyPr>
+          <a:lstStyle/>
+          <a:p>
+            <a:pPr marL="0" marR="0" lvl="0" indent="0" algn="l" defTabSz="914400" rtl="0" eaLnBrk="1" fontAlgn="auto" latinLnBrk="0" hangingPunct="1">
+              <a:lnSpc>
+                <a:spcPct val="100000"/>
+              </a:lnSpc>
+              <a:spcBef>
+                <a:spcPts val="0"/>
+              </a:spcBef>
+              <a:spcAft>
+                <a:spcPts val="0"/>
+              </a:spcAft>
+              <a:buClrTx/>
+              <a:buSzTx/>
+              <a:buFontTx/>
+              <a:buNone/>
+              <a:tabLst/>
+              <a:defRPr/>
+            </a:pPr>
+            <a:r>
+              <a:rPr kumimoji="0" lang="en-GB" sz="1400" b="1" i="0" u="none" strike="noStrike" kern="1200" cap="none" spc="0" normalizeH="0" baseline="0" noProof="0" dirty="0">
+                <a:ln>
+                  <a:noFill/>
+                </a:ln>
+                <a:solidFill>
+                  <a:srgbClr val="005758"/>
+                </a:solidFill>
+                <a:effectLst/>
+                <a:uLnTx/>
+                <a:uFillTx/>
+                <a:latin typeface="+mn-lt"/>
+                <a:ea typeface="+mn-ea"/>
+                <a:cs typeface="+mn-cs"/>
+              </a:rPr>
+              <a:t>Leading with Containers:</a:t>
+            </a:r>
+          </a:p>
+          <a:p>
+            <a:pPr marL="0" marR="0" lvl="0" indent="0" algn="l" defTabSz="914400" rtl="0" eaLnBrk="1" fontAlgn="auto" latinLnBrk="0" hangingPunct="1">
+              <a:lnSpc>
+                <a:spcPct val="100000"/>
+              </a:lnSpc>
+              <a:spcBef>
+                <a:spcPts val="0"/>
+              </a:spcBef>
+              <a:spcAft>
+                <a:spcPts val="0"/>
+              </a:spcAft>
+              <a:buClrTx/>
+              <a:buSzTx/>
+              <a:buFontTx/>
+              <a:buNone/>
+              <a:tabLst/>
+              <a:defRPr/>
+            </a:pPr>
+            <a:r>
+              <a:rPr kumimoji="0" lang="en-GB" sz="1100" b="0" i="0" u="sng" strike="noStrike" kern="1200" cap="none" spc="0" normalizeH="0" baseline="0" noProof="0" dirty="0">
+                <a:ln>
+                  <a:noFill/>
+                </a:ln>
+                <a:solidFill>
+                  <a:srgbClr val="005758"/>
+                </a:solidFill>
+                <a:effectLst/>
+                <a:uLnTx/>
+                <a:uFillTx/>
+                <a:latin typeface="+mn-lt"/>
+                <a:ea typeface="+mn-ea"/>
+                <a:cs typeface="+mn-cs"/>
+              </a:rPr>
+              <a:t>End Date: </a:t>
+            </a:r>
+          </a:p>
+          <a:p>
+            <a:pPr marL="0" marR="0" lvl="0" indent="0" algn="l" defTabSz="914400" rtl="0" eaLnBrk="1" fontAlgn="auto" latinLnBrk="0" hangingPunct="1">
+              <a:lnSpc>
+                <a:spcPct val="100000"/>
+              </a:lnSpc>
+              <a:spcBef>
+                <a:spcPts val="0"/>
+              </a:spcBef>
+              <a:spcAft>
+                <a:spcPts val="0"/>
+              </a:spcAft>
+              <a:buClrTx/>
+              <a:buSzTx/>
+              <a:buFontTx/>
+              <a:buNone/>
+              <a:tabLst/>
+              <a:defRPr/>
+            </a:pPr>
+            <a:r>
+              <a:rPr kumimoji="0" lang="en-GB" sz="1100" b="0" i="0" u="none" strike="noStrike" kern="1200" cap="none" spc="0" normalizeH="0" baseline="0" noProof="0" dirty="0">
+                <a:ln>
+                  <a:noFill/>
+                </a:ln>
+                <a:solidFill>
+                  <a:srgbClr val="005758"/>
+                </a:solidFill>
+                <a:effectLst/>
+                <a:uLnTx/>
+                <a:uFillTx/>
+                <a:latin typeface="+mn-lt"/>
+                <a:ea typeface="+mn-ea"/>
+                <a:cs typeface="+mn-cs"/>
+              </a:rPr>
+              <a:t>None</a:t>
+            </a:r>
+          </a:p>
+          <a:p>
+            <a:pPr marL="0" marR="0" lvl="0" indent="0" algn="l" defTabSz="914400" rtl="0" eaLnBrk="1" fontAlgn="auto" latinLnBrk="0" hangingPunct="1">
+              <a:lnSpc>
+                <a:spcPct val="100000"/>
+              </a:lnSpc>
+              <a:spcBef>
+                <a:spcPts val="0"/>
+              </a:spcBef>
+              <a:spcAft>
+                <a:spcPts val="0"/>
+              </a:spcAft>
+              <a:buClrTx/>
+              <a:buSzTx/>
+              <a:buFontTx/>
+              <a:buNone/>
+              <a:tabLst/>
+              <a:defRPr/>
+            </a:pPr>
+            <a:endParaRPr kumimoji="0" lang="en-GB" sz="1100" b="0" i="0" u="sng" strike="noStrike" kern="1200" cap="none" spc="0" normalizeH="0" baseline="0" noProof="0" dirty="0">
+              <a:ln>
+                <a:noFill/>
+              </a:ln>
+              <a:solidFill>
+                <a:srgbClr val="005758"/>
+              </a:solidFill>
+              <a:effectLst/>
+              <a:uLnTx/>
+              <a:uFillTx/>
+              <a:latin typeface="+mn-lt"/>
+              <a:ea typeface="+mn-ea"/>
+              <a:cs typeface="+mn-cs"/>
+            </a:endParaRPr>
+          </a:p>
+          <a:p>
+            <a:pPr marL="0" marR="0" lvl="0" indent="0" algn="l" defTabSz="914400" rtl="0" eaLnBrk="1" fontAlgn="auto" latinLnBrk="0" hangingPunct="1">
+              <a:lnSpc>
+                <a:spcPct val="100000"/>
+              </a:lnSpc>
+              <a:spcBef>
+                <a:spcPts val="0"/>
+              </a:spcBef>
+              <a:spcAft>
+                <a:spcPts val="0"/>
+              </a:spcAft>
+              <a:buClrTx/>
+              <a:buSzTx/>
+              <a:buFontTx/>
+              <a:buNone/>
+              <a:tabLst/>
+              <a:defRPr/>
+            </a:pPr>
+            <a:r>
+              <a:rPr kumimoji="0" lang="en-GB" sz="1100" b="0" i="0" u="sng" strike="noStrike" kern="1200" cap="none" spc="0" normalizeH="0" baseline="0" noProof="0" dirty="0">
+                <a:ln>
+                  <a:noFill/>
+                </a:ln>
+                <a:solidFill>
+                  <a:srgbClr val="005758"/>
+                </a:solidFill>
+                <a:effectLst/>
+                <a:uLnTx/>
+                <a:uFillTx/>
+                <a:latin typeface="+mn-lt"/>
+                <a:ea typeface="+mn-ea"/>
+                <a:cs typeface="+mn-cs"/>
+              </a:rPr>
+              <a:t>Discount / Benefit: </a:t>
+            </a:r>
+          </a:p>
+          <a:p>
+            <a:pPr marL="0" marR="0" lvl="0" indent="0" algn="l" defTabSz="914400" rtl="0" eaLnBrk="1" fontAlgn="auto" latinLnBrk="0" hangingPunct="1">
+              <a:lnSpc>
+                <a:spcPct val="100000"/>
+              </a:lnSpc>
+              <a:spcBef>
+                <a:spcPts val="0"/>
+              </a:spcBef>
+              <a:spcAft>
+                <a:spcPts val="0"/>
+              </a:spcAft>
+              <a:buClrTx/>
+              <a:buSzTx/>
+              <a:buFontTx/>
+              <a:buNone/>
+              <a:tabLst/>
+              <a:defRPr/>
+            </a:pPr>
+            <a:r>
+              <a:rPr kumimoji="0" lang="en-GB" sz="1100" b="0" i="0" u="none" strike="noStrike" kern="1200" cap="none" spc="0" normalizeH="0" baseline="0" noProof="0" dirty="0">
+                <a:ln>
+                  <a:noFill/>
+                </a:ln>
+                <a:solidFill>
+                  <a:srgbClr val="005758"/>
+                </a:solidFill>
+                <a:effectLst/>
+                <a:uLnTx/>
+                <a:uFillTx/>
+                <a:latin typeface="+mn-lt"/>
+                <a:ea typeface="+mn-ea"/>
+                <a:cs typeface="+mn-cs"/>
+              </a:rPr>
+              <a:t>20% extra ORP on OpenShift deals</a:t>
+            </a:r>
+          </a:p>
+          <a:p>
+            <a:pPr marL="0" marR="0" lvl="0" indent="0" algn="l" defTabSz="914400" rtl="0" eaLnBrk="1" fontAlgn="auto" latinLnBrk="0" hangingPunct="1">
+              <a:lnSpc>
+                <a:spcPct val="100000"/>
+              </a:lnSpc>
+              <a:spcBef>
+                <a:spcPts val="0"/>
+              </a:spcBef>
+              <a:spcAft>
+                <a:spcPts val="0"/>
+              </a:spcAft>
+              <a:buClrTx/>
+              <a:buSzTx/>
+              <a:buFontTx/>
+              <a:buNone/>
+              <a:tabLst/>
+              <a:defRPr/>
+            </a:pPr>
+            <a:endParaRPr kumimoji="0" lang="en-GB" sz="1100" b="0" i="0" u="none" strike="noStrike" kern="1200" cap="none" spc="0" normalizeH="0" baseline="0" noProof="0" dirty="0">
+              <a:ln>
+                <a:noFill/>
+              </a:ln>
+              <a:solidFill>
+                <a:srgbClr val="005758"/>
+              </a:solidFill>
+              <a:effectLst/>
+              <a:uLnTx/>
+              <a:uFillTx/>
+              <a:latin typeface="+mn-lt"/>
+              <a:ea typeface="+mn-ea"/>
+              <a:cs typeface="+mn-cs"/>
+            </a:endParaRPr>
+          </a:p>
+          <a:p>
+            <a:pPr marL="0" marR="0" lvl="0" indent="0" algn="l" defTabSz="914400" rtl="0" eaLnBrk="1" fontAlgn="auto" latinLnBrk="0" hangingPunct="1">
+              <a:lnSpc>
+                <a:spcPct val="100000"/>
+              </a:lnSpc>
+              <a:spcBef>
+                <a:spcPts val="0"/>
+              </a:spcBef>
+              <a:spcAft>
+                <a:spcPts val="0"/>
+              </a:spcAft>
+              <a:buClrTx/>
+              <a:buSzTx/>
+              <a:buFontTx/>
+              <a:buNone/>
+              <a:tabLst/>
+              <a:defRPr/>
+            </a:pPr>
+            <a:r>
+              <a:rPr kumimoji="0" lang="en-GB" sz="1100" b="0" i="0" u="sng" strike="noStrike" kern="1200" cap="none" spc="0" normalizeH="0" baseline="0" noProof="0" dirty="0">
+                <a:ln>
+                  <a:noFill/>
+                </a:ln>
+                <a:solidFill>
+                  <a:srgbClr val="005758"/>
+                </a:solidFill>
+                <a:effectLst/>
+                <a:uLnTx/>
+                <a:uFillTx/>
+                <a:latin typeface="+mn-lt"/>
+                <a:ea typeface="+mn-ea"/>
+                <a:cs typeface="+mn-cs"/>
+              </a:rPr>
+              <a:t>Participation Requirements:</a:t>
+            </a:r>
+          </a:p>
+          <a:p>
+            <a:pPr marL="0" marR="0" lvl="0" indent="0" algn="l" defTabSz="914400" rtl="0" eaLnBrk="1" fontAlgn="auto" latinLnBrk="0" hangingPunct="1">
+              <a:lnSpc>
+                <a:spcPct val="100000"/>
+              </a:lnSpc>
+              <a:spcBef>
+                <a:spcPts val="0"/>
+              </a:spcBef>
+              <a:spcAft>
+                <a:spcPts val="0"/>
+              </a:spcAft>
+              <a:buClrTx/>
+              <a:buSzTx/>
+              <a:buFontTx/>
+              <a:buNone/>
+              <a:tabLst/>
+              <a:defRPr/>
+            </a:pPr>
+            <a:r>
+              <a:rPr kumimoji="0" lang="en-GB" sz="1100" b="0" i="0" u="none" strike="noStrike" kern="1200" cap="none" spc="0" normalizeH="0" baseline="0" noProof="0" dirty="0">
+                <a:ln>
+                  <a:noFill/>
+                </a:ln>
+                <a:solidFill>
+                  <a:srgbClr val="005758"/>
+                </a:solidFill>
+                <a:effectLst/>
+                <a:uLnTx/>
+                <a:uFillTx/>
+                <a:latin typeface="+mn-lt"/>
+                <a:ea typeface="+mn-ea"/>
+                <a:cs typeface="+mn-cs"/>
+              </a:rPr>
+              <a:t>Advanced / Premier Partner</a:t>
+            </a:r>
+          </a:p>
+          <a:p>
+            <a:pPr marL="0" marR="0" lvl="0" indent="0" algn="l" defTabSz="914400" rtl="0" eaLnBrk="1" fontAlgn="auto" latinLnBrk="0" hangingPunct="1">
+              <a:lnSpc>
+                <a:spcPct val="100000"/>
+              </a:lnSpc>
+              <a:spcBef>
+                <a:spcPts val="0"/>
+              </a:spcBef>
+              <a:spcAft>
+                <a:spcPts val="0"/>
+              </a:spcAft>
+              <a:buClrTx/>
+              <a:buSzTx/>
+              <a:buFontTx/>
+              <a:buNone/>
+              <a:tabLst/>
+              <a:defRPr/>
+            </a:pPr>
+            <a:r>
+              <a:rPr kumimoji="0" lang="en-GB" sz="1100" b="0" i="0" u="none" strike="noStrike" kern="1200" cap="none" spc="0" normalizeH="0" baseline="0" noProof="0" dirty="0">
+                <a:ln>
+                  <a:noFill/>
+                </a:ln>
+                <a:solidFill>
+                  <a:srgbClr val="005758"/>
+                </a:solidFill>
+                <a:effectLst/>
+                <a:uLnTx/>
+                <a:uFillTx/>
+                <a:latin typeface="+mn-lt"/>
+                <a:ea typeface="+mn-ea"/>
+                <a:cs typeface="+mn-cs"/>
+              </a:rPr>
+              <a:t>2x sales &amp; 2x technical credentials</a:t>
+            </a:r>
+          </a:p>
+          <a:p>
+            <a:pPr marL="0" marR="0" lvl="0" indent="0" algn="l" defTabSz="914400" rtl="0" eaLnBrk="1" fontAlgn="auto" latinLnBrk="0" hangingPunct="1">
+              <a:lnSpc>
+                <a:spcPct val="100000"/>
+              </a:lnSpc>
+              <a:spcBef>
+                <a:spcPts val="0"/>
+              </a:spcBef>
+              <a:spcAft>
+                <a:spcPts val="0"/>
+              </a:spcAft>
+              <a:buClrTx/>
+              <a:buSzTx/>
+              <a:buFontTx/>
+              <a:buNone/>
+              <a:tabLst/>
+              <a:defRPr/>
+            </a:pPr>
+            <a:r>
+              <a:rPr kumimoji="0" lang="en-GB" sz="1100" b="0" i="0" u="none" strike="noStrike" kern="1200" cap="none" spc="0" normalizeH="0" baseline="0" noProof="0" dirty="0">
+                <a:ln>
+                  <a:noFill/>
+                </a:ln>
+                <a:solidFill>
+                  <a:srgbClr val="005758"/>
+                </a:solidFill>
+                <a:effectLst/>
+                <a:uLnTx/>
+                <a:uFillTx/>
+                <a:latin typeface="+mn-lt"/>
+                <a:ea typeface="+mn-ea"/>
+                <a:cs typeface="+mn-cs"/>
+              </a:rPr>
+              <a:t>Apply for LWC program</a:t>
+            </a:r>
+          </a:p>
+          <a:p>
+            <a:pPr marL="0" marR="0" lvl="0" indent="0" algn="l" defTabSz="914400" rtl="0" eaLnBrk="1" fontAlgn="auto" latinLnBrk="0" hangingPunct="1">
+              <a:lnSpc>
+                <a:spcPct val="100000"/>
+              </a:lnSpc>
+              <a:spcBef>
+                <a:spcPts val="0"/>
+              </a:spcBef>
+              <a:spcAft>
+                <a:spcPts val="0"/>
+              </a:spcAft>
+              <a:buClrTx/>
+              <a:buSzTx/>
+              <a:buFontTx/>
+              <a:buNone/>
+              <a:tabLst/>
+              <a:defRPr/>
+            </a:pPr>
+            <a:endParaRPr kumimoji="0" lang="en-GB" sz="1100" b="0" i="0" u="none" strike="noStrike" kern="1200" cap="none" spc="0" normalizeH="0" baseline="0" noProof="0" dirty="0">
+              <a:ln>
+                <a:noFill/>
+              </a:ln>
+              <a:solidFill>
+                <a:srgbClr val="005758"/>
+              </a:solidFill>
+              <a:effectLst/>
+              <a:uLnTx/>
+              <a:uFillTx/>
+              <a:latin typeface="+mn-lt"/>
+              <a:ea typeface="+mn-ea"/>
+              <a:cs typeface="+mn-cs"/>
+            </a:endParaRPr>
+          </a:p>
+          <a:p>
+            <a:pPr marL="0" marR="0" lvl="0" indent="0" algn="l" defTabSz="914400" rtl="0" eaLnBrk="1" fontAlgn="auto" latinLnBrk="0" hangingPunct="1">
+              <a:lnSpc>
+                <a:spcPct val="100000"/>
+              </a:lnSpc>
+              <a:spcBef>
+                <a:spcPts val="0"/>
+              </a:spcBef>
+              <a:spcAft>
+                <a:spcPts val="0"/>
+              </a:spcAft>
+              <a:buClrTx/>
+              <a:buSzTx/>
+              <a:buFontTx/>
+              <a:buNone/>
+              <a:tabLst/>
+              <a:defRPr/>
+            </a:pPr>
+            <a:r>
+              <a:rPr kumimoji="0" lang="en-GB" sz="1100" b="0" i="0" u="sng" strike="noStrike" kern="1200" cap="none" spc="0" normalizeH="0" baseline="0" noProof="0" dirty="0">
+                <a:ln>
+                  <a:noFill/>
+                </a:ln>
+                <a:solidFill>
+                  <a:srgbClr val="005758"/>
+                </a:solidFill>
+                <a:effectLst/>
+                <a:uLnTx/>
+                <a:uFillTx/>
+                <a:latin typeface="+mn-lt"/>
+                <a:ea typeface="+mn-ea"/>
+                <a:cs typeface="+mn-cs"/>
+              </a:rPr>
+              <a:t>Notes:</a:t>
+            </a:r>
+          </a:p>
+          <a:p>
+            <a:pPr marL="0" marR="0" lvl="0" indent="0" algn="l" defTabSz="914400" rtl="0" eaLnBrk="1" fontAlgn="auto" latinLnBrk="0" hangingPunct="1">
+              <a:lnSpc>
+                <a:spcPct val="100000"/>
+              </a:lnSpc>
+              <a:spcBef>
+                <a:spcPts val="0"/>
+              </a:spcBef>
+              <a:spcAft>
+                <a:spcPts val="0"/>
+              </a:spcAft>
+              <a:buClrTx/>
+              <a:buSzTx/>
+              <a:buFontTx/>
+              <a:buNone/>
+              <a:tabLst/>
+              <a:defRPr/>
+            </a:pPr>
+            <a:r>
+              <a:rPr kumimoji="0" lang="en-GB" sz="1100" b="0" i="0" u="none" strike="noStrike" kern="1200" cap="none" spc="0" normalizeH="0" baseline="0" noProof="0" dirty="0">
+                <a:ln>
+                  <a:noFill/>
+                </a:ln>
+                <a:solidFill>
+                  <a:srgbClr val="005758"/>
+                </a:solidFill>
+                <a:effectLst/>
+                <a:uLnTx/>
+                <a:uFillTx/>
+                <a:latin typeface="+mn-lt"/>
+                <a:ea typeface="+mn-ea"/>
+                <a:cs typeface="+mn-cs"/>
+              </a:rPr>
+              <a:t>New business only</a:t>
+            </a:r>
+            <a:endParaRPr lang="en-GB" sz="1600" b="0" dirty="0"/>
+          </a:p>
+        </p:txBody>
+      </p:sp>
+    </p:spTree>
+    <p:extLst>
+      <p:ext uri="{BB962C8B-B14F-4D97-AF65-F5344CB8AC3E}">
+        <p14:creationId xmlns:p14="http://schemas.microsoft.com/office/powerpoint/2010/main" val="4004246952"/>
       </p:ext>
     </p:extLst>
   </p:cSld>
@@ -9078,6 +8909,48 @@
 </file>
 
 <file path=customXml/item1.xml><?xml version="1.0" encoding="utf-8"?>
+<?mso-contentType ?>
+<FormTemplates xmlns="http://schemas.microsoft.com/sharepoint/v3/contenttype/forms">
+  <Display>DocumentLibraryForm</Display>
+  <Edit>DocumentLibraryForm</Edit>
+  <New>DocumentLibraryForm</New>
+</FormTemplates>
+</file>
+
+<file path=customXml/item2.xml><?xml version="1.0" encoding="utf-8"?>
+<p:properties xmlns:p="http://schemas.microsoft.com/office/2006/metadata/properties" xmlns:xsi="http://www.w3.org/2001/XMLSchema-instance" xmlns:pc="http://schemas.microsoft.com/office/infopath/2007/PartnerControls">
+  <documentManagement>
+    <lcf76f155ced4ddcb4097134ff3c332f xmlns="22338dbf-efec-4f10-9503-1f2e74fc2a46">
+      <Terms xmlns="http://schemas.microsoft.com/office/infopath/2007/PartnerControls"/>
+    </lcf76f155ced4ddcb4097134ff3c332f>
+    <TaxCatchAll xmlns="2d05e527-16a7-4e15-bfdc-1d9d7eebbffa" xsi:nil="true"/>
+    <SharedWithUsers xmlns="2d05e527-16a7-4e15-bfdc-1d9d7eebbffa">
+      <UserInfo>
+        <DisplayName>Pluut, Diana</DisplayName>
+        <AccountId>342</AccountId>
+        <AccountType/>
+      </UserInfo>
+      <UserInfo>
+        <DisplayName>O'brien, Stephanie</DisplayName>
+        <AccountId>17615</AccountId>
+        <AccountType/>
+      </UserInfo>
+      <UserInfo>
+        <DisplayName>Gordon(Azimi), Stephanie</DisplayName>
+        <AccountId>2653</AccountId>
+        <AccountType/>
+      </UserInfo>
+      <UserInfo>
+        <DisplayName>Dvorak, Jan</DisplayName>
+        <AccountId>1013</AccountId>
+        <AccountType/>
+      </UserInfo>
+    </SharedWithUsers>
+  </documentManagement>
+</p:properties>
+</file>
+
+<file path=customXml/item3.xml><?xml version="1.0" encoding="utf-8"?>
 <ct:contentTypeSchema xmlns:ct="http://schemas.microsoft.com/office/2006/metadata/contentType" xmlns:ma="http://schemas.microsoft.com/office/2006/metadata/properties/metaAttributes" ct:_="" ma:_="" ma:contentTypeName="Document" ma:contentTypeID="0x0101005AD46205635DDB4FB18ACC096FFED7EE" ma:contentTypeVersion="3" ma:contentTypeDescription="Create a new document." ma:contentTypeScope="" ma:versionID="5ef794e4492e68d5007476553f54399c">
   <xsd:schema xmlns:xsd="http://www.w3.org/2001/XMLSchema" xmlns:xs="http://www.w3.org/2001/XMLSchema" xmlns:p="http://schemas.microsoft.com/office/2006/metadata/properties" xmlns:ns2="22338DBF-EFEC-4F10-9503-1F2E74FC2A46" xmlns:ns3="2d05e527-16a7-4e15-bfdc-1d9d7eebbffa" xmlns:ns4="22338dbf-efec-4f10-9503-1f2e74fc2a46" targetNamespace="http://schemas.microsoft.com/office/2006/metadata/properties" ma:root="true" ma:fieldsID="98035ccaebcde599ac1312be0eb7d94d" ns2:_="" ns3:_="" ns4:_="">
     <xsd:import namespace="22338DBF-EFEC-4F10-9503-1F2E74FC2A46"/>
@@ -9299,64 +9172,10 @@
 </ct:contentTypeSchema>
 </file>
 
-<file path=customXml/item2.xml><?xml version="1.0" encoding="utf-8"?>
-<p:properties xmlns:p="http://schemas.microsoft.com/office/2006/metadata/properties" xmlns:xsi="http://www.w3.org/2001/XMLSchema-instance" xmlns:pc="http://schemas.microsoft.com/office/infopath/2007/PartnerControls">
-  <documentManagement>
-    <lcf76f155ced4ddcb4097134ff3c332f xmlns="22338dbf-efec-4f10-9503-1f2e74fc2a46">
-      <Terms xmlns="http://schemas.microsoft.com/office/infopath/2007/PartnerControls"/>
-    </lcf76f155ced4ddcb4097134ff3c332f>
-    <TaxCatchAll xmlns="2d05e527-16a7-4e15-bfdc-1d9d7eebbffa" xsi:nil="true"/>
-    <SharedWithUsers xmlns="2d05e527-16a7-4e15-bfdc-1d9d7eebbffa">
-      <UserInfo>
-        <DisplayName>Pluut, Diana</DisplayName>
-        <AccountId>342</AccountId>
-        <AccountType/>
-      </UserInfo>
-      <UserInfo>
-        <DisplayName>O'brien, Stephanie</DisplayName>
-        <AccountId>17615</AccountId>
-        <AccountType/>
-      </UserInfo>
-      <UserInfo>
-        <DisplayName>Gordon(Azimi), Stephanie</DisplayName>
-        <AccountId>2653</AccountId>
-        <AccountType/>
-      </UserInfo>
-      <UserInfo>
-        <DisplayName>Dvorak, Jan</DisplayName>
-        <AccountId>1013</AccountId>
-        <AccountType/>
-      </UserInfo>
-    </SharedWithUsers>
-  </documentManagement>
-</p:properties>
-</file>
-
-<file path=customXml/item3.xml><?xml version="1.0" encoding="utf-8"?>
-<?mso-contentType ?>
-<FormTemplates xmlns="http://schemas.microsoft.com/sharepoint/v3/contenttype/forms">
-  <Display>DocumentLibraryForm</Display>
-  <Edit>DocumentLibraryForm</Edit>
-  <New>DocumentLibraryForm</New>
-</FormTemplates>
-</file>
-
 <file path=customXml/itemProps1.xml><?xml version="1.0" encoding="utf-8"?>
-<ds:datastoreItem xmlns:ds="http://schemas.openxmlformats.org/officeDocument/2006/customXml" ds:itemID="{F8F5C770-8A82-41EC-8A76-3052D445880C}">
+<ds:datastoreItem xmlns:ds="http://schemas.openxmlformats.org/officeDocument/2006/customXml" ds:itemID="{9F588BF2-224C-4202-87B7-4BCBE252826C}">
   <ds:schemaRefs>
-    <ds:schemaRef ds:uri="http://schemas.microsoft.com/office/2006/metadata/contentType"/>
-    <ds:schemaRef ds:uri="http://schemas.microsoft.com/office/2006/metadata/properties/metaAttributes"/>
-    <ds:schemaRef ds:uri="http://www.w3.org/2001/XMLSchema"/>
-    <ds:schemaRef ds:uri="http://schemas.microsoft.com/office/2006/metadata/properties"/>
-    <ds:schemaRef ds:uri="22338DBF-EFEC-4F10-9503-1F2E74FC2A46"/>
-    <ds:schemaRef ds:uri="2d05e527-16a7-4e15-bfdc-1d9d7eebbffa"/>
-    <ds:schemaRef ds:uri="22338dbf-efec-4f10-9503-1f2e74fc2a46"/>
-    <ds:schemaRef ds:uri="http://schemas.microsoft.com/office/2006/documentManagement/types"/>
-    <ds:schemaRef ds:uri="http://schemas.microsoft.com/office/infopath/2007/PartnerControls"/>
-    <ds:schemaRef ds:uri="http://schemas.openxmlformats.org/package/2006/metadata/core-properties"/>
-    <ds:schemaRef ds:uri="http://purl.org/dc/elements/1.1/"/>
-    <ds:schemaRef ds:uri="http://purl.org/dc/terms/"/>
-    <ds:schemaRef ds:uri="http://schemas.microsoft.com/internal/obd"/>
+    <ds:schemaRef ds:uri="http://schemas.microsoft.com/sharepoint/v3/contenttype/forms"/>
   </ds:schemaRefs>
 </ds:datastoreItem>
 </file>
@@ -9380,9 +9199,21 @@
 </file>
 
 <file path=customXml/itemProps3.xml><?xml version="1.0" encoding="utf-8"?>
-<ds:datastoreItem xmlns:ds="http://schemas.openxmlformats.org/officeDocument/2006/customXml" ds:itemID="{9F588BF2-224C-4202-87B7-4BCBE252826C}">
+<ds:datastoreItem xmlns:ds="http://schemas.openxmlformats.org/officeDocument/2006/customXml" ds:itemID="{F8F5C770-8A82-41EC-8A76-3052D445880C}">
   <ds:schemaRefs>
-    <ds:schemaRef ds:uri="http://schemas.microsoft.com/sharepoint/v3/contenttype/forms"/>
+    <ds:schemaRef ds:uri="http://schemas.microsoft.com/office/2006/metadata/contentType"/>
+    <ds:schemaRef ds:uri="http://schemas.microsoft.com/office/2006/metadata/properties/metaAttributes"/>
+    <ds:schemaRef ds:uri="http://www.w3.org/2001/XMLSchema"/>
+    <ds:schemaRef ds:uri="http://schemas.microsoft.com/office/2006/metadata/properties"/>
+    <ds:schemaRef ds:uri="22338DBF-EFEC-4F10-9503-1F2E74FC2A46"/>
+    <ds:schemaRef ds:uri="2d05e527-16a7-4e15-bfdc-1d9d7eebbffa"/>
+    <ds:schemaRef ds:uri="22338dbf-efec-4f10-9503-1f2e74fc2a46"/>
+    <ds:schemaRef ds:uri="http://schemas.microsoft.com/office/2006/documentManagement/types"/>
+    <ds:schemaRef ds:uri="http://schemas.microsoft.com/office/infopath/2007/PartnerControls"/>
+    <ds:schemaRef ds:uri="http://schemas.openxmlformats.org/package/2006/metadata/core-properties"/>
+    <ds:schemaRef ds:uri="http://purl.org/dc/elements/1.1/"/>
+    <ds:schemaRef ds:uri="http://purl.org/dc/terms/"/>
+    <ds:schemaRef ds:uri="http://schemas.microsoft.com/internal/obd"/>
   </ds:schemaRefs>
 </ds:datastoreItem>
 </file>